--- a/Aijuka Josbert.pptx
+++ b/Aijuka Josbert.pptx
@@ -14,6 +14,9 @@
     <p:sldId id="262" r:id="rId8"/>
     <p:sldId id="263" r:id="rId9"/>
     <p:sldId id="264" r:id="rId10"/>
+    <p:sldId id="265" r:id="rId11"/>
+    <p:sldId id="266" r:id="rId12"/>
+    <p:sldId id="267" r:id="rId13"/>
   </p:sldIdLst>
   <p:sldSz cx="12599988" cy="8999538"/>
   <p:notesSz cx="6858000" cy="9144000"/>
@@ -112,6 +115,11 @@
       </a:defRPr>
     </a:lvl9pPr>
   </p:defaultTextStyle>
+  <p:extLst>
+    <p:ext uri="{EFAFB233-063F-42B5-8137-9DF3F51BA10A}">
+      <p15:sldGuideLst xmlns:p15="http://schemas.microsoft.com/office/powerpoint/2012/main"/>
+    </p:ext>
+  </p:extLst>
 </p:presentation>
 </file>
 
@@ -246,7 +254,7 @@
           <a:p>
             <a:fld id="{7521BED8-B4F5-48AF-8FB9-C7A2AB26CA8F}" type="datetimeFigureOut">
               <a:rPr lang="en-US" smtClean="0"/>
-              <a:t>11/25/2025</a:t>
+              <a:t>11/26/2025</a:t>
             </a:fld>
             <a:endParaRPr lang="en-US"/>
           </a:p>
@@ -416,7 +424,7 @@
           <a:p>
             <a:fld id="{7521BED8-B4F5-48AF-8FB9-C7A2AB26CA8F}" type="datetimeFigureOut">
               <a:rPr lang="en-US" smtClean="0"/>
-              <a:t>11/25/2025</a:t>
+              <a:t>11/26/2025</a:t>
             </a:fld>
             <a:endParaRPr lang="en-US"/>
           </a:p>
@@ -596,7 +604,7 @@
           <a:p>
             <a:fld id="{7521BED8-B4F5-48AF-8FB9-C7A2AB26CA8F}" type="datetimeFigureOut">
               <a:rPr lang="en-US" smtClean="0"/>
-              <a:t>11/25/2025</a:t>
+              <a:t>11/26/2025</a:t>
             </a:fld>
             <a:endParaRPr lang="en-US"/>
           </a:p>
@@ -766,7 +774,7 @@
           <a:p>
             <a:fld id="{7521BED8-B4F5-48AF-8FB9-C7A2AB26CA8F}" type="datetimeFigureOut">
               <a:rPr lang="en-US" smtClean="0"/>
-              <a:t>11/25/2025</a:t>
+              <a:t>11/26/2025</a:t>
             </a:fld>
             <a:endParaRPr lang="en-US"/>
           </a:p>
@@ -1010,7 +1018,7 @@
           <a:p>
             <a:fld id="{7521BED8-B4F5-48AF-8FB9-C7A2AB26CA8F}" type="datetimeFigureOut">
               <a:rPr lang="en-US" smtClean="0"/>
-              <a:t>11/25/2025</a:t>
+              <a:t>11/26/2025</a:t>
             </a:fld>
             <a:endParaRPr lang="en-US"/>
           </a:p>
@@ -1242,7 +1250,7 @@
           <a:p>
             <a:fld id="{7521BED8-B4F5-48AF-8FB9-C7A2AB26CA8F}" type="datetimeFigureOut">
               <a:rPr lang="en-US" smtClean="0"/>
-              <a:t>11/25/2025</a:t>
+              <a:t>11/26/2025</a:t>
             </a:fld>
             <a:endParaRPr lang="en-US"/>
           </a:p>
@@ -1609,7 +1617,7 @@
           <a:p>
             <a:fld id="{7521BED8-B4F5-48AF-8FB9-C7A2AB26CA8F}" type="datetimeFigureOut">
               <a:rPr lang="en-US" smtClean="0"/>
-              <a:t>11/25/2025</a:t>
+              <a:t>11/26/2025</a:t>
             </a:fld>
             <a:endParaRPr lang="en-US"/>
           </a:p>
@@ -1727,7 +1735,7 @@
           <a:p>
             <a:fld id="{7521BED8-B4F5-48AF-8FB9-C7A2AB26CA8F}" type="datetimeFigureOut">
               <a:rPr lang="en-US" smtClean="0"/>
-              <a:t>11/25/2025</a:t>
+              <a:t>11/26/2025</a:t>
             </a:fld>
             <a:endParaRPr lang="en-US"/>
           </a:p>
@@ -1822,7 +1830,7 @@
           <a:p>
             <a:fld id="{7521BED8-B4F5-48AF-8FB9-C7A2AB26CA8F}" type="datetimeFigureOut">
               <a:rPr lang="en-US" smtClean="0"/>
-              <a:t>11/25/2025</a:t>
+              <a:t>11/26/2025</a:t>
             </a:fld>
             <a:endParaRPr lang="en-US"/>
           </a:p>
@@ -2099,7 +2107,7 @@
           <a:p>
             <a:fld id="{7521BED8-B4F5-48AF-8FB9-C7A2AB26CA8F}" type="datetimeFigureOut">
               <a:rPr lang="en-US" smtClean="0"/>
-              <a:t>11/25/2025</a:t>
+              <a:t>11/26/2025</a:t>
             </a:fld>
             <a:endParaRPr lang="en-US"/>
           </a:p>
@@ -2356,7 +2364,7 @@
           <a:p>
             <a:fld id="{7521BED8-B4F5-48AF-8FB9-C7A2AB26CA8F}" type="datetimeFigureOut">
               <a:rPr lang="en-US" smtClean="0"/>
-              <a:t>11/25/2025</a:t>
+              <a:t>11/26/2025</a:t>
             </a:fld>
             <a:endParaRPr lang="en-US"/>
           </a:p>
@@ -2569,7 +2577,7 @@
           <a:p>
             <a:fld id="{7521BED8-B4F5-48AF-8FB9-C7A2AB26CA8F}" type="datetimeFigureOut">
               <a:rPr lang="en-US" smtClean="0"/>
-              <a:t>11/25/2025</a:t>
+              <a:t>11/26/2025</a:t>
             </a:fld>
             <a:endParaRPr lang="en-US"/>
           </a:p>
@@ -3122,7 +3130,7 @@
 </p:sld>
 </file>
 
-<file path=ppt/slides/slide2.xml><?xml version="1.0" encoding="utf-8"?>
+<file path=ppt/slides/slide10.xml><?xml version="1.0" encoding="utf-8"?>
 <p:sld xmlns:a="http://schemas.openxmlformats.org/drawingml/2006/main" xmlns:r="http://schemas.openxmlformats.org/officeDocument/2006/relationships" xmlns:p="http://schemas.openxmlformats.org/presentationml/2006/main">
   <p:cSld>
     <p:spTree>
@@ -3149,157 +3157,10 @@
             <p:ph type="title"/>
           </p:nvPr>
         </p:nvSpPr>
-        <p:spPr/>
-        <p:txBody>
-          <a:bodyPr/>
-          <a:lstStyle/>
-          <a:p>
-            <a:r>
-              <a:rPr lang="en-US" dirty="0" smtClean="0"/>
-              <a:t>Objectives </a:t>
-            </a:r>
-            <a:endParaRPr lang="en-US" dirty="0"/>
-          </a:p>
-        </p:txBody>
-      </p:sp>
-      <p:sp>
-        <p:nvSpPr>
-          <p:cNvPr id="3" name="Content Placeholder 2"/>
-          <p:cNvSpPr>
-            <a:spLocks noGrp="1"/>
-          </p:cNvSpPr>
-          <p:nvPr>
-            <p:ph idx="1"/>
-          </p:nvPr>
-        </p:nvSpPr>
-        <p:spPr/>
-        <p:txBody>
-          <a:bodyPr>
-            <a:normAutofit fontScale="92500"/>
-          </a:bodyPr>
-          <a:lstStyle/>
-          <a:p>
-            <a:r>
-              <a:rPr lang="en-US" b="1" dirty="0" smtClean="0"/>
-              <a:t>Scenario:</a:t>
-            </a:r>
-            <a:r>
-              <a:rPr lang="en-US" dirty="0" smtClean="0"/>
-              <a:t> A Nigerian e-commerce retailer possesses sales data but lacks actionable insights on customer behavior.</a:t>
-            </a:r>
-          </a:p>
-          <a:p>
-            <a:r>
-              <a:rPr lang="en-US" b="1" dirty="0" smtClean="0"/>
-              <a:t>Objective:</a:t>
-            </a:r>
-            <a:r>
-              <a:rPr lang="en-US" dirty="0" smtClean="0"/>
-              <a:t> To perform customer segmentation using K-Means clustering for targeted marketing and product recommendations.</a:t>
-            </a:r>
-          </a:p>
-          <a:p>
-            <a:r>
-              <a:rPr lang="en-US" b="1" dirty="0" smtClean="0"/>
-              <a:t>Approach:</a:t>
-            </a:r>
-            <a:endParaRPr lang="en-US" dirty="0" smtClean="0"/>
-          </a:p>
-          <a:p>
-            <a:pPr lvl="1"/>
-            <a:r>
-              <a:rPr lang="en-US" dirty="0" smtClean="0"/>
-              <a:t>Data Preprocessing &amp; Normalization.</a:t>
-            </a:r>
-          </a:p>
-          <a:p>
-            <a:pPr lvl="1"/>
-            <a:r>
-              <a:rPr lang="en-US" dirty="0" smtClean="0"/>
-              <a:t>Exploratory Data Analysis (EDA).</a:t>
-            </a:r>
-          </a:p>
-          <a:p>
-            <a:pPr lvl="1"/>
-            <a:r>
-              <a:rPr lang="en-US" dirty="0" smtClean="0"/>
-              <a:t>Feature Engineering (Loyalty &amp; </a:t>
-            </a:r>
-            <a:r>
-              <a:rPr lang="en-US" dirty="0" err="1" smtClean="0"/>
-              <a:t>Recency</a:t>
-            </a:r>
-            <a:r>
-              <a:rPr lang="en-US" dirty="0" smtClean="0"/>
-              <a:t>).</a:t>
-            </a:r>
-          </a:p>
-          <a:p>
-            <a:pPr lvl="1"/>
-            <a:r>
-              <a:rPr lang="en-US" dirty="0" smtClean="0"/>
-              <a:t>K-Means Clustering &amp; PCA.</a:t>
-            </a:r>
-          </a:p>
-          <a:p>
-            <a:pPr lvl="1"/>
-            <a:r>
-              <a:rPr lang="en-US" dirty="0" smtClean="0"/>
-              <a:t>Power BI Dashboard for Business Insights.</a:t>
-            </a:r>
-          </a:p>
-          <a:p>
-            <a:pPr marL="0" indent="0">
-              <a:buNone/>
-            </a:pPr>
-            <a:endParaRPr lang="en-US" dirty="0"/>
-          </a:p>
-        </p:txBody>
-      </p:sp>
-    </p:spTree>
-    <p:extLst>
-      <p:ext uri="{BB962C8B-B14F-4D97-AF65-F5344CB8AC3E}">
-        <p14:creationId xmlns:p14="http://schemas.microsoft.com/office/powerpoint/2010/main" val="1009959408"/>
-      </p:ext>
-    </p:extLst>
-  </p:cSld>
-  <p:clrMapOvr>
-    <a:masterClrMapping/>
-  </p:clrMapOvr>
-</p:sld>
-</file>
-
-<file path=ppt/slides/slide3.xml><?xml version="1.0" encoding="utf-8"?>
-<p:sld xmlns:a="http://schemas.openxmlformats.org/drawingml/2006/main" xmlns:r="http://schemas.openxmlformats.org/officeDocument/2006/relationships" xmlns:p="http://schemas.openxmlformats.org/presentationml/2006/main">
-  <p:cSld>
-    <p:spTree>
-      <p:nvGrpSpPr>
-        <p:cNvPr id="1" name=""/>
-        <p:cNvGrpSpPr/>
-        <p:nvPr/>
-      </p:nvGrpSpPr>
-      <p:grpSpPr>
-        <a:xfrm>
-          <a:off x="0" y="0"/>
-          <a:ext cx="0" cy="0"/>
-          <a:chOff x="0" y="0"/>
-          <a:chExt cx="0" cy="0"/>
-        </a:xfrm>
-      </p:grpSpPr>
-      <p:sp>
-        <p:nvSpPr>
-          <p:cNvPr id="2" name="Title 1"/>
-          <p:cNvSpPr>
-            <a:spLocks noGrp="1"/>
-          </p:cNvSpPr>
-          <p:nvPr>
-            <p:ph type="title"/>
-          </p:nvPr>
-        </p:nvSpPr>
         <p:spPr>
           <a:xfrm>
-            <a:off x="809544" y="457795"/>
-            <a:ext cx="10867489" cy="1104007"/>
+            <a:off x="866249" y="479144"/>
+            <a:ext cx="10867490" cy="807789"/>
           </a:xfrm>
         </p:spPr>
         <p:txBody>
@@ -3309,12 +3170,13 @@
           <a:lstStyle/>
           <a:p>
             <a:r>
+              <a:rPr lang="en-US" b="1" dirty="0"/>
+              <a:t>Part D - Cluster </a:t>
+            </a:r>
+            <a:r>
               <a:rPr lang="en-US" b="1" dirty="0" smtClean="0"/>
-              <a:t>Part A - Data Loading &amp; Preprocessing</a:t>
-            </a:r>
-            <a:br>
-              <a:rPr lang="en-US" b="1" dirty="0" smtClean="0"/>
-            </a:br>
+              <a:t>Profiling</a:t>
+            </a:r>
             <a:endParaRPr lang="en-US" dirty="0"/>
           </a:p>
         </p:txBody>
@@ -3331,8 +3193,8 @@
         </p:nvSpPr>
         <p:spPr bwMode="auto">
           <a:xfrm>
-            <a:off x="683388" y="1255656"/>
-            <a:ext cx="11119800" cy="2099048"/>
+            <a:off x="866249" y="1534598"/>
+            <a:ext cx="9090551" cy="2031325"/>
           </a:xfrm>
           <a:prstGeom prst="rect">
             <a:avLst/>
@@ -3372,13 +3234,1294 @@
           </a:extLst>
         </p:spPr>
         <p:txBody>
-          <a:bodyPr vert="horz" wrap="none" lIns="94500" tIns="47250" rIns="94500" bIns="47250" numCol="1" rtlCol="0" anchor="ctr" anchorCtr="0" compatLnSpc="1">
+          <a:bodyPr vert="horz" wrap="square" lIns="91440" tIns="45720" rIns="91440" bIns="45720" numCol="1" anchor="ctr" anchorCtr="0" compatLnSpc="1">
             <a:prstTxWarp prst="textNoShape">
               <a:avLst/>
             </a:prstTxWarp>
             <a:spAutoFit/>
           </a:bodyPr>
           <a:lstStyle/>
+          <a:p>
+            <a:pPr marL="0" marR="0" lvl="0" indent="0" algn="l" defTabSz="914400" rtl="0" eaLnBrk="0" fontAlgn="base" latinLnBrk="0" hangingPunct="0">
+              <a:lnSpc>
+                <a:spcPct val="100000"/>
+              </a:lnSpc>
+              <a:spcBef>
+                <a:spcPct val="0"/>
+              </a:spcBef>
+              <a:spcAft>
+                <a:spcPct val="0"/>
+              </a:spcAft>
+              <a:buClrTx/>
+              <a:buSzTx/>
+              <a:buFontTx/>
+              <a:buChar char="•"/>
+              <a:tabLst/>
+            </a:pPr>
+            <a:r>
+              <a:rPr kumimoji="0" lang="en-US" altLang="en-US" sz="1800" b="1" i="0" u="none" strike="noStrike" cap="none" normalizeH="0" baseline="0" dirty="0" smtClean="0">
+                <a:ln>
+                  <a:noFill/>
+                </a:ln>
+                <a:solidFill>
+                  <a:schemeClr val="tx1"/>
+                </a:solidFill>
+                <a:effectLst/>
+                <a:latin typeface="Arial" panose="020B0604020202020204" pitchFamily="34" charset="0"/>
+              </a:rPr>
+              <a:t>Profile Summary:</a:t>
+            </a:r>
+            <a:endParaRPr kumimoji="0" lang="en-US" altLang="en-US" sz="1800" b="0" i="0" u="none" strike="noStrike" cap="none" normalizeH="0" baseline="0" dirty="0" smtClean="0">
+              <a:ln>
+                <a:noFill/>
+              </a:ln>
+              <a:solidFill>
+                <a:schemeClr val="tx1"/>
+              </a:solidFill>
+              <a:effectLst/>
+              <a:latin typeface="Arial" panose="020B0604020202020204" pitchFamily="34" charset="0"/>
+            </a:endParaRPr>
+          </a:p>
+          <a:p>
+            <a:pPr marL="0" marR="0" lvl="0" indent="0" algn="l" defTabSz="914400" rtl="0" eaLnBrk="0" fontAlgn="base" latinLnBrk="0" hangingPunct="0">
+              <a:lnSpc>
+                <a:spcPct val="100000"/>
+              </a:lnSpc>
+              <a:spcBef>
+                <a:spcPct val="0"/>
+              </a:spcBef>
+              <a:spcAft>
+                <a:spcPct val="0"/>
+              </a:spcAft>
+              <a:buClrTx/>
+              <a:buSzTx/>
+              <a:buNone/>
+              <a:tabLst/>
+            </a:pPr>
+            <a:r>
+              <a:rPr kumimoji="0" lang="en-US" altLang="en-US" sz="1800" b="1" i="0" u="none" strike="noStrike" cap="none" normalizeH="0" baseline="0" dirty="0" smtClean="0">
+                <a:ln>
+                  <a:noFill/>
+                </a:ln>
+                <a:solidFill>
+                  <a:schemeClr val="tx1"/>
+                </a:solidFill>
+                <a:effectLst/>
+                <a:latin typeface="Arial" panose="020B0604020202020204" pitchFamily="34" charset="0"/>
+              </a:rPr>
+              <a:t>	Interpretation (Update based on your numbers):</a:t>
+            </a:r>
+            <a:endParaRPr kumimoji="0" lang="en-US" altLang="en-US" sz="1800" b="0" i="0" u="none" strike="noStrike" cap="none" normalizeH="0" baseline="0" dirty="0" smtClean="0">
+              <a:ln>
+                <a:noFill/>
+              </a:ln>
+              <a:solidFill>
+                <a:schemeClr val="tx1"/>
+              </a:solidFill>
+              <a:effectLst/>
+              <a:latin typeface="Arial" panose="020B0604020202020204" pitchFamily="34" charset="0"/>
+            </a:endParaRPr>
+          </a:p>
+          <a:p>
+            <a:pPr marL="0" marR="0" lvl="0" indent="0" algn="l" defTabSz="914400" rtl="0" eaLnBrk="0" fontAlgn="base" latinLnBrk="0" hangingPunct="0">
+              <a:lnSpc>
+                <a:spcPct val="100000"/>
+              </a:lnSpc>
+              <a:spcBef>
+                <a:spcPct val="0"/>
+              </a:spcBef>
+              <a:spcAft>
+                <a:spcPct val="0"/>
+              </a:spcAft>
+              <a:buClrTx/>
+              <a:buSzTx/>
+              <a:buFontTx/>
+              <a:buChar char="•"/>
+              <a:tabLst/>
+            </a:pPr>
+            <a:r>
+              <a:rPr kumimoji="0" lang="en-US" altLang="en-US" sz="1800" b="1" i="0" u="none" strike="noStrike" cap="none" normalizeH="0" baseline="0" dirty="0" smtClean="0">
+                <a:ln>
+                  <a:noFill/>
+                </a:ln>
+                <a:solidFill>
+                  <a:schemeClr val="tx1"/>
+                </a:solidFill>
+                <a:effectLst/>
+                <a:latin typeface="Arial" panose="020B0604020202020204" pitchFamily="34" charset="0"/>
+              </a:rPr>
+              <a:t>Cluster 0:</a:t>
+            </a:r>
+            <a:r>
+              <a:rPr kumimoji="0" lang="en-US" altLang="en-US" sz="1800" b="0" i="0" u="none" strike="noStrike" cap="none" normalizeH="0" baseline="0" dirty="0" smtClean="0">
+                <a:ln>
+                  <a:noFill/>
+                </a:ln>
+                <a:solidFill>
+                  <a:schemeClr val="tx1"/>
+                </a:solidFill>
+                <a:effectLst/>
+                <a:latin typeface="Arial" panose="020B0604020202020204" pitchFamily="34" charset="0"/>
+              </a:rPr>
+              <a:t> High Value / Recent (VIPs).</a:t>
+            </a:r>
+          </a:p>
+          <a:p>
+            <a:pPr marL="0" marR="0" lvl="0" indent="0" algn="l" defTabSz="914400" rtl="0" eaLnBrk="0" fontAlgn="base" latinLnBrk="0" hangingPunct="0">
+              <a:lnSpc>
+                <a:spcPct val="100000"/>
+              </a:lnSpc>
+              <a:spcBef>
+                <a:spcPct val="0"/>
+              </a:spcBef>
+              <a:spcAft>
+                <a:spcPct val="0"/>
+              </a:spcAft>
+              <a:buClrTx/>
+              <a:buSzTx/>
+              <a:buFontTx/>
+              <a:buChar char="•"/>
+              <a:tabLst/>
+            </a:pPr>
+            <a:r>
+              <a:rPr kumimoji="0" lang="en-US" altLang="en-US" sz="1800" b="1" i="0" u="none" strike="noStrike" cap="none" normalizeH="0" baseline="0" dirty="0" smtClean="0">
+                <a:ln>
+                  <a:noFill/>
+                </a:ln>
+                <a:solidFill>
+                  <a:schemeClr val="tx1"/>
+                </a:solidFill>
+                <a:effectLst/>
+                <a:latin typeface="Arial" panose="020B0604020202020204" pitchFamily="34" charset="0"/>
+              </a:rPr>
+              <a:t>Cluster 1:</a:t>
+            </a:r>
+            <a:r>
+              <a:rPr kumimoji="0" lang="en-US" altLang="en-US" sz="1800" b="0" i="0" u="none" strike="noStrike" cap="none" normalizeH="0" baseline="0" dirty="0" smtClean="0">
+                <a:ln>
+                  <a:noFill/>
+                </a:ln>
+                <a:solidFill>
+                  <a:schemeClr val="tx1"/>
+                </a:solidFill>
+                <a:effectLst/>
+                <a:latin typeface="Arial" panose="020B0604020202020204" pitchFamily="34" charset="0"/>
+              </a:rPr>
+              <a:t> Low Value / Old (Churned).</a:t>
+            </a:r>
+          </a:p>
+          <a:p>
+            <a:pPr marL="0" marR="0" lvl="0" indent="0" algn="l" defTabSz="914400" rtl="0" eaLnBrk="0" fontAlgn="base" latinLnBrk="0" hangingPunct="0">
+              <a:lnSpc>
+                <a:spcPct val="100000"/>
+              </a:lnSpc>
+              <a:spcBef>
+                <a:spcPct val="0"/>
+              </a:spcBef>
+              <a:spcAft>
+                <a:spcPct val="0"/>
+              </a:spcAft>
+              <a:buClrTx/>
+              <a:buSzTx/>
+              <a:buFontTx/>
+              <a:buChar char="•"/>
+              <a:tabLst/>
+            </a:pPr>
+            <a:r>
+              <a:rPr kumimoji="0" lang="en-US" altLang="en-US" sz="1800" b="1" i="0" u="none" strike="noStrike" cap="none" normalizeH="0" baseline="0" dirty="0" smtClean="0">
+                <a:ln>
+                  <a:noFill/>
+                </a:ln>
+                <a:solidFill>
+                  <a:schemeClr val="tx1"/>
+                </a:solidFill>
+                <a:effectLst/>
+                <a:latin typeface="Arial" panose="020B0604020202020204" pitchFamily="34" charset="0"/>
+              </a:rPr>
+              <a:t>Cluster 2:</a:t>
+            </a:r>
+            <a:r>
+              <a:rPr kumimoji="0" lang="en-US" altLang="en-US" sz="1800" b="0" i="0" u="none" strike="noStrike" cap="none" normalizeH="0" baseline="0" dirty="0" smtClean="0">
+                <a:ln>
+                  <a:noFill/>
+                </a:ln>
+                <a:solidFill>
+                  <a:schemeClr val="tx1"/>
+                </a:solidFill>
+                <a:effectLst/>
+                <a:latin typeface="Arial" panose="020B0604020202020204" pitchFamily="34" charset="0"/>
+              </a:rPr>
+              <a:t> Mid Value / Recent (Regulars).</a:t>
+            </a:r>
+          </a:p>
+          <a:p>
+            <a:pPr marL="0" marR="0" lvl="0" indent="0" algn="l" defTabSz="914400" rtl="0" eaLnBrk="0" fontAlgn="base" latinLnBrk="0" hangingPunct="0">
+              <a:lnSpc>
+                <a:spcPct val="100000"/>
+              </a:lnSpc>
+              <a:spcBef>
+                <a:spcPct val="0"/>
+              </a:spcBef>
+              <a:spcAft>
+                <a:spcPct val="0"/>
+              </a:spcAft>
+              <a:buClrTx/>
+              <a:buSzTx/>
+              <a:buFontTx/>
+              <a:buChar char="•"/>
+              <a:tabLst/>
+            </a:pPr>
+            <a:r>
+              <a:rPr kumimoji="0" lang="en-US" altLang="en-US" sz="1800" b="1" i="0" u="none" strike="noStrike" cap="none" normalizeH="0" baseline="0" dirty="0" smtClean="0">
+                <a:ln>
+                  <a:noFill/>
+                </a:ln>
+                <a:solidFill>
+                  <a:schemeClr val="tx1"/>
+                </a:solidFill>
+                <a:effectLst/>
+                <a:latin typeface="Arial" panose="020B0604020202020204" pitchFamily="34" charset="0"/>
+              </a:rPr>
+              <a:t>Cluster 3:</a:t>
+            </a:r>
+            <a:r>
+              <a:rPr kumimoji="0" lang="en-US" altLang="en-US" sz="1800" b="0" i="0" u="none" strike="noStrike" cap="none" normalizeH="0" baseline="0" dirty="0" smtClean="0">
+                <a:ln>
+                  <a:noFill/>
+                </a:ln>
+                <a:solidFill>
+                  <a:schemeClr val="tx1"/>
+                </a:solidFill>
+                <a:effectLst/>
+                <a:latin typeface="Arial" panose="020B0604020202020204" pitchFamily="34" charset="0"/>
+              </a:rPr>
+              <a:t> Low Frequency (New Customers</a:t>
+            </a:r>
+          </a:p>
+          <a:p>
+            <a:pPr marL="0" marR="0" lvl="0" indent="0" algn="l" defTabSz="914400" rtl="0" eaLnBrk="0" fontAlgn="base" latinLnBrk="0" hangingPunct="0">
+              <a:lnSpc>
+                <a:spcPct val="100000"/>
+              </a:lnSpc>
+              <a:spcBef>
+                <a:spcPct val="0"/>
+              </a:spcBef>
+              <a:spcAft>
+                <a:spcPct val="0"/>
+              </a:spcAft>
+              <a:buClrTx/>
+              <a:buSzTx/>
+              <a:buFontTx/>
+              <a:buNone/>
+              <a:tabLst/>
+            </a:pPr>
+            <a:endParaRPr kumimoji="0" lang="en-US" altLang="en-US" sz="1800" b="0" i="0" u="none" strike="noStrike" cap="none" normalizeH="0" baseline="0" dirty="0" smtClean="0">
+              <a:ln>
+                <a:noFill/>
+              </a:ln>
+              <a:solidFill>
+                <a:schemeClr val="tx1"/>
+              </a:solidFill>
+              <a:effectLst/>
+              <a:latin typeface="Arial" panose="020B0604020202020204" pitchFamily="34" charset="0"/>
+            </a:endParaRPr>
+          </a:p>
+        </p:txBody>
+      </p:sp>
+      <p:pic>
+        <p:nvPicPr>
+          <p:cNvPr id="5" name="Picture 4"/>
+          <p:cNvPicPr>
+            <a:picLocks noChangeAspect="1"/>
+          </p:cNvPicPr>
+          <p:nvPr/>
+        </p:nvPicPr>
+        <p:blipFill>
+          <a:blip r:embed="rId2"/>
+          <a:stretch>
+            <a:fillRect/>
+          </a:stretch>
+        </p:blipFill>
+        <p:spPr>
+          <a:xfrm>
+            <a:off x="1337733" y="3813588"/>
+            <a:ext cx="8771467" cy="3403600"/>
+          </a:xfrm>
+          <a:prstGeom prst="rect">
+            <a:avLst/>
+          </a:prstGeom>
+        </p:spPr>
+      </p:pic>
+    </p:spTree>
+    <p:extLst>
+      <p:ext uri="{BB962C8B-B14F-4D97-AF65-F5344CB8AC3E}">
+        <p14:creationId xmlns:p14="http://schemas.microsoft.com/office/powerpoint/2010/main" val="869603993"/>
+      </p:ext>
+    </p:extLst>
+  </p:cSld>
+  <p:clrMapOvr>
+    <a:masterClrMapping/>
+  </p:clrMapOvr>
+</p:sld>
+</file>
+
+<file path=ppt/slides/slide11.xml><?xml version="1.0" encoding="utf-8"?>
+<p:sld xmlns:a="http://schemas.openxmlformats.org/drawingml/2006/main" xmlns:r="http://schemas.openxmlformats.org/officeDocument/2006/relationships" xmlns:p="http://schemas.openxmlformats.org/presentationml/2006/main">
+  <p:cSld>
+    <p:spTree>
+      <p:nvGrpSpPr>
+        <p:cNvPr id="1" name=""/>
+        <p:cNvGrpSpPr/>
+        <p:nvPr/>
+      </p:nvGrpSpPr>
+      <p:grpSpPr>
+        <a:xfrm>
+          <a:off x="0" y="0"/>
+          <a:ext cx="0" cy="0"/>
+          <a:chOff x="0" y="0"/>
+          <a:chExt cx="0" cy="0"/>
+        </a:xfrm>
+      </p:grpSpPr>
+      <p:sp>
+        <p:nvSpPr>
+          <p:cNvPr id="2" name="Title 1"/>
+          <p:cNvSpPr>
+            <a:spLocks noGrp="1"/>
+          </p:cNvSpPr>
+          <p:nvPr>
+            <p:ph type="title"/>
+          </p:nvPr>
+        </p:nvSpPr>
+        <p:spPr>
+          <a:xfrm>
+            <a:off x="866249" y="479144"/>
+            <a:ext cx="10867490" cy="807789"/>
+          </a:xfrm>
+        </p:spPr>
+        <p:txBody>
+          <a:bodyPr>
+            <a:normAutofit fontScale="90000"/>
+          </a:bodyPr>
+          <a:lstStyle/>
+          <a:p>
+            <a:r>
+              <a:rPr lang="en-US" b="1" dirty="0"/>
+              <a:t>Part E - Power BI Dashboard</a:t>
+            </a:r>
+            <a:br>
+              <a:rPr lang="en-US" b="1" dirty="0"/>
+            </a:br>
+            <a:endParaRPr lang="en-US" dirty="0"/>
+          </a:p>
+        </p:txBody>
+      </p:sp>
+      <p:sp>
+        <p:nvSpPr>
+          <p:cNvPr id="3" name="Rectangle 1"/>
+          <p:cNvSpPr>
+            <a:spLocks noGrp="1" noChangeArrowheads="1"/>
+          </p:cNvSpPr>
+          <p:nvPr>
+            <p:ph idx="1"/>
+          </p:nvPr>
+        </p:nvSpPr>
+        <p:spPr bwMode="auto">
+          <a:xfrm>
+            <a:off x="866249" y="1286933"/>
+            <a:ext cx="9090025" cy="369888"/>
+          </a:xfrm>
+          <a:prstGeom prst="rect">
+            <a:avLst/>
+          </a:prstGeom>
+          <a:noFill/>
+          <a:ln>
+            <a:noFill/>
+          </a:ln>
+          <a:effectLst/>
+          <a:extLst>
+            <a:ext uri="{909E8E84-426E-40DD-AFC4-6F175D3DCCD1}">
+              <a14:hiddenFill xmlns:a14="http://schemas.microsoft.com/office/drawing/2010/main">
+                <a:solidFill>
+                  <a:schemeClr val="accent1"/>
+                </a:solidFill>
+              </a14:hiddenFill>
+            </a:ext>
+            <a:ext uri="{91240B29-F687-4F45-9708-019B960494DF}">
+              <a14:hiddenLine xmlns:a14="http://schemas.microsoft.com/office/drawing/2010/main" w="9525">
+                <a:solidFill>
+                  <a:schemeClr val="tx1"/>
+                </a:solidFill>
+                <a:miter lim="800000"/>
+                <a:headEnd/>
+                <a:tailEnd/>
+              </a14:hiddenLine>
+            </a:ext>
+            <a:ext uri="{AF507438-7753-43E0-B8FC-AC1667EBCBE1}">
+              <a14:hiddenEffects xmlns:a14="http://schemas.microsoft.com/office/drawing/2010/main">
+                <a:effectLst>
+                  <a:outerShdw dist="35921" dir="2700000" algn="ctr" rotWithShape="0">
+                    <a:schemeClr val="bg2"/>
+                  </a:outerShdw>
+                </a:effectLst>
+              </a14:hiddenEffects>
+            </a:ext>
+          </a:extLst>
+        </p:spPr>
+        <p:txBody>
+          <a:bodyPr vert="horz" wrap="none" lIns="91440" tIns="45720" rIns="91440" bIns="45720" numCol="1" anchor="ctr" anchorCtr="0" compatLnSpc="1">
+            <a:prstTxWarp prst="textNoShape">
+              <a:avLst/>
+            </a:prstTxWarp>
+            <a:spAutoFit/>
+          </a:bodyPr>
+          <a:lstStyle/>
+          <a:p>
+            <a:pPr marL="0" marR="0" lvl="0" indent="0" algn="l" defTabSz="914400" rtl="0" eaLnBrk="0" fontAlgn="base" latinLnBrk="0" hangingPunct="0">
+              <a:lnSpc>
+                <a:spcPct val="100000"/>
+              </a:lnSpc>
+              <a:spcBef>
+                <a:spcPct val="0"/>
+              </a:spcBef>
+              <a:spcAft>
+                <a:spcPct val="0"/>
+              </a:spcAft>
+              <a:buClrTx/>
+              <a:buSzTx/>
+              <a:buFontTx/>
+              <a:buChar char="•"/>
+              <a:tabLst/>
+            </a:pPr>
+            <a:r>
+              <a:rPr kumimoji="0" lang="en-US" altLang="en-US" sz="1800" b="1" i="0" u="none" strike="noStrike" cap="none" normalizeH="0" baseline="0" smtClean="0">
+                <a:ln>
+                  <a:noFill/>
+                </a:ln>
+                <a:solidFill>
+                  <a:schemeClr val="tx1"/>
+                </a:solidFill>
+                <a:effectLst/>
+                <a:latin typeface="Arial" panose="020B0604020202020204" pitchFamily="34" charset="0"/>
+              </a:rPr>
+              <a:t>Dashboard Overview:</a:t>
+            </a:r>
+            <a:r>
+              <a:rPr kumimoji="0" lang="en-US" altLang="en-US" sz="1800" b="0" i="0" u="none" strike="noStrike" cap="none" normalizeH="0" baseline="0" smtClean="0">
+                <a:ln>
+                  <a:noFill/>
+                </a:ln>
+                <a:solidFill>
+                  <a:schemeClr val="tx1"/>
+                </a:solidFill>
+                <a:effectLst/>
+                <a:latin typeface="Arial" panose="020B0604020202020204" pitchFamily="34" charset="0"/>
+              </a:rPr>
+              <a:t> Interactive tool for marketing team.</a:t>
+            </a:r>
+          </a:p>
+        </p:txBody>
+      </p:sp>
+      <p:pic>
+        <p:nvPicPr>
+          <p:cNvPr id="6" name="Picture 5"/>
+          <p:cNvPicPr>
+            <a:picLocks noChangeAspect="1"/>
+          </p:cNvPicPr>
+          <p:nvPr/>
+        </p:nvPicPr>
+        <p:blipFill>
+          <a:blip r:embed="rId2"/>
+          <a:stretch>
+            <a:fillRect/>
+          </a:stretch>
+        </p:blipFill>
+        <p:spPr>
+          <a:xfrm>
+            <a:off x="1405467" y="2464610"/>
+            <a:ext cx="9084907" cy="5286699"/>
+          </a:xfrm>
+          <a:prstGeom prst="rect">
+            <a:avLst/>
+          </a:prstGeom>
+        </p:spPr>
+      </p:pic>
+    </p:spTree>
+    <p:extLst>
+      <p:ext uri="{BB962C8B-B14F-4D97-AF65-F5344CB8AC3E}">
+        <p14:creationId xmlns:p14="http://schemas.microsoft.com/office/powerpoint/2010/main" val="857002649"/>
+      </p:ext>
+    </p:extLst>
+  </p:cSld>
+  <p:clrMapOvr>
+    <a:masterClrMapping/>
+  </p:clrMapOvr>
+</p:sld>
+</file>
+
+<file path=ppt/slides/slide12.xml><?xml version="1.0" encoding="utf-8"?>
+<p:sld xmlns:a="http://schemas.openxmlformats.org/drawingml/2006/main" xmlns:r="http://schemas.openxmlformats.org/officeDocument/2006/relationships" xmlns:p="http://schemas.openxmlformats.org/presentationml/2006/main">
+  <p:cSld>
+    <p:spTree>
+      <p:nvGrpSpPr>
+        <p:cNvPr id="1" name=""/>
+        <p:cNvGrpSpPr/>
+        <p:nvPr/>
+      </p:nvGrpSpPr>
+      <p:grpSpPr>
+        <a:xfrm>
+          <a:off x="0" y="0"/>
+          <a:ext cx="0" cy="0"/>
+          <a:chOff x="0" y="0"/>
+          <a:chExt cx="0" cy="0"/>
+        </a:xfrm>
+      </p:grpSpPr>
+      <p:sp>
+        <p:nvSpPr>
+          <p:cNvPr id="2" name="Title 1"/>
+          <p:cNvSpPr>
+            <a:spLocks noGrp="1"/>
+          </p:cNvSpPr>
+          <p:nvPr>
+            <p:ph type="title"/>
+          </p:nvPr>
+        </p:nvSpPr>
+        <p:spPr/>
+        <p:txBody>
+          <a:bodyPr/>
+          <a:lstStyle/>
+          <a:p>
+            <a:r>
+              <a:rPr lang="en-US" b="1" dirty="0"/>
+              <a:t>Part E - Recommendations</a:t>
+            </a:r>
+            <a:br>
+              <a:rPr lang="en-US" b="1" dirty="0"/>
+            </a:br>
+            <a:endParaRPr lang="en-US" dirty="0"/>
+          </a:p>
+        </p:txBody>
+      </p:sp>
+      <p:sp>
+        <p:nvSpPr>
+          <p:cNvPr id="3" name="Content Placeholder 2"/>
+          <p:cNvSpPr>
+            <a:spLocks noGrp="1"/>
+          </p:cNvSpPr>
+          <p:nvPr>
+            <p:ph idx="1"/>
+          </p:nvPr>
+        </p:nvSpPr>
+        <p:spPr>
+          <a:xfrm>
+            <a:off x="866249" y="1348891"/>
+            <a:ext cx="10867490" cy="2850576"/>
+          </a:xfrm>
+        </p:spPr>
+        <p:txBody>
+          <a:bodyPr/>
+          <a:lstStyle/>
+          <a:p>
+            <a:r>
+              <a:rPr lang="en-US" b="1" dirty="0"/>
+              <a:t>Actionable Insights:</a:t>
+            </a:r>
+            <a:endParaRPr lang="en-US" dirty="0"/>
+          </a:p>
+          <a:p>
+            <a:pPr marL="0" indent="0">
+              <a:buNone/>
+            </a:pPr>
+            <a:r>
+              <a:rPr lang="en-US" b="1" dirty="0" smtClean="0"/>
+              <a:t>Strategy</a:t>
+            </a:r>
+            <a:r>
+              <a:rPr lang="en-US" b="1" dirty="0"/>
+              <a:t>:</a:t>
+            </a:r>
+            <a:endParaRPr lang="en-US" dirty="0"/>
+          </a:p>
+          <a:p>
+            <a:pPr lvl="1"/>
+            <a:r>
+              <a:rPr lang="en-US" b="1" dirty="0"/>
+              <a:t>VIPs:</a:t>
+            </a:r>
+            <a:r>
+              <a:rPr lang="en-US" dirty="0"/>
+              <a:t> Offer exclusive loyalty rewards.</a:t>
+            </a:r>
+          </a:p>
+          <a:p>
+            <a:pPr lvl="1"/>
+            <a:r>
+              <a:rPr lang="en-US" b="1" dirty="0"/>
+              <a:t>Churn Risk:</a:t>
+            </a:r>
+            <a:r>
+              <a:rPr lang="en-US" dirty="0"/>
+              <a:t> Send "We Miss You" coupons.</a:t>
+            </a:r>
+          </a:p>
+          <a:p>
+            <a:pPr lvl="1"/>
+            <a:r>
+              <a:rPr lang="en-US" b="1" dirty="0"/>
+              <a:t>New Customers:</a:t>
+            </a:r>
+            <a:r>
+              <a:rPr lang="en-US" dirty="0"/>
+              <a:t> Offer free shipping on next order.</a:t>
+            </a:r>
+          </a:p>
+          <a:p>
+            <a:endParaRPr lang="en-US" dirty="0"/>
+          </a:p>
+        </p:txBody>
+      </p:sp>
+      <p:pic>
+        <p:nvPicPr>
+          <p:cNvPr id="4" name="Picture 3"/>
+          <p:cNvPicPr>
+            <a:picLocks noChangeAspect="1"/>
+          </p:cNvPicPr>
+          <p:nvPr/>
+        </p:nvPicPr>
+        <p:blipFill>
+          <a:blip r:embed="rId2"/>
+          <a:stretch>
+            <a:fillRect/>
+          </a:stretch>
+        </p:blipFill>
+        <p:spPr>
+          <a:xfrm>
+            <a:off x="999067" y="4487334"/>
+            <a:ext cx="9990665" cy="3302000"/>
+          </a:xfrm>
+          <a:prstGeom prst="rect">
+            <a:avLst/>
+          </a:prstGeom>
+        </p:spPr>
+      </p:pic>
+    </p:spTree>
+    <p:extLst>
+      <p:ext uri="{BB962C8B-B14F-4D97-AF65-F5344CB8AC3E}">
+        <p14:creationId xmlns:p14="http://schemas.microsoft.com/office/powerpoint/2010/main" val="157411908"/>
+      </p:ext>
+    </p:extLst>
+  </p:cSld>
+  <p:clrMapOvr>
+    <a:masterClrMapping/>
+  </p:clrMapOvr>
+</p:sld>
+</file>
+
+<file path=ppt/slides/slide2.xml><?xml version="1.0" encoding="utf-8"?>
+<p:sld xmlns:a="http://schemas.openxmlformats.org/drawingml/2006/main" xmlns:r="http://schemas.openxmlformats.org/officeDocument/2006/relationships" xmlns:p="http://schemas.openxmlformats.org/presentationml/2006/main">
+  <p:cSld>
+    <p:spTree>
+      <p:nvGrpSpPr>
+        <p:cNvPr id="1" name=""/>
+        <p:cNvGrpSpPr/>
+        <p:nvPr/>
+      </p:nvGrpSpPr>
+      <p:grpSpPr>
+        <a:xfrm>
+          <a:off x="0" y="0"/>
+          <a:ext cx="0" cy="0"/>
+          <a:chOff x="0" y="0"/>
+          <a:chExt cx="0" cy="0"/>
+        </a:xfrm>
+      </p:grpSpPr>
+      <p:sp>
+        <p:nvSpPr>
+          <p:cNvPr id="2" name="Title 1"/>
+          <p:cNvSpPr>
+            <a:spLocks noGrp="1"/>
+          </p:cNvSpPr>
+          <p:nvPr>
+            <p:ph type="title"/>
+          </p:nvPr>
+        </p:nvSpPr>
+        <p:spPr/>
+        <p:txBody>
+          <a:bodyPr/>
+          <a:lstStyle/>
+          <a:p>
+            <a:r>
+              <a:rPr lang="en-US" dirty="0" smtClean="0"/>
+              <a:t>Objectives </a:t>
+            </a:r>
+            <a:endParaRPr lang="en-US" dirty="0"/>
+          </a:p>
+        </p:txBody>
+      </p:sp>
+      <p:sp>
+        <p:nvSpPr>
+          <p:cNvPr id="6" name="Rectangle 3"/>
+          <p:cNvSpPr>
+            <a:spLocks noGrp="1" noChangeArrowheads="1"/>
+          </p:cNvSpPr>
+          <p:nvPr>
+            <p:ph idx="1"/>
+          </p:nvPr>
+        </p:nvSpPr>
+        <p:spPr bwMode="auto">
+          <a:xfrm>
+            <a:off x="290516" y="2362081"/>
+            <a:ext cx="12080166" cy="4524315"/>
+          </a:xfrm>
+          <a:prstGeom prst="rect">
+            <a:avLst/>
+          </a:prstGeom>
+          <a:noFill/>
+          <a:ln>
+            <a:noFill/>
+          </a:ln>
+          <a:effectLst/>
+          <a:extLst>
+            <a:ext uri="{909E8E84-426E-40DD-AFC4-6F175D3DCCD1}">
+              <a14:hiddenFill xmlns:a14="http://schemas.microsoft.com/office/drawing/2010/main">
+                <a:solidFill>
+                  <a:schemeClr val="accent1"/>
+                </a:solidFill>
+              </a14:hiddenFill>
+            </a:ext>
+            <a:ext uri="{91240B29-F687-4F45-9708-019B960494DF}">
+              <a14:hiddenLine xmlns:a14="http://schemas.microsoft.com/office/drawing/2010/main" w="9525">
+                <a:solidFill>
+                  <a:schemeClr val="tx1"/>
+                </a:solidFill>
+                <a:miter lim="800000"/>
+                <a:headEnd/>
+                <a:tailEnd/>
+              </a14:hiddenLine>
+            </a:ext>
+            <a:ext uri="{AF507438-7753-43E0-B8FC-AC1667EBCBE1}">
+              <a14:hiddenEffects xmlns:a14="http://schemas.microsoft.com/office/drawing/2010/main">
+                <a:effectLst>
+                  <a:outerShdw dist="35921" dir="2700000" algn="ctr" rotWithShape="0">
+                    <a:schemeClr val="bg2"/>
+                  </a:outerShdw>
+                </a:effectLst>
+              </a14:hiddenEffects>
+            </a:ext>
+          </a:extLst>
+        </p:spPr>
+        <p:txBody>
+          <a:bodyPr vert="horz" wrap="none" lIns="91440" tIns="45720" rIns="91440" bIns="45720" numCol="1" anchor="ctr" anchorCtr="0" compatLnSpc="1">
+            <a:prstTxWarp prst="textNoShape">
+              <a:avLst/>
+            </a:prstTxWarp>
+            <a:spAutoFit/>
+          </a:bodyPr>
+          <a:lstStyle/>
+          <a:p>
+            <a:pPr marL="0" marR="0" lvl="0" indent="0" algn="l" defTabSz="914400" rtl="0" eaLnBrk="0" fontAlgn="base" latinLnBrk="0" hangingPunct="0">
+              <a:lnSpc>
+                <a:spcPct val="100000"/>
+              </a:lnSpc>
+              <a:spcBef>
+                <a:spcPct val="0"/>
+              </a:spcBef>
+              <a:spcAft>
+                <a:spcPct val="0"/>
+              </a:spcAft>
+              <a:buClrTx/>
+              <a:buSzTx/>
+              <a:buNone/>
+              <a:tabLst/>
+            </a:pPr>
+            <a:r>
+              <a:rPr kumimoji="0" lang="en-US" altLang="en-US" sz="3200" b="1" i="0" u="none" strike="noStrike" cap="none" normalizeH="0" baseline="0" dirty="0" smtClean="0">
+                <a:ln>
+                  <a:noFill/>
+                </a:ln>
+                <a:solidFill>
+                  <a:schemeClr val="tx1"/>
+                </a:solidFill>
+                <a:effectLst/>
+                <a:latin typeface="Arial" panose="020B0604020202020204" pitchFamily="34" charset="0"/>
+              </a:rPr>
+              <a:t>Scenario:</a:t>
+            </a:r>
+            <a:r>
+              <a:rPr kumimoji="0" lang="en-US" altLang="en-US" sz="3200" b="0" i="0" u="none" strike="noStrike" cap="none" normalizeH="0" baseline="0" dirty="0" smtClean="0">
+                <a:ln>
+                  <a:noFill/>
+                </a:ln>
+                <a:solidFill>
+                  <a:schemeClr val="tx1"/>
+                </a:solidFill>
+                <a:effectLst/>
+                <a:latin typeface="Arial" panose="020B0604020202020204" pitchFamily="34" charset="0"/>
+              </a:rPr>
+              <a:t> A Nigerian retail company wants to improve marketing</a:t>
+            </a:r>
+          </a:p>
+          <a:p>
+            <a:pPr marL="0" marR="0" lvl="0" indent="0" algn="l" defTabSz="914400" rtl="0" eaLnBrk="0" fontAlgn="base" latinLnBrk="0" hangingPunct="0">
+              <a:lnSpc>
+                <a:spcPct val="100000"/>
+              </a:lnSpc>
+              <a:spcBef>
+                <a:spcPct val="0"/>
+              </a:spcBef>
+              <a:spcAft>
+                <a:spcPct val="0"/>
+              </a:spcAft>
+              <a:buClrTx/>
+              <a:buSzTx/>
+              <a:buNone/>
+              <a:tabLst/>
+            </a:pPr>
+            <a:r>
+              <a:rPr kumimoji="0" lang="en-US" altLang="en-US" sz="3200" b="0" i="0" u="none" strike="noStrike" cap="none" normalizeH="0" baseline="0" dirty="0" smtClean="0">
+                <a:ln>
+                  <a:noFill/>
+                </a:ln>
+                <a:solidFill>
+                  <a:schemeClr val="tx1"/>
+                </a:solidFill>
+                <a:effectLst/>
+                <a:latin typeface="Arial" panose="020B0604020202020204" pitchFamily="34" charset="0"/>
+              </a:rPr>
+              <a:t>through targeted segmentation.</a:t>
+            </a:r>
+          </a:p>
+          <a:p>
+            <a:pPr marL="0" marR="0" lvl="0" indent="0" algn="l" defTabSz="914400" rtl="0" eaLnBrk="0" fontAlgn="base" latinLnBrk="0" hangingPunct="0">
+              <a:lnSpc>
+                <a:spcPct val="100000"/>
+              </a:lnSpc>
+              <a:spcBef>
+                <a:spcPct val="0"/>
+              </a:spcBef>
+              <a:spcAft>
+                <a:spcPct val="0"/>
+              </a:spcAft>
+              <a:buClrTx/>
+              <a:buSzTx/>
+              <a:buFontTx/>
+              <a:buChar char="•"/>
+              <a:tabLst/>
+            </a:pPr>
+            <a:r>
+              <a:rPr kumimoji="0" lang="en-US" altLang="en-US" sz="3200" b="1" i="0" u="none" strike="noStrike" cap="none" normalizeH="0" baseline="0" dirty="0" smtClean="0">
+                <a:ln>
+                  <a:noFill/>
+                </a:ln>
+                <a:solidFill>
+                  <a:schemeClr val="tx1"/>
+                </a:solidFill>
+                <a:effectLst/>
+                <a:latin typeface="Arial" panose="020B0604020202020204" pitchFamily="34" charset="0"/>
+              </a:rPr>
+              <a:t> Objective:</a:t>
+            </a:r>
+            <a:endParaRPr kumimoji="0" lang="en-US" altLang="en-US" sz="3200" b="0" i="0" u="none" strike="noStrike" cap="none" normalizeH="0" baseline="0" dirty="0" smtClean="0">
+              <a:ln>
+                <a:noFill/>
+              </a:ln>
+              <a:solidFill>
+                <a:schemeClr val="tx1"/>
+              </a:solidFill>
+              <a:effectLst/>
+              <a:latin typeface="Arial" panose="020B0604020202020204" pitchFamily="34" charset="0"/>
+            </a:endParaRPr>
+          </a:p>
+          <a:p>
+            <a:pPr marL="0" marR="0" lvl="0" indent="0" algn="l" defTabSz="914400" rtl="0" eaLnBrk="0" fontAlgn="base" latinLnBrk="0" hangingPunct="0">
+              <a:lnSpc>
+                <a:spcPct val="100000"/>
+              </a:lnSpc>
+              <a:spcBef>
+                <a:spcPct val="0"/>
+              </a:spcBef>
+              <a:spcAft>
+                <a:spcPct val="0"/>
+              </a:spcAft>
+              <a:buClrTx/>
+              <a:buSzTx/>
+              <a:buFontTx/>
+              <a:buAutoNum type="arabicPeriod"/>
+              <a:tabLst/>
+            </a:pPr>
+            <a:r>
+              <a:rPr kumimoji="0" lang="en-US" altLang="en-US" sz="3200" b="0" i="0" u="none" strike="noStrike" cap="none" normalizeH="0" baseline="0" dirty="0" smtClean="0">
+                <a:ln>
+                  <a:noFill/>
+                </a:ln>
+                <a:solidFill>
+                  <a:schemeClr val="tx1"/>
+                </a:solidFill>
+                <a:effectLst/>
+                <a:latin typeface="Arial" panose="020B0604020202020204" pitchFamily="34" charset="0"/>
+              </a:rPr>
+              <a:t>Preprocess raw sales data.</a:t>
+            </a:r>
+          </a:p>
+          <a:p>
+            <a:pPr marL="0" marR="0" lvl="0" indent="0" algn="l" defTabSz="914400" rtl="0" eaLnBrk="0" fontAlgn="base" latinLnBrk="0" hangingPunct="0">
+              <a:lnSpc>
+                <a:spcPct val="100000"/>
+              </a:lnSpc>
+              <a:spcBef>
+                <a:spcPct val="0"/>
+              </a:spcBef>
+              <a:spcAft>
+                <a:spcPct val="0"/>
+              </a:spcAft>
+              <a:buClrTx/>
+              <a:buSzTx/>
+              <a:buFontTx/>
+              <a:buAutoNum type="arabicPeriod" startAt="2"/>
+              <a:tabLst/>
+            </a:pPr>
+            <a:r>
+              <a:rPr kumimoji="0" lang="en-US" altLang="en-US" sz="3200" b="0" i="0" u="none" strike="noStrike" cap="none" normalizeH="0" baseline="0" dirty="0" smtClean="0">
+                <a:ln>
+                  <a:noFill/>
+                </a:ln>
+                <a:solidFill>
+                  <a:schemeClr val="tx1"/>
+                </a:solidFill>
+                <a:effectLst/>
+                <a:latin typeface="Arial" panose="020B0604020202020204" pitchFamily="34" charset="0"/>
+              </a:rPr>
+              <a:t>Analyze customer behavior trends.</a:t>
+            </a:r>
+          </a:p>
+          <a:p>
+            <a:pPr marL="0" marR="0" lvl="0" indent="0" algn="l" defTabSz="914400" rtl="0" eaLnBrk="0" fontAlgn="base" latinLnBrk="0" hangingPunct="0">
+              <a:lnSpc>
+                <a:spcPct val="100000"/>
+              </a:lnSpc>
+              <a:spcBef>
+                <a:spcPct val="0"/>
+              </a:spcBef>
+              <a:spcAft>
+                <a:spcPct val="0"/>
+              </a:spcAft>
+              <a:buClrTx/>
+              <a:buSzTx/>
+              <a:buFontTx/>
+              <a:buAutoNum type="arabicPeriod" startAt="3"/>
+              <a:tabLst/>
+            </a:pPr>
+            <a:r>
+              <a:rPr kumimoji="0" lang="en-US" altLang="en-US" sz="3200" b="0" i="0" u="none" strike="noStrike" cap="none" normalizeH="0" baseline="0" dirty="0" smtClean="0">
+                <a:ln>
+                  <a:noFill/>
+                </a:ln>
+                <a:solidFill>
+                  <a:schemeClr val="tx1"/>
+                </a:solidFill>
+                <a:effectLst/>
+                <a:latin typeface="Arial" panose="020B0604020202020204" pitchFamily="34" charset="0"/>
+              </a:rPr>
+              <a:t>Engineer features (Loyalty &amp; </a:t>
+            </a:r>
+            <a:r>
+              <a:rPr kumimoji="0" lang="en-US" altLang="en-US" sz="3200" b="0" i="0" u="none" strike="noStrike" cap="none" normalizeH="0" baseline="0" dirty="0" err="1" smtClean="0">
+                <a:ln>
+                  <a:noFill/>
+                </a:ln>
+                <a:solidFill>
+                  <a:schemeClr val="tx1"/>
+                </a:solidFill>
+                <a:effectLst/>
+                <a:latin typeface="Arial" panose="020B0604020202020204" pitchFamily="34" charset="0"/>
+              </a:rPr>
+              <a:t>Recency</a:t>
+            </a:r>
+            <a:r>
+              <a:rPr kumimoji="0" lang="en-US" altLang="en-US" sz="3200" b="0" i="0" u="none" strike="noStrike" cap="none" normalizeH="0" baseline="0" dirty="0" smtClean="0">
+                <a:ln>
+                  <a:noFill/>
+                </a:ln>
+                <a:solidFill>
+                  <a:schemeClr val="tx1"/>
+                </a:solidFill>
+                <a:effectLst/>
+                <a:latin typeface="Arial" panose="020B0604020202020204" pitchFamily="34" charset="0"/>
+              </a:rPr>
+              <a:t>).</a:t>
+            </a:r>
+          </a:p>
+          <a:p>
+            <a:pPr marL="0" marR="0" lvl="0" indent="0" algn="l" defTabSz="914400" rtl="0" eaLnBrk="0" fontAlgn="base" latinLnBrk="0" hangingPunct="0">
+              <a:lnSpc>
+                <a:spcPct val="100000"/>
+              </a:lnSpc>
+              <a:spcBef>
+                <a:spcPct val="0"/>
+              </a:spcBef>
+              <a:spcAft>
+                <a:spcPct val="0"/>
+              </a:spcAft>
+              <a:buClrTx/>
+              <a:buSzTx/>
+              <a:buFontTx/>
+              <a:buAutoNum type="arabicPeriod" startAt="4"/>
+              <a:tabLst/>
+            </a:pPr>
+            <a:r>
+              <a:rPr kumimoji="0" lang="en-US" altLang="en-US" sz="3200" b="0" i="0" u="none" strike="noStrike" cap="none" normalizeH="0" baseline="0" dirty="0" smtClean="0">
+                <a:ln>
+                  <a:noFill/>
+                </a:ln>
+                <a:solidFill>
+                  <a:schemeClr val="tx1"/>
+                </a:solidFill>
+                <a:effectLst/>
+                <a:latin typeface="Arial" panose="020B0604020202020204" pitchFamily="34" charset="0"/>
+              </a:rPr>
+              <a:t>Apply K-Means Clustering to group customers.</a:t>
+            </a:r>
+          </a:p>
+          <a:p>
+            <a:pPr marL="0" marR="0" lvl="0" indent="0" algn="l" defTabSz="914400" rtl="0" eaLnBrk="0" fontAlgn="base" latinLnBrk="0" hangingPunct="0">
+              <a:lnSpc>
+                <a:spcPct val="100000"/>
+              </a:lnSpc>
+              <a:spcBef>
+                <a:spcPct val="0"/>
+              </a:spcBef>
+              <a:spcAft>
+                <a:spcPct val="0"/>
+              </a:spcAft>
+              <a:buClrTx/>
+              <a:buSzTx/>
+              <a:buFontTx/>
+              <a:buAutoNum type="arabicPeriod" startAt="5"/>
+              <a:tabLst/>
+            </a:pPr>
+            <a:r>
+              <a:rPr kumimoji="0" lang="en-US" altLang="en-US" sz="3200" b="0" i="0" u="none" strike="noStrike" cap="none" normalizeH="0" baseline="0" dirty="0" smtClean="0">
+                <a:ln>
+                  <a:noFill/>
+                </a:ln>
+                <a:solidFill>
+                  <a:schemeClr val="tx1"/>
+                </a:solidFill>
+                <a:effectLst/>
+                <a:latin typeface="Arial" panose="020B0604020202020204" pitchFamily="34" charset="0"/>
+              </a:rPr>
+              <a:t>Develop an interactive Dashboard for recommendations.</a:t>
+            </a:r>
+          </a:p>
+          <a:p>
+            <a:pPr marL="0" marR="0" lvl="0" indent="0" algn="l" defTabSz="914400" rtl="0" eaLnBrk="0" fontAlgn="base" latinLnBrk="0" hangingPunct="0">
+              <a:lnSpc>
+                <a:spcPct val="100000"/>
+              </a:lnSpc>
+              <a:spcBef>
+                <a:spcPct val="0"/>
+              </a:spcBef>
+              <a:spcAft>
+                <a:spcPct val="0"/>
+              </a:spcAft>
+              <a:buClrTx/>
+              <a:buSzTx/>
+              <a:buFontTx/>
+              <a:buChar char="•"/>
+              <a:tabLst/>
+            </a:pPr>
+            <a:r>
+              <a:rPr kumimoji="0" lang="en-US" altLang="en-US" sz="3200" b="1" i="0" u="none" strike="noStrike" cap="none" normalizeH="0" baseline="0" dirty="0" smtClean="0">
+                <a:ln>
+                  <a:noFill/>
+                </a:ln>
+                <a:solidFill>
+                  <a:schemeClr val="tx1"/>
+                </a:solidFill>
+                <a:effectLst/>
+                <a:latin typeface="Arial" panose="020B0604020202020204" pitchFamily="34" charset="0"/>
+              </a:rPr>
+              <a:t> Tools Used:</a:t>
+            </a:r>
+            <a:r>
+              <a:rPr kumimoji="0" lang="en-US" altLang="en-US" sz="3200" b="0" i="0" u="none" strike="noStrike" cap="none" normalizeH="0" baseline="0" dirty="0" smtClean="0">
+                <a:ln>
+                  <a:noFill/>
+                </a:ln>
+                <a:solidFill>
+                  <a:schemeClr val="tx1"/>
+                </a:solidFill>
+                <a:effectLst/>
+                <a:latin typeface="Arial" panose="020B0604020202020204" pitchFamily="34" charset="0"/>
+              </a:rPr>
+              <a:t> Python Notebook&amp; Power BI.</a:t>
+            </a:r>
+          </a:p>
+        </p:txBody>
+      </p:sp>
+    </p:spTree>
+    <p:extLst>
+      <p:ext uri="{BB962C8B-B14F-4D97-AF65-F5344CB8AC3E}">
+        <p14:creationId xmlns:p14="http://schemas.microsoft.com/office/powerpoint/2010/main" val="1009959408"/>
+      </p:ext>
+    </p:extLst>
+  </p:cSld>
+  <p:clrMapOvr>
+    <a:masterClrMapping/>
+  </p:clrMapOvr>
+</p:sld>
+</file>
+
+<file path=ppt/slides/slide3.xml><?xml version="1.0" encoding="utf-8"?>
+<p:sld xmlns:a="http://schemas.openxmlformats.org/drawingml/2006/main" xmlns:r="http://schemas.openxmlformats.org/officeDocument/2006/relationships" xmlns:p="http://schemas.openxmlformats.org/presentationml/2006/main">
+  <p:cSld>
+    <p:spTree>
+      <p:nvGrpSpPr>
+        <p:cNvPr id="1" name=""/>
+        <p:cNvGrpSpPr/>
+        <p:nvPr/>
+      </p:nvGrpSpPr>
+      <p:grpSpPr>
+        <a:xfrm>
+          <a:off x="0" y="0"/>
+          <a:ext cx="0" cy="0"/>
+          <a:chOff x="0" y="0"/>
+          <a:chExt cx="0" cy="0"/>
+        </a:xfrm>
+      </p:grpSpPr>
+      <p:sp>
+        <p:nvSpPr>
+          <p:cNvPr id="2" name="Title 1"/>
+          <p:cNvSpPr>
+            <a:spLocks noGrp="1"/>
+          </p:cNvSpPr>
+          <p:nvPr>
+            <p:ph type="title"/>
+          </p:nvPr>
+        </p:nvSpPr>
+        <p:spPr>
+          <a:xfrm>
+            <a:off x="809544" y="457795"/>
+            <a:ext cx="10867489" cy="1104007"/>
+          </a:xfrm>
+        </p:spPr>
+        <p:txBody>
+          <a:bodyPr>
+            <a:normAutofit fontScale="90000"/>
+          </a:bodyPr>
+          <a:lstStyle/>
+          <a:p>
+            <a:r>
+              <a:rPr lang="en-US" b="1" dirty="0" smtClean="0"/>
+              <a:t>Part A - Data Loading &amp; Preprocessing</a:t>
+            </a:r>
+            <a:br>
+              <a:rPr lang="en-US" b="1" dirty="0" smtClean="0"/>
+            </a:br>
+            <a:endParaRPr lang="en-US" dirty="0"/>
+          </a:p>
+        </p:txBody>
+      </p:sp>
+      <p:sp>
+        <p:nvSpPr>
+          <p:cNvPr id="4" name="Rectangle 1"/>
+          <p:cNvSpPr>
+            <a:spLocks noGrp="1" noChangeArrowheads="1"/>
+          </p:cNvSpPr>
+          <p:nvPr>
+            <p:ph idx="1"/>
+          </p:nvPr>
+        </p:nvSpPr>
+        <p:spPr bwMode="auto">
+          <a:xfrm>
+            <a:off x="1428455" y="1150699"/>
+            <a:ext cx="8613012" cy="1970295"/>
+          </a:xfrm>
+          <a:prstGeom prst="rect">
+            <a:avLst/>
+          </a:prstGeom>
+          <a:noFill/>
+          <a:ln>
+            <a:noFill/>
+          </a:ln>
+          <a:effectLst/>
+          <a:extLst>
+            <a:ext uri="{909E8E84-426E-40DD-AFC4-6F175D3DCCD1}">
+              <a14:hiddenFill xmlns:a14="http://schemas.microsoft.com/office/drawing/2010/main">
+                <a:solidFill>
+                  <a:schemeClr val="accent1"/>
+                </a:solidFill>
+              </a14:hiddenFill>
+            </a:ext>
+            <a:ext uri="{91240B29-F687-4F45-9708-019B960494DF}">
+              <a14:hiddenLine xmlns:a14="http://schemas.microsoft.com/office/drawing/2010/main" w="9525">
+                <a:solidFill>
+                  <a:schemeClr val="tx1"/>
+                </a:solidFill>
+                <a:miter lim="800000"/>
+                <a:headEnd/>
+                <a:tailEnd/>
+              </a14:hiddenLine>
+            </a:ext>
+            <a:ext uri="{AF507438-7753-43E0-B8FC-AC1667EBCBE1}">
+              <a14:hiddenEffects xmlns:a14="http://schemas.microsoft.com/office/drawing/2010/main">
+                <a:effectLst>
+                  <a:outerShdw dist="35921" dir="2700000" algn="ctr" rotWithShape="0">
+                    <a:schemeClr val="bg2"/>
+                  </a:outerShdw>
+                </a:effectLst>
+              </a14:hiddenEffects>
+            </a:ext>
+          </a:extLst>
+        </p:spPr>
+        <p:txBody>
+          <a:bodyPr vert="horz" wrap="square" lIns="94500" tIns="47250" rIns="94500" bIns="47250" numCol="1" rtlCol="0" anchor="ctr" anchorCtr="0" compatLnSpc="1">
+            <a:prstTxWarp prst="textNoShape">
+              <a:avLst/>
+            </a:prstTxWarp>
+            <a:spAutoFit/>
+          </a:bodyPr>
+          <a:lstStyle/>
+          <a:p>
+            <a:r>
+              <a:rPr lang="en-US" sz="1700" b="1" dirty="0"/>
+              <a:t>Data Preprocessing</a:t>
+            </a:r>
+          </a:p>
+          <a:p>
+            <a:r>
+              <a:rPr lang="en-US" sz="1700" b="1" dirty="0"/>
+              <a:t>Steps Taken:</a:t>
+            </a:r>
+            <a:endParaRPr lang="en-US" sz="1700" dirty="0"/>
+          </a:p>
+          <a:p>
+            <a:pPr lvl="1"/>
+            <a:r>
+              <a:rPr lang="en-US" sz="1700" dirty="0"/>
+              <a:t>Loaded dataset and converted Dates.</a:t>
+            </a:r>
+          </a:p>
+          <a:p>
+            <a:pPr lvl="1"/>
+            <a:r>
+              <a:rPr lang="en-US" sz="1700" dirty="0"/>
+              <a:t>Removed duplicates and missing values.</a:t>
+            </a:r>
+          </a:p>
+          <a:p>
+            <a:pPr lvl="1"/>
+            <a:r>
+              <a:rPr lang="en-US" sz="1700" dirty="0"/>
+              <a:t>Aggregated data to </a:t>
+            </a:r>
+            <a:r>
+              <a:rPr lang="en-US" sz="1700" b="1" dirty="0"/>
+              <a:t>Customer Level</a:t>
+            </a:r>
+            <a:r>
+              <a:rPr lang="en-US" sz="1700" dirty="0"/>
+              <a:t> (grouped by Business Name).</a:t>
+            </a:r>
+          </a:p>
           <a:p>
             <a:pPr marL="0" indent="0" eaLnBrk="0" fontAlgn="base" hangingPunct="0">
               <a:lnSpc>
@@ -3392,158 +4535,7 @@
               </a:spcAft>
               <a:buNone/>
             </a:pPr>
-            <a:r>
-              <a:rPr lang="en-US" altLang="en-US" sz="1860" b="1" dirty="0">
-                <a:latin typeface="Arial" panose="020B0604020202020204" pitchFamily="34" charset="0"/>
-              </a:rPr>
-              <a:t>Process:</a:t>
-            </a:r>
-            <a:endParaRPr lang="en-US" altLang="en-US" sz="1860" dirty="0">
-              <a:latin typeface="Arial" panose="020B0604020202020204" pitchFamily="34" charset="0"/>
-            </a:endParaRPr>
-          </a:p>
-          <a:p>
-            <a:pPr marL="0" indent="0" eaLnBrk="0" fontAlgn="base" hangingPunct="0">
-              <a:lnSpc>
-                <a:spcPct val="100000"/>
-              </a:lnSpc>
-              <a:spcBef>
-                <a:spcPct val="0"/>
-              </a:spcBef>
-              <a:spcAft>
-                <a:spcPct val="0"/>
-              </a:spcAft>
-              <a:buFontTx/>
-              <a:buChar char="•"/>
-            </a:pPr>
-            <a:r>
-              <a:rPr lang="en-US" altLang="en-US" sz="1860" dirty="0">
-                <a:latin typeface="Arial" panose="020B0604020202020204" pitchFamily="34" charset="0"/>
-              </a:rPr>
-              <a:t>Loaded nigerian_ecommerce.xlsx.</a:t>
-            </a:r>
-          </a:p>
-          <a:p>
-            <a:pPr marL="0" indent="0" eaLnBrk="0" fontAlgn="base" hangingPunct="0">
-              <a:lnSpc>
-                <a:spcPct val="100000"/>
-              </a:lnSpc>
-              <a:spcBef>
-                <a:spcPct val="0"/>
-              </a:spcBef>
-              <a:spcAft>
-                <a:spcPct val="0"/>
-              </a:spcAft>
-              <a:buFontTx/>
-              <a:buChar char="•"/>
-            </a:pPr>
-            <a:r>
-              <a:rPr lang="en-US" altLang="en-US" sz="1860" dirty="0">
-                <a:latin typeface="Arial" panose="020B0604020202020204" pitchFamily="34" charset="0"/>
-              </a:rPr>
-              <a:t>Cleaned data: Removed duplicates and handled missing values in Order ID and Total Price.</a:t>
-            </a:r>
-          </a:p>
-          <a:p>
-            <a:pPr marL="0" indent="0" eaLnBrk="0" fontAlgn="base" hangingPunct="0">
-              <a:lnSpc>
-                <a:spcPct val="100000"/>
-              </a:lnSpc>
-              <a:spcBef>
-                <a:spcPct val="0"/>
-              </a:spcBef>
-              <a:spcAft>
-                <a:spcPct val="0"/>
-              </a:spcAft>
-              <a:buFontTx/>
-              <a:buChar char="•"/>
-            </a:pPr>
-            <a:r>
-              <a:rPr lang="en-US" altLang="en-US" sz="1860" b="1" dirty="0">
-                <a:latin typeface="Arial" panose="020B0604020202020204" pitchFamily="34" charset="0"/>
-              </a:rPr>
-              <a:t>Aggregation:</a:t>
-            </a:r>
-            <a:r>
-              <a:rPr lang="en-US" altLang="en-US" sz="1860" dirty="0">
-                <a:latin typeface="Arial" panose="020B0604020202020204" pitchFamily="34" charset="0"/>
-              </a:rPr>
-              <a:t> Grouped data by Business Name to create a "Customer Level" view.</a:t>
-            </a:r>
-          </a:p>
-          <a:p>
-            <a:pPr marL="0" indent="0" eaLnBrk="0" fontAlgn="base" hangingPunct="0">
-              <a:lnSpc>
-                <a:spcPct val="100000"/>
-              </a:lnSpc>
-              <a:spcBef>
-                <a:spcPct val="0"/>
-              </a:spcBef>
-              <a:spcAft>
-                <a:spcPct val="0"/>
-              </a:spcAft>
-              <a:buFontTx/>
-              <a:buChar char="•"/>
-            </a:pPr>
-            <a:r>
-              <a:rPr lang="en-US" altLang="en-US" sz="1860" b="1" dirty="0">
-                <a:latin typeface="Arial" panose="020B0604020202020204" pitchFamily="34" charset="0"/>
-              </a:rPr>
-              <a:t>Normalization:</a:t>
-            </a:r>
-            <a:r>
-              <a:rPr lang="en-US" altLang="en-US" sz="1860" dirty="0">
-                <a:latin typeface="Arial" panose="020B0604020202020204" pitchFamily="34" charset="0"/>
-              </a:rPr>
-              <a:t> Applied </a:t>
-            </a:r>
-            <a:r>
-              <a:rPr lang="en-US" altLang="en-US" sz="1860" dirty="0" err="1">
-                <a:latin typeface="Arial" panose="020B0604020202020204" pitchFamily="34" charset="0"/>
-              </a:rPr>
-              <a:t>MinMax</a:t>
-            </a:r>
-            <a:r>
-              <a:rPr lang="en-US" altLang="en-US" sz="1860" dirty="0">
-                <a:latin typeface="Arial" panose="020B0604020202020204" pitchFamily="34" charset="0"/>
-              </a:rPr>
-              <a:t> Scaling to Frequency and Monetary values to ensure equal weighting </a:t>
-            </a:r>
-          </a:p>
-          <a:p>
-            <a:pPr marL="0" indent="0" eaLnBrk="0" fontAlgn="base" hangingPunct="0">
-              <a:lnSpc>
-                <a:spcPct val="100000"/>
-              </a:lnSpc>
-              <a:spcBef>
-                <a:spcPct val="0"/>
-              </a:spcBef>
-              <a:spcAft>
-                <a:spcPct val="0"/>
-              </a:spcAft>
-              <a:buNone/>
-            </a:pPr>
-            <a:r>
-              <a:rPr lang="en-US" altLang="en-US" sz="1860" dirty="0">
-                <a:latin typeface="Arial" panose="020B0604020202020204" pitchFamily="34" charset="0"/>
-              </a:rPr>
-              <a:t>during clustering.</a:t>
-            </a:r>
-          </a:p>
-          <a:p>
-            <a:pPr marL="0" indent="0" eaLnBrk="0" fontAlgn="base" hangingPunct="0">
-              <a:lnSpc>
-                <a:spcPct val="100000"/>
-              </a:lnSpc>
-              <a:spcBef>
-                <a:spcPct val="0"/>
-              </a:spcBef>
-              <a:spcAft>
-                <a:spcPct val="0"/>
-              </a:spcAft>
-              <a:buNone/>
-            </a:pPr>
-            <a:endParaRPr lang="en-US" altLang="en-US" sz="1860" dirty="0">
+            <a:endParaRPr lang="en-US" altLang="en-US" sz="1700" dirty="0">
               <a:latin typeface="Arial" panose="020B0604020202020204" pitchFamily="34" charset="0"/>
             </a:endParaRPr>
           </a:p>
@@ -3615,7 +4607,7 @@
         </p:nvSpPr>
         <p:spPr>
           <a:xfrm>
-            <a:off x="866249" y="479145"/>
+            <a:off x="866249" y="206605"/>
             <a:ext cx="10867490" cy="780030"/>
           </a:xfrm>
         </p:spPr>
@@ -3626,793 +4618,15 @@
           <a:lstStyle/>
           <a:p>
             <a:r>
-              <a:rPr lang="en-US" b="1" dirty="0" smtClean="0"/>
-              <a:t>Part B - Exploratory Data Analysis (EDA)</a:t>
-            </a:r>
-            <a:br>
-              <a:rPr lang="en-US" b="1" dirty="0" smtClean="0"/>
-            </a:br>
-            <a:endParaRPr lang="en-US" dirty="0"/>
-          </a:p>
-        </p:txBody>
-      </p:sp>
-      <p:sp>
-        <p:nvSpPr>
-          <p:cNvPr id="3" name="Content Placeholder 2"/>
-          <p:cNvSpPr>
-            <a:spLocks noGrp="1"/>
-          </p:cNvSpPr>
-          <p:nvPr>
-            <p:ph idx="1"/>
-          </p:nvPr>
-        </p:nvSpPr>
-        <p:spPr>
-          <a:xfrm>
-            <a:off x="641397" y="986635"/>
-            <a:ext cx="10867490" cy="2955778"/>
-          </a:xfrm>
-        </p:spPr>
-        <p:txBody>
-          <a:bodyPr>
-            <a:normAutofit fontScale="92500" lnSpcReduction="20000"/>
-          </a:bodyPr>
-          <a:lstStyle/>
-          <a:p>
-            <a:r>
-              <a:rPr lang="en-US" b="1" dirty="0" smtClean="0"/>
-              <a:t>Descriptive Statistics:</a:t>
-            </a:r>
-            <a:r>
-              <a:rPr lang="en-US" dirty="0" smtClean="0"/>
-              <a:t> Analyzed the spread of purchase values and order counts.</a:t>
-            </a:r>
-          </a:p>
-          <a:p>
-            <a:r>
-              <a:rPr lang="en-US" b="1" dirty="0" smtClean="0"/>
-              <a:t>Visualizations:</a:t>
-            </a:r>
-            <a:endParaRPr lang="en-US" dirty="0" smtClean="0"/>
-          </a:p>
-          <a:p>
-            <a:pPr lvl="1"/>
-            <a:r>
-              <a:rPr lang="en-US" b="1" dirty="0" smtClean="0"/>
-              <a:t>Histograms:</a:t>
-            </a:r>
-            <a:r>
-              <a:rPr lang="en-US" dirty="0" smtClean="0"/>
-              <a:t> Showed that most customers make small, infrequent purchases (Right-skewed distribution).</a:t>
-            </a:r>
-          </a:p>
-          <a:p>
-            <a:pPr lvl="1"/>
-            <a:r>
-              <a:rPr lang="en-US" b="1" dirty="0" smtClean="0"/>
-              <a:t>Correlation:</a:t>
-            </a:r>
-            <a:r>
-              <a:rPr lang="en-US" dirty="0" smtClean="0"/>
-              <a:t> Verified the relationship between Frequency and Total Spend.</a:t>
-            </a:r>
-          </a:p>
-          <a:p>
-            <a:endParaRPr lang="en-US" dirty="0"/>
-          </a:p>
-        </p:txBody>
-      </p:sp>
-      <p:pic>
-        <p:nvPicPr>
-          <p:cNvPr id="4" name="Picture 3"/>
-          <p:cNvPicPr>
-            <a:picLocks noChangeAspect="1"/>
-          </p:cNvPicPr>
-          <p:nvPr/>
-        </p:nvPicPr>
-        <p:blipFill>
-          <a:blip r:embed="rId2"/>
-          <a:stretch>
-            <a:fillRect/>
-          </a:stretch>
-        </p:blipFill>
-        <p:spPr>
-          <a:xfrm>
-            <a:off x="408514" y="3942413"/>
-            <a:ext cx="11325225" cy="4667250"/>
-          </a:xfrm>
-          <a:prstGeom prst="rect">
-            <a:avLst/>
-          </a:prstGeom>
-        </p:spPr>
-      </p:pic>
-    </p:spTree>
-    <p:extLst>
-      <p:ext uri="{BB962C8B-B14F-4D97-AF65-F5344CB8AC3E}">
-        <p14:creationId xmlns:p14="http://schemas.microsoft.com/office/powerpoint/2010/main" val="967879659"/>
-      </p:ext>
-    </p:extLst>
-  </p:cSld>
-  <p:clrMapOvr>
-    <a:masterClrMapping/>
-  </p:clrMapOvr>
-</p:sld>
-</file>
-
-<file path=ppt/slides/slide5.xml><?xml version="1.0" encoding="utf-8"?>
-<p:sld xmlns:a="http://schemas.openxmlformats.org/drawingml/2006/main" xmlns:r="http://schemas.openxmlformats.org/officeDocument/2006/relationships" xmlns:p="http://schemas.openxmlformats.org/presentationml/2006/main">
-  <p:cSld>
-    <p:spTree>
-      <p:nvGrpSpPr>
-        <p:cNvPr id="1" name=""/>
-        <p:cNvGrpSpPr/>
-        <p:nvPr/>
-      </p:nvGrpSpPr>
-      <p:grpSpPr>
-        <a:xfrm>
-          <a:off x="0" y="0"/>
-          <a:ext cx="0" cy="0"/>
-          <a:chOff x="0" y="0"/>
-          <a:chExt cx="0" cy="0"/>
-        </a:xfrm>
-      </p:grpSpPr>
-      <p:sp>
-        <p:nvSpPr>
-          <p:cNvPr id="2" name="Title 1"/>
-          <p:cNvSpPr>
-            <a:spLocks noGrp="1"/>
-          </p:cNvSpPr>
-          <p:nvPr>
-            <p:ph type="title"/>
-          </p:nvPr>
-        </p:nvSpPr>
-        <p:spPr>
-          <a:xfrm>
-            <a:off x="866249" y="479145"/>
-            <a:ext cx="10867490" cy="839990"/>
-          </a:xfrm>
-        </p:spPr>
-        <p:txBody>
-          <a:bodyPr>
-            <a:normAutofit fontScale="90000"/>
-          </a:bodyPr>
-          <a:lstStyle/>
-          <a:p>
-            <a:r>
-              <a:rPr lang="en-US" b="1" dirty="0" smtClean="0"/>
-              <a:t>Part C - Feature Engineering</a:t>
-            </a:r>
-            <a:br>
-              <a:rPr lang="en-US" b="1" dirty="0" smtClean="0"/>
-            </a:br>
-            <a:endParaRPr lang="en-US" dirty="0"/>
-          </a:p>
-        </p:txBody>
-      </p:sp>
-      <p:sp>
-        <p:nvSpPr>
-          <p:cNvPr id="3" name="Content Placeholder 2"/>
-          <p:cNvSpPr>
-            <a:spLocks noGrp="1"/>
-          </p:cNvSpPr>
-          <p:nvPr>
-            <p:ph idx="1"/>
-          </p:nvPr>
-        </p:nvSpPr>
-        <p:spPr>
-          <a:xfrm>
-            <a:off x="866249" y="899140"/>
-            <a:ext cx="10867490" cy="3957673"/>
-          </a:xfrm>
-        </p:spPr>
-        <p:txBody>
-          <a:bodyPr>
-            <a:normAutofit fontScale="92500" lnSpcReduction="10000"/>
-          </a:bodyPr>
-          <a:lstStyle/>
-          <a:p>
-            <a:r>
-              <a:rPr lang="en-US" b="1" dirty="0" smtClean="0"/>
-              <a:t>Goal:</a:t>
-            </a:r>
-            <a:r>
-              <a:rPr lang="en-US" dirty="0" smtClean="0"/>
-              <a:t> Create meaningful metrics for the model.</a:t>
-            </a:r>
-          </a:p>
-          <a:p>
-            <a:r>
-              <a:rPr lang="en-US" b="1" dirty="0" smtClean="0"/>
-              <a:t>Derived Features:</a:t>
-            </a:r>
-            <a:endParaRPr lang="en-US" dirty="0" smtClean="0"/>
-          </a:p>
-          <a:p>
-            <a:pPr lvl="1"/>
-            <a:r>
-              <a:rPr lang="en-US" b="1" dirty="0" smtClean="0"/>
-              <a:t>Loyalty Index:</a:t>
-            </a:r>
-            <a:r>
-              <a:rPr lang="en-US" dirty="0" smtClean="0"/>
-              <a:t> A composite score (50% Frequency + 50% Monetary).</a:t>
-            </a:r>
-          </a:p>
-          <a:p>
-            <a:pPr lvl="2"/>
-            <a:r>
-              <a:rPr lang="en-US" i="1" dirty="0" smtClean="0">
-                <a:effectLst/>
-              </a:rPr>
-              <a:t>Why:</a:t>
-            </a:r>
-            <a:r>
-              <a:rPr lang="en-US" dirty="0" smtClean="0"/>
-              <a:t> Identifies high-value, active customers.</a:t>
-            </a:r>
-          </a:p>
-          <a:p>
-            <a:pPr lvl="1"/>
-            <a:r>
-              <a:rPr lang="en-US" b="1" dirty="0" err="1" smtClean="0"/>
-              <a:t>Recency</a:t>
-            </a:r>
-            <a:r>
-              <a:rPr lang="en-US" b="1" dirty="0" smtClean="0"/>
-              <a:t> Score:</a:t>
-            </a:r>
-            <a:r>
-              <a:rPr lang="en-US" dirty="0" smtClean="0"/>
-              <a:t> Grouped customers into quartiles (1-4) based on days since last purchase.</a:t>
-            </a:r>
-          </a:p>
-          <a:p>
-            <a:pPr lvl="2"/>
-            <a:r>
-              <a:rPr lang="en-US" i="1" dirty="0" smtClean="0">
-                <a:effectLst/>
-              </a:rPr>
-              <a:t>Why:</a:t>
-            </a:r>
-            <a:r>
-              <a:rPr lang="en-US" dirty="0" smtClean="0"/>
-              <a:t> Helps identify "Churn Risk" (customers who haven't bought in a long time).</a:t>
-            </a:r>
-          </a:p>
-        </p:txBody>
-      </p:sp>
-    </p:spTree>
-    <p:extLst>
-      <p:ext uri="{BB962C8B-B14F-4D97-AF65-F5344CB8AC3E}">
-        <p14:creationId xmlns:p14="http://schemas.microsoft.com/office/powerpoint/2010/main" val="3296901242"/>
-      </p:ext>
-    </p:extLst>
-  </p:cSld>
-  <p:clrMapOvr>
-    <a:masterClrMapping/>
-  </p:clrMapOvr>
-</p:sld>
-</file>
-
-<file path=ppt/slides/slide6.xml><?xml version="1.0" encoding="utf-8"?>
-<p:sld xmlns:a="http://schemas.openxmlformats.org/drawingml/2006/main" xmlns:r="http://schemas.openxmlformats.org/officeDocument/2006/relationships" xmlns:p="http://schemas.openxmlformats.org/presentationml/2006/main">
-  <p:cSld>
-    <p:spTree>
-      <p:nvGrpSpPr>
-        <p:cNvPr id="1" name=""/>
-        <p:cNvGrpSpPr/>
-        <p:nvPr/>
-      </p:nvGrpSpPr>
-      <p:grpSpPr>
-        <a:xfrm>
-          <a:off x="0" y="0"/>
-          <a:ext cx="0" cy="0"/>
-          <a:chOff x="0" y="0"/>
-          <a:chExt cx="0" cy="0"/>
-        </a:xfrm>
-      </p:grpSpPr>
-      <p:sp>
-        <p:nvSpPr>
-          <p:cNvPr id="2" name="Title 1"/>
-          <p:cNvSpPr>
-            <a:spLocks noGrp="1"/>
-          </p:cNvSpPr>
-          <p:nvPr>
-            <p:ph type="title"/>
-          </p:nvPr>
-        </p:nvSpPr>
-        <p:spPr>
-          <a:xfrm>
-            <a:off x="866249" y="479144"/>
-            <a:ext cx="10867490" cy="612237"/>
-          </a:xfrm>
-        </p:spPr>
-        <p:txBody>
-          <a:bodyPr>
-            <a:normAutofit fontScale="90000"/>
-          </a:bodyPr>
-          <a:lstStyle/>
-          <a:p>
-            <a:r>
-              <a:rPr lang="en-US" b="1" dirty="0" smtClean="0"/>
-              <a:t>Part D - Modeling (The Elbow Method)</a:t>
-            </a:r>
-            <a:br>
-              <a:rPr lang="en-US" b="1" dirty="0" smtClean="0"/>
-            </a:br>
-            <a:endParaRPr lang="en-US" dirty="0"/>
-          </a:p>
-        </p:txBody>
-      </p:sp>
-      <p:sp>
-        <p:nvSpPr>
-          <p:cNvPr id="3" name="Content Placeholder 2"/>
-          <p:cNvSpPr>
-            <a:spLocks noGrp="1"/>
-          </p:cNvSpPr>
-          <p:nvPr>
-            <p:ph idx="1"/>
-          </p:nvPr>
-        </p:nvSpPr>
-        <p:spPr>
-          <a:xfrm>
-            <a:off x="674520" y="785262"/>
-            <a:ext cx="10867490" cy="4597899"/>
-          </a:xfrm>
-        </p:spPr>
-        <p:txBody>
-          <a:bodyPr>
-            <a:normAutofit/>
-          </a:bodyPr>
-          <a:lstStyle/>
-          <a:p>
-            <a:r>
-              <a:rPr lang="en-US" b="1" dirty="0" smtClean="0"/>
-              <a:t>Algorithm:</a:t>
-            </a:r>
-            <a:r>
-              <a:rPr lang="en-US" dirty="0" smtClean="0"/>
-              <a:t> K-Means Clustering.</a:t>
-            </a:r>
-          </a:p>
-          <a:p>
-            <a:r>
-              <a:rPr lang="en-US" b="1" dirty="0" smtClean="0"/>
-              <a:t>Determining k:</a:t>
-            </a:r>
-            <a:endParaRPr lang="en-US" dirty="0" smtClean="0"/>
-          </a:p>
-          <a:p>
-            <a:pPr lvl="1"/>
-            <a:r>
-              <a:rPr lang="en-US" dirty="0" smtClean="0"/>
-              <a:t>Ran the algorithm for k=2 to k=10.</a:t>
-            </a:r>
-          </a:p>
-          <a:p>
-            <a:pPr lvl="1"/>
-            <a:r>
-              <a:rPr lang="en-US" dirty="0" smtClean="0"/>
-              <a:t>Calculated Inertia (Sum of squared distances).</a:t>
-            </a:r>
-          </a:p>
-          <a:p>
-            <a:r>
-              <a:rPr lang="en-US" b="1" dirty="0" smtClean="0"/>
-              <a:t>Result:</a:t>
-            </a:r>
-            <a:r>
-              <a:rPr lang="en-US" dirty="0" smtClean="0"/>
-              <a:t> The "Elbow" point was identified at </a:t>
-            </a:r>
-            <a:r>
-              <a:rPr lang="en-US" b="1" dirty="0" smtClean="0"/>
-              <a:t>k=4</a:t>
-            </a:r>
-            <a:r>
-              <a:rPr lang="en-US" dirty="0" smtClean="0"/>
-              <a:t>, indicating the optimal number of clusters.</a:t>
-            </a:r>
-          </a:p>
-          <a:p>
-            <a:endParaRPr lang="en-US" dirty="0"/>
-          </a:p>
-        </p:txBody>
-      </p:sp>
-      <p:pic>
-        <p:nvPicPr>
-          <p:cNvPr id="4" name="Picture 3"/>
-          <p:cNvPicPr>
-            <a:picLocks noChangeAspect="1"/>
-          </p:cNvPicPr>
-          <p:nvPr/>
-        </p:nvPicPr>
-        <p:blipFill>
-          <a:blip r:embed="rId2"/>
-          <a:stretch>
-            <a:fillRect/>
-          </a:stretch>
-        </p:blipFill>
-        <p:spPr>
-          <a:xfrm>
-            <a:off x="1027137" y="4247535"/>
-            <a:ext cx="8928024" cy="4752003"/>
-          </a:xfrm>
-          <a:prstGeom prst="rect">
-            <a:avLst/>
-          </a:prstGeom>
-        </p:spPr>
-      </p:pic>
-    </p:spTree>
-    <p:extLst>
-      <p:ext uri="{BB962C8B-B14F-4D97-AF65-F5344CB8AC3E}">
-        <p14:creationId xmlns:p14="http://schemas.microsoft.com/office/powerpoint/2010/main" val="4199777942"/>
-      </p:ext>
-    </p:extLst>
-  </p:cSld>
-  <p:clrMapOvr>
-    <a:masterClrMapping/>
-  </p:clrMapOvr>
-</p:sld>
-</file>
-
-<file path=ppt/slides/slide7.xml><?xml version="1.0" encoding="utf-8"?>
-<p:sld xmlns:a="http://schemas.openxmlformats.org/drawingml/2006/main" xmlns:r="http://schemas.openxmlformats.org/officeDocument/2006/relationships" xmlns:p="http://schemas.openxmlformats.org/presentationml/2006/main">
-  <p:cSld>
-    <p:spTree>
-      <p:nvGrpSpPr>
-        <p:cNvPr id="1" name=""/>
-        <p:cNvGrpSpPr/>
-        <p:nvPr/>
-      </p:nvGrpSpPr>
-      <p:grpSpPr>
-        <a:xfrm>
-          <a:off x="0" y="0"/>
-          <a:ext cx="0" cy="0"/>
-          <a:chOff x="0" y="0"/>
-          <a:chExt cx="0" cy="0"/>
-        </a:xfrm>
-      </p:grpSpPr>
-      <p:sp>
-        <p:nvSpPr>
-          <p:cNvPr id="2" name="Title 1"/>
-          <p:cNvSpPr>
-            <a:spLocks noGrp="1"/>
-          </p:cNvSpPr>
-          <p:nvPr>
-            <p:ph type="title"/>
-          </p:nvPr>
-        </p:nvSpPr>
-        <p:spPr>
-          <a:xfrm>
-            <a:off x="866249" y="479145"/>
-            <a:ext cx="10867490" cy="966198"/>
-          </a:xfrm>
-        </p:spPr>
-        <p:txBody>
-          <a:bodyPr>
-            <a:normAutofit fontScale="90000"/>
-          </a:bodyPr>
-          <a:lstStyle/>
-          <a:p>
-            <a:r>
-              <a:rPr lang="en-US" b="1" dirty="0" smtClean="0"/>
-              <a:t>Part D - Clustering Visualization (PCA)</a:t>
-            </a:r>
-            <a:br>
-              <a:rPr lang="en-US" b="1" dirty="0" smtClean="0"/>
-            </a:br>
-            <a:endParaRPr lang="en-US" dirty="0"/>
-          </a:p>
-        </p:txBody>
-      </p:sp>
-      <p:sp>
-        <p:nvSpPr>
-          <p:cNvPr id="3" name="Content Placeholder 2"/>
-          <p:cNvSpPr>
-            <a:spLocks noGrp="1"/>
-          </p:cNvSpPr>
-          <p:nvPr>
-            <p:ph idx="1"/>
-          </p:nvPr>
-        </p:nvSpPr>
-        <p:spPr>
-          <a:xfrm>
-            <a:off x="866249" y="1171594"/>
-            <a:ext cx="10867490" cy="2500754"/>
-          </a:xfrm>
-        </p:spPr>
-        <p:txBody>
-          <a:bodyPr>
-            <a:normAutofit fontScale="85000" lnSpcReduction="20000"/>
-          </a:bodyPr>
-          <a:lstStyle/>
-          <a:p>
-            <a:r>
-              <a:rPr lang="en-US" b="1" dirty="0" smtClean="0"/>
-              <a:t>Dimensionality Reduction:</a:t>
-            </a:r>
-            <a:r>
-              <a:rPr lang="en-US" dirty="0" smtClean="0"/>
-              <a:t> Used Principal Component Analysis (PCA) to reduce data to 2 dimensions (PCA1, PCA2).</a:t>
-            </a:r>
-          </a:p>
-          <a:p>
-            <a:r>
-              <a:rPr lang="en-US" b="1" dirty="0" smtClean="0"/>
-              <a:t>Observation:</a:t>
-            </a:r>
-            <a:endParaRPr lang="en-US" dirty="0" smtClean="0"/>
-          </a:p>
-          <a:p>
-            <a:pPr lvl="1"/>
-            <a:r>
-              <a:rPr lang="en-US" dirty="0" smtClean="0"/>
-              <a:t>The scatter plot shows distinct, separated groups.</a:t>
-            </a:r>
-          </a:p>
-          <a:p>
-            <a:pPr lvl="1"/>
-            <a:r>
-              <a:rPr lang="en-US" dirty="0" smtClean="0"/>
-              <a:t>Validates that the K-Means algorithm successfully segmented the customers based on behavior.</a:t>
-            </a:r>
-          </a:p>
-          <a:p>
-            <a:endParaRPr lang="en-US" dirty="0"/>
-          </a:p>
-        </p:txBody>
-      </p:sp>
-      <p:pic>
-        <p:nvPicPr>
-          <p:cNvPr id="4" name="Picture 3"/>
-          <p:cNvPicPr>
-            <a:picLocks noChangeAspect="1"/>
-          </p:cNvPicPr>
-          <p:nvPr/>
-        </p:nvPicPr>
-        <p:blipFill>
-          <a:blip r:embed="rId2"/>
-          <a:stretch>
-            <a:fillRect/>
-          </a:stretch>
-        </p:blipFill>
-        <p:spPr>
-          <a:xfrm>
-            <a:off x="1082905" y="3672348"/>
-            <a:ext cx="9845650" cy="5423541"/>
-          </a:xfrm>
-          <a:prstGeom prst="rect">
-            <a:avLst/>
-          </a:prstGeom>
-        </p:spPr>
-      </p:pic>
-    </p:spTree>
-    <p:extLst>
-      <p:ext uri="{BB962C8B-B14F-4D97-AF65-F5344CB8AC3E}">
-        <p14:creationId xmlns:p14="http://schemas.microsoft.com/office/powerpoint/2010/main" val="575029852"/>
-      </p:ext>
-    </p:extLst>
-  </p:cSld>
-  <p:clrMapOvr>
-    <a:masterClrMapping/>
-  </p:clrMapOvr>
-</p:sld>
-</file>
-
-<file path=ppt/slides/slide8.xml><?xml version="1.0" encoding="utf-8"?>
-<p:sld xmlns:a="http://schemas.openxmlformats.org/drawingml/2006/main" xmlns:r="http://schemas.openxmlformats.org/officeDocument/2006/relationships" xmlns:p="http://schemas.openxmlformats.org/presentationml/2006/main">
-  <p:cSld>
-    <p:spTree>
-      <p:nvGrpSpPr>
-        <p:cNvPr id="1" name=""/>
-        <p:cNvGrpSpPr/>
-        <p:nvPr/>
-      </p:nvGrpSpPr>
-      <p:grpSpPr>
-        <a:xfrm>
-          <a:off x="0" y="0"/>
-          <a:ext cx="0" cy="0"/>
-          <a:chOff x="0" y="0"/>
-          <a:chExt cx="0" cy="0"/>
-        </a:xfrm>
-      </p:grpSpPr>
-      <p:sp>
-        <p:nvSpPr>
-          <p:cNvPr id="2" name="Title 1"/>
-          <p:cNvSpPr>
-            <a:spLocks noGrp="1"/>
-          </p:cNvSpPr>
-          <p:nvPr>
-            <p:ph type="title"/>
-          </p:nvPr>
-        </p:nvSpPr>
-        <p:spPr>
-          <a:xfrm>
-            <a:off x="866249" y="479145"/>
-            <a:ext cx="10867490" cy="597488"/>
-          </a:xfrm>
-        </p:spPr>
-        <p:txBody>
-          <a:bodyPr>
-            <a:normAutofit fontScale="90000"/>
-          </a:bodyPr>
-          <a:lstStyle/>
-          <a:p>
-            <a:r>
-              <a:rPr lang="en-US" b="1" dirty="0" smtClean="0"/>
-              <a:t>Part E - Power BI Dashboard (Overview)</a:t>
-            </a:r>
-            <a:endParaRPr lang="en-US" b="1" dirty="0"/>
-          </a:p>
-        </p:txBody>
-      </p:sp>
-      <p:sp>
-        <p:nvSpPr>
-          <p:cNvPr id="3" name="Content Placeholder 2"/>
-          <p:cNvSpPr>
-            <a:spLocks noGrp="1"/>
-          </p:cNvSpPr>
-          <p:nvPr>
-            <p:ph idx="1"/>
-          </p:nvPr>
-        </p:nvSpPr>
-        <p:spPr>
-          <a:xfrm>
-            <a:off x="866249" y="1076633"/>
-            <a:ext cx="10867490" cy="2595715"/>
-          </a:xfrm>
-        </p:spPr>
-        <p:txBody>
-          <a:bodyPr>
-            <a:normAutofit lnSpcReduction="10000"/>
-          </a:bodyPr>
-          <a:lstStyle/>
-          <a:p>
-            <a:r>
-              <a:rPr lang="en-US" b="1" dirty="0" smtClean="0"/>
-              <a:t>Dashboard Components:</a:t>
-            </a:r>
-            <a:endParaRPr lang="en-US" dirty="0" smtClean="0"/>
-          </a:p>
-          <a:p>
-            <a:pPr lvl="1"/>
-            <a:r>
-              <a:rPr lang="en-US" b="1" dirty="0" smtClean="0"/>
-              <a:t>Cluster Distribution:</a:t>
-            </a:r>
-            <a:r>
-              <a:rPr lang="en-US" dirty="0" smtClean="0"/>
-              <a:t> Counts of customers per group.</a:t>
-            </a:r>
-          </a:p>
-          <a:p>
-            <a:pPr lvl="1"/>
-            <a:r>
-              <a:rPr lang="en-US" b="1" dirty="0" smtClean="0"/>
-              <a:t>Average Monetary:</a:t>
-            </a:r>
-            <a:r>
-              <a:rPr lang="en-US" dirty="0" smtClean="0"/>
-              <a:t> Average spend per group.</a:t>
-            </a:r>
-          </a:p>
-          <a:p>
-            <a:pPr lvl="1"/>
-            <a:r>
-              <a:rPr lang="en-US" b="1" dirty="0" smtClean="0"/>
-              <a:t>Average Frequency:</a:t>
-            </a:r>
-            <a:r>
-              <a:rPr lang="en-US" dirty="0" smtClean="0"/>
-              <a:t> Average orders per group.</a:t>
-            </a:r>
-          </a:p>
-          <a:p>
-            <a:pPr lvl="1"/>
-            <a:r>
-              <a:rPr lang="en-US" b="1" dirty="0" smtClean="0"/>
-              <a:t>PCA Plot:</a:t>
-            </a:r>
-            <a:r>
-              <a:rPr lang="en-US" dirty="0" smtClean="0"/>
-              <a:t> Visual validation.</a:t>
-            </a:r>
-          </a:p>
-          <a:p>
-            <a:endParaRPr lang="en-US" dirty="0"/>
-          </a:p>
-        </p:txBody>
-      </p:sp>
-      <p:pic>
-        <p:nvPicPr>
-          <p:cNvPr id="4" name="Picture 3"/>
-          <p:cNvPicPr>
-            <a:picLocks noChangeAspect="1"/>
-          </p:cNvPicPr>
-          <p:nvPr/>
-        </p:nvPicPr>
-        <p:blipFill>
-          <a:blip r:embed="rId2"/>
-          <a:stretch>
-            <a:fillRect/>
-          </a:stretch>
-        </p:blipFill>
-        <p:spPr>
-          <a:xfrm>
-            <a:off x="678426" y="3547914"/>
-            <a:ext cx="11474245" cy="5163271"/>
-          </a:xfrm>
-          <a:prstGeom prst="rect">
-            <a:avLst/>
-          </a:prstGeom>
-        </p:spPr>
-      </p:pic>
-    </p:spTree>
-    <p:extLst>
-      <p:ext uri="{BB962C8B-B14F-4D97-AF65-F5344CB8AC3E}">
-        <p14:creationId xmlns:p14="http://schemas.microsoft.com/office/powerpoint/2010/main" val="3518296400"/>
-      </p:ext>
-    </p:extLst>
-  </p:cSld>
-  <p:clrMapOvr>
-    <a:masterClrMapping/>
-  </p:clrMapOvr>
-</p:sld>
-</file>
-
-<file path=ppt/slides/slide9.xml><?xml version="1.0" encoding="utf-8"?>
-<p:sld xmlns:a="http://schemas.openxmlformats.org/drawingml/2006/main" xmlns:r="http://schemas.openxmlformats.org/officeDocument/2006/relationships" xmlns:p="http://schemas.openxmlformats.org/presentationml/2006/main">
-  <p:cSld>
-    <p:spTree>
-      <p:nvGrpSpPr>
-        <p:cNvPr id="1" name=""/>
-        <p:cNvGrpSpPr/>
-        <p:nvPr/>
-      </p:nvGrpSpPr>
-      <p:grpSpPr>
-        <a:xfrm>
-          <a:off x="0" y="0"/>
-          <a:ext cx="0" cy="0"/>
-          <a:chOff x="0" y="0"/>
-          <a:chExt cx="0" cy="0"/>
-        </a:xfrm>
-      </p:grpSpPr>
-      <p:sp>
-        <p:nvSpPr>
-          <p:cNvPr id="2" name="Title 1"/>
-          <p:cNvSpPr>
-            <a:spLocks noGrp="1"/>
-          </p:cNvSpPr>
-          <p:nvPr>
-            <p:ph type="title"/>
-          </p:nvPr>
-        </p:nvSpPr>
-        <p:spPr>
-          <a:xfrm>
-            <a:off x="866249" y="479145"/>
-            <a:ext cx="10867490" cy="1054688"/>
-          </a:xfrm>
-        </p:spPr>
-        <p:txBody>
-          <a:bodyPr>
-            <a:normAutofit fontScale="90000"/>
-          </a:bodyPr>
-          <a:lstStyle/>
-          <a:p>
-            <a:r>
-              <a:rPr lang="en-US" b="1" dirty="0" smtClean="0"/>
-              <a:t>Part E - Insights &amp; Recommendations</a:t>
-            </a:r>
-            <a:br>
-              <a:rPr lang="en-US" b="1" dirty="0" smtClean="0"/>
-            </a:br>
-            <a:endParaRPr lang="en-US" b="1" dirty="0"/>
-          </a:p>
-        </p:txBody>
-      </p:sp>
-      <p:sp>
-        <p:nvSpPr>
-          <p:cNvPr id="4" name="Rectangle 1"/>
+              <a:rPr lang="en-US" b="1" dirty="0"/>
+              <a:t>Part B - Descriptive Statistics</a:t>
+            </a:r>
+          </a:p>
+        </p:txBody>
+      </p:sp>
+      <p:sp>
+        <p:nvSpPr>
+          <p:cNvPr id="8" name="Rectangle 4"/>
           <p:cNvSpPr>
             <a:spLocks noGrp="1" noChangeArrowheads="1"/>
           </p:cNvSpPr>
@@ -4422,8 +4636,8 @@
         </p:nvSpPr>
         <p:spPr bwMode="auto">
           <a:xfrm>
-            <a:off x="866249" y="1533833"/>
-            <a:ext cx="10673634" cy="2957745"/>
+            <a:off x="675216" y="1139498"/>
+            <a:ext cx="11194090" cy="1938992"/>
           </a:xfrm>
           <a:prstGeom prst="rect">
             <a:avLst/>
@@ -4463,7 +4677,7 @@
           </a:extLst>
         </p:spPr>
         <p:txBody>
-          <a:bodyPr vert="horz" wrap="square" lIns="94500" tIns="47250" rIns="94500" bIns="47250" numCol="1" rtlCol="0" anchor="ctr" anchorCtr="0" compatLnSpc="1">
+          <a:bodyPr vert="horz" wrap="none" lIns="91440" tIns="45720" rIns="91440" bIns="45720" numCol="1" anchor="ctr" anchorCtr="0" compatLnSpc="1">
             <a:prstTxWarp prst="textNoShape">
               <a:avLst/>
             </a:prstTxWarp>
@@ -4471,7 +4685,7 @@
           </a:bodyPr>
           <a:lstStyle/>
           <a:p>
-            <a:pPr marL="0" indent="0" eaLnBrk="0" fontAlgn="base" hangingPunct="0">
+            <a:pPr marL="0" marR="0" lvl="0" indent="0" algn="l" defTabSz="914400" rtl="0" eaLnBrk="0" fontAlgn="base" latinLnBrk="0" hangingPunct="0">
               <a:lnSpc>
                 <a:spcPct val="100000"/>
               </a:lnSpc>
@@ -4481,20 +4695,66 @@
               <a:spcAft>
                 <a:spcPct val="0"/>
               </a:spcAft>
-              <a:buNone/>
+              <a:buClrTx/>
+              <a:buSzTx/>
+              <a:buNone/>
+              <a:tabLst/>
             </a:pPr>
             <a:r>
-              <a:rPr lang="en-US" altLang="en-US" sz="1860" b="1" dirty="0">
+              <a:rPr kumimoji="0" lang="en-US" altLang="en-US" sz="2400" b="1" i="0" u="none" strike="noStrike" cap="none" normalizeH="0" baseline="0" dirty="0" smtClean="0">
+                <a:ln>
+                  <a:noFill/>
+                </a:ln>
+                <a:solidFill>
+                  <a:schemeClr val="tx1"/>
+                </a:solidFill>
+                <a:effectLst/>
                 <a:latin typeface="Arial" panose="020B0604020202020204" pitchFamily="34" charset="0"/>
               </a:rPr>
-              <a:t>Cluster Strategy:</a:t>
-            </a:r>
-            <a:endParaRPr lang="en-US" altLang="en-US" sz="1860" dirty="0">
-              <a:latin typeface="Arial" panose="020B0604020202020204" pitchFamily="34" charset="0"/>
-            </a:endParaRPr>
-          </a:p>
-          <a:p>
-            <a:pPr marL="472516" lvl="1" indent="0" eaLnBrk="0" fontAlgn="base" hangingPunct="0">
+              <a:t>Analysis:</a:t>
+            </a:r>
+            <a:r>
+              <a:rPr kumimoji="0" lang="en-US" altLang="en-US" sz="2400" b="0" i="0" u="none" strike="noStrike" cap="none" normalizeH="0" baseline="0" dirty="0" smtClean="0">
+                <a:ln>
+                  <a:noFill/>
+                </a:ln>
+                <a:solidFill>
+                  <a:schemeClr val="tx1"/>
+                </a:solidFill>
+                <a:effectLst/>
+                <a:latin typeface="Arial" panose="020B0604020202020204" pitchFamily="34" charset="0"/>
+              </a:rPr>
+              <a:t> Summary of key variables (Frequency, Total Spend, </a:t>
+            </a:r>
+            <a:r>
+              <a:rPr kumimoji="0" lang="en-US" altLang="en-US" sz="2400" b="0" i="0" u="none" strike="noStrike" cap="none" normalizeH="0" baseline="0" dirty="0" err="1" smtClean="0">
+                <a:ln>
+                  <a:noFill/>
+                </a:ln>
+                <a:solidFill>
+                  <a:schemeClr val="tx1"/>
+                </a:solidFill>
+                <a:effectLst/>
+                <a:latin typeface="Arial" panose="020B0604020202020204" pitchFamily="34" charset="0"/>
+              </a:rPr>
+              <a:t>Dayss-since_last</a:t>
+            </a:r>
+            <a:r>
+              <a:rPr kumimoji="0" lang="en-US" altLang="en-US" sz="2400" b="0" i="0" u="none" strike="noStrike" cap="none" normalizeH="0" baseline="0" dirty="0" smtClean="0">
+                <a:ln>
+                  <a:noFill/>
+                </a:ln>
+                <a:solidFill>
+                  <a:schemeClr val="tx1"/>
+                </a:solidFill>
+                <a:effectLst/>
+                <a:latin typeface="Arial" panose="020B0604020202020204" pitchFamily="34" charset="0"/>
+              </a:rPr>
+              <a:t>).</a:t>
+            </a:r>
+          </a:p>
+          <a:p>
+            <a:pPr marL="0" marR="0" lvl="0" indent="0" algn="l" defTabSz="914400" rtl="0" eaLnBrk="0" fontAlgn="base" latinLnBrk="0" hangingPunct="0">
               <a:lnSpc>
                 <a:spcPct val="100000"/>
               </a:lnSpc>
@@ -4504,39 +4764,38 @@
               <a:spcAft>
                 <a:spcPct val="0"/>
               </a:spcAft>
+              <a:buClrTx/>
+              <a:buSzTx/>
               <a:buFontTx/>
               <a:buChar char="•"/>
+              <a:tabLst/>
             </a:pPr>
             <a:r>
-              <a:rPr lang="en-US" altLang="en-US" sz="1860" b="1" dirty="0">
+              <a:rPr kumimoji="0" lang="en-US" altLang="en-US" sz="2400" b="1" i="0" u="none" strike="noStrike" cap="none" normalizeH="0" baseline="0" dirty="0" smtClean="0">
+                <a:ln>
+                  <a:noFill/>
+                </a:ln>
+                <a:solidFill>
+                  <a:schemeClr val="tx1"/>
+                </a:solidFill>
+                <a:effectLst/>
                 <a:latin typeface="Arial" panose="020B0604020202020204" pitchFamily="34" charset="0"/>
               </a:rPr>
-              <a:t>VIP/Champions:</a:t>
-            </a:r>
-            <a:r>
-              <a:rPr lang="en-US" altLang="en-US" sz="1860" dirty="0">
-                <a:latin typeface="Arial" panose="020B0604020202020204" pitchFamily="34" charset="0"/>
-              </a:rPr>
-              <a:t> High Spend/</a:t>
-            </a:r>
-            <a:r>
-              <a:rPr lang="en-US" altLang="en-US" sz="1860" dirty="0" err="1">
-                <a:latin typeface="Arial" panose="020B0604020202020204" pitchFamily="34" charset="0"/>
-              </a:rPr>
-              <a:t>Freq</a:t>
-            </a:r>
-            <a:r>
-              <a:rPr lang="en-US" altLang="en-US" sz="1860" dirty="0">
-                <a:latin typeface="Arial" panose="020B0604020202020204" pitchFamily="34" charset="0"/>
-              </a:rPr>
-              <a:t> </a:t>
-            </a:r>
-            <a:endParaRPr lang="en-US" altLang="en-US" sz="1860" dirty="0">
-              <a:latin typeface="Arial Unicode MS"/>
+              <a:t>Interpretation:</a:t>
+            </a:r>
+            <a:endParaRPr kumimoji="0" lang="en-US" altLang="en-US" sz="2400" b="0" i="0" u="none" strike="noStrike" cap="none" normalizeH="0" baseline="0" dirty="0" smtClean="0">
+              <a:ln>
+                <a:noFill/>
+              </a:ln>
+              <a:solidFill>
+                <a:schemeClr val="tx1"/>
+              </a:solidFill>
+              <a:effectLst/>
+              <a:latin typeface="Arial" panose="020B0604020202020204" pitchFamily="34" charset="0"/>
             </a:endParaRPr>
           </a:p>
           <a:p>
-            <a:pPr marL="0" indent="0" eaLnBrk="0" fontAlgn="base" hangingPunct="0">
+            <a:pPr marL="0" marR="0" lvl="0" indent="0" algn="l" defTabSz="914400" rtl="0" eaLnBrk="0" fontAlgn="base" latinLnBrk="0" hangingPunct="0">
               <a:lnSpc>
                 <a:spcPct val="100000"/>
               </a:lnSpc>
@@ -4546,22 +4805,41 @@
               <a:spcAft>
                 <a:spcPct val="0"/>
               </a:spcAft>
-              <a:buNone/>
+              <a:buClrTx/>
+              <a:buSzTx/>
+              <a:buFontTx/>
+              <a:buChar char="•"/>
+              <a:tabLst/>
             </a:pPr>
             <a:r>
-              <a:rPr lang="en-US" altLang="en-US" sz="1860" i="1" dirty="0" smtClean="0"/>
-              <a:t>Action</a:t>
-            </a:r>
-            <a:r>
-              <a:rPr lang="en-US" altLang="en-US" sz="1860" i="1" dirty="0"/>
-              <a:t>: Loyalty Rewards.</a:t>
-            </a:r>
-            <a:endParaRPr lang="en-US" altLang="en-US" sz="1860" dirty="0">
-              <a:latin typeface="Arial" panose="020B0604020202020204" pitchFamily="34" charset="0"/>
-            </a:endParaRPr>
-          </a:p>
-          <a:p>
-            <a:pPr marL="472516" lvl="1" indent="0" eaLnBrk="0" fontAlgn="base" hangingPunct="0">
+              <a:rPr kumimoji="0" lang="en-US" altLang="en-US" sz="2400" b="0" i="1" u="none" strike="noStrike" cap="none" normalizeH="0" baseline="0" dirty="0" smtClean="0">
+                <a:ln>
+                  <a:noFill/>
+                </a:ln>
+                <a:solidFill>
+                  <a:schemeClr val="tx1"/>
+                </a:solidFill>
+                <a:effectLst/>
+                <a:latin typeface="Arial" panose="020B0604020202020204" pitchFamily="34" charset="0"/>
+              </a:rPr>
+              <a:t>Example:</a:t>
+            </a:r>
+            <a:r>
+              <a:rPr kumimoji="0" lang="en-US" altLang="en-US" sz="2400" b="0" i="0" u="none" strike="noStrike" cap="none" normalizeH="0" baseline="0" dirty="0" smtClean="0">
+                <a:ln>
+                  <a:noFill/>
+                </a:ln>
+                <a:solidFill>
+                  <a:schemeClr val="tx1"/>
+                </a:solidFill>
+                <a:effectLst/>
+                <a:latin typeface="Arial" panose="020B0604020202020204" pitchFamily="34" charset="0"/>
+              </a:rPr>
+              <a:t> "The data shows high variance in Total Spend, indicating a mix of</a:t>
+            </a:r>
+          </a:p>
+          <a:p>
+            <a:pPr marL="0" marR="0" lvl="0" indent="0" algn="l" defTabSz="914400" rtl="0" eaLnBrk="0" fontAlgn="base" latinLnBrk="0" hangingPunct="0">
               <a:lnSpc>
                 <a:spcPct val="100000"/>
               </a:lnSpc>
@@ -4571,27 +4849,27 @@
               <a:spcAft>
                 <a:spcPct val="0"/>
               </a:spcAft>
-              <a:buFontTx/>
-              <a:buChar char="•"/>
+              <a:buClrTx/>
+              <a:buSzTx/>
+              <a:buNone/>
+              <a:tabLst/>
             </a:pPr>
             <a:r>
-              <a:rPr lang="en-US" altLang="en-US" sz="1860" b="1" dirty="0">
+              <a:rPr kumimoji="0" lang="en-US" altLang="en-US" sz="2400" b="0" i="0" u="none" strike="noStrike" cap="none" normalizeH="0" baseline="0" dirty="0" smtClean="0">
+                <a:ln>
+                  <a:noFill/>
+                </a:ln>
+                <a:solidFill>
+                  <a:schemeClr val="tx1"/>
+                </a:solidFill>
+                <a:effectLst/>
                 <a:latin typeface="Arial" panose="020B0604020202020204" pitchFamily="34" charset="0"/>
               </a:rPr>
-              <a:t>Standard:</a:t>
-            </a:r>
-            <a:r>
-              <a:rPr lang="en-US" altLang="en-US" sz="1860" dirty="0">
-                <a:latin typeface="Arial" panose="020B0604020202020204" pitchFamily="34" charset="0"/>
-              </a:rPr>
-              <a:t> Average behavior </a:t>
-            </a:r>
-            <a:endParaRPr lang="en-US" altLang="en-US" sz="1860" dirty="0" smtClean="0">
-              <a:latin typeface="Arial Unicode MS"/>
-            </a:endParaRPr>
-          </a:p>
-          <a:p>
-            <a:pPr marL="0" indent="0" eaLnBrk="0" fontAlgn="base" hangingPunct="0">
+              <a:t>wholesale and retail buyers.</a:t>
+            </a:r>
+          </a:p>
+          <a:p>
+            <a:pPr marL="0" marR="0" lvl="0" indent="0" algn="l" defTabSz="914400" rtl="0" eaLnBrk="0" fontAlgn="base" latinLnBrk="0" hangingPunct="0">
               <a:lnSpc>
                 <a:spcPct val="100000"/>
               </a:lnSpc>
@@ -4601,172 +4879,310 @@
               <a:spcAft>
                 <a:spcPct val="0"/>
               </a:spcAft>
-              <a:buNone/>
+              <a:buClrTx/>
+              <a:buSzTx/>
+              <a:buFontTx/>
+              <a:buNone/>
+              <a:tabLst/>
             </a:pPr>
-            <a:r>
-              <a:rPr lang="en-US" altLang="en-US" sz="1860" i="1" dirty="0" smtClean="0"/>
-              <a:t>Action: Regular Promos.</a:t>
-            </a:r>
-            <a:endParaRPr lang="en-US" altLang="en-US" sz="1860" dirty="0" smtClean="0">
+            <a:endParaRPr kumimoji="0" lang="en-US" altLang="en-US" sz="2400" b="0" i="0" u="none" strike="noStrike" cap="none" normalizeH="0" baseline="0" dirty="0" smtClean="0">
+              <a:ln>
+                <a:noFill/>
+              </a:ln>
+              <a:solidFill>
+                <a:schemeClr val="tx1"/>
+              </a:solidFill>
+              <a:effectLst/>
               <a:latin typeface="Arial" panose="020B0604020202020204" pitchFamily="34" charset="0"/>
             </a:endParaRPr>
           </a:p>
-          <a:p>
-            <a:pPr marL="472516" lvl="1" indent="0" eaLnBrk="0" fontAlgn="base" hangingPunct="0">
-              <a:lnSpc>
-                <a:spcPct val="100000"/>
-              </a:lnSpc>
-              <a:spcBef>
-                <a:spcPct val="0"/>
-              </a:spcBef>
-              <a:spcAft>
-                <a:spcPct val="0"/>
-              </a:spcAft>
-              <a:buFontTx/>
-              <a:buChar char="•"/>
+        </p:txBody>
+      </p:sp>
+      <p:pic>
+        <p:nvPicPr>
+          <p:cNvPr id="9" name="Picture 8"/>
+          <p:cNvPicPr>
+            <a:picLocks noChangeAspect="1"/>
+          </p:cNvPicPr>
+          <p:nvPr/>
+        </p:nvPicPr>
+        <p:blipFill>
+          <a:blip r:embed="rId2"/>
+          <a:stretch>
+            <a:fillRect/>
+          </a:stretch>
+        </p:blipFill>
+        <p:spPr>
+          <a:xfrm>
+            <a:off x="1540933" y="3356609"/>
+            <a:ext cx="8127999" cy="4534324"/>
+          </a:xfrm>
+          <a:prstGeom prst="rect">
+            <a:avLst/>
+          </a:prstGeom>
+        </p:spPr>
+      </p:pic>
+    </p:spTree>
+    <p:extLst>
+      <p:ext uri="{BB962C8B-B14F-4D97-AF65-F5344CB8AC3E}">
+        <p14:creationId xmlns:p14="http://schemas.microsoft.com/office/powerpoint/2010/main" val="967879659"/>
+      </p:ext>
+    </p:extLst>
+  </p:cSld>
+  <p:clrMapOvr>
+    <a:masterClrMapping/>
+  </p:clrMapOvr>
+</p:sld>
+</file>
+
+<file path=ppt/slides/slide5.xml><?xml version="1.0" encoding="utf-8"?>
+<p:sld xmlns:a="http://schemas.openxmlformats.org/drawingml/2006/main" xmlns:r="http://schemas.openxmlformats.org/officeDocument/2006/relationships" xmlns:p="http://schemas.openxmlformats.org/presentationml/2006/main">
+  <p:cSld>
+    <p:spTree>
+      <p:nvGrpSpPr>
+        <p:cNvPr id="1" name=""/>
+        <p:cNvGrpSpPr/>
+        <p:nvPr/>
+      </p:nvGrpSpPr>
+      <p:grpSpPr>
+        <a:xfrm>
+          <a:off x="0" y="0"/>
+          <a:ext cx="0" cy="0"/>
+          <a:chOff x="0" y="0"/>
+          <a:chExt cx="0" cy="0"/>
+        </a:xfrm>
+      </p:grpSpPr>
+      <p:sp>
+        <p:nvSpPr>
+          <p:cNvPr id="2" name="Title 1"/>
+          <p:cNvSpPr>
+            <a:spLocks noGrp="1"/>
+          </p:cNvSpPr>
+          <p:nvPr>
+            <p:ph type="title"/>
+          </p:nvPr>
+        </p:nvSpPr>
+        <p:spPr>
+          <a:xfrm>
+            <a:off x="866249" y="479145"/>
+            <a:ext cx="10867490" cy="839990"/>
+          </a:xfrm>
+        </p:spPr>
+        <p:txBody>
+          <a:bodyPr>
+            <a:normAutofit fontScale="90000"/>
+          </a:bodyPr>
+          <a:lstStyle/>
+          <a:p>
+            <a:r>
+              <a:rPr lang="en-US" b="1" dirty="0"/>
+              <a:t>Part B - Distribution Analysis</a:t>
+            </a:r>
+            <a:br>
+              <a:rPr lang="en-US" b="1" dirty="0"/>
+            </a:br>
+            <a:endParaRPr lang="en-US" dirty="0"/>
+          </a:p>
+        </p:txBody>
+      </p:sp>
+      <p:sp>
+        <p:nvSpPr>
+          <p:cNvPr id="3" name="Content Placeholder 2"/>
+          <p:cNvSpPr>
+            <a:spLocks noGrp="1"/>
+          </p:cNvSpPr>
+          <p:nvPr>
+            <p:ph idx="1"/>
+          </p:nvPr>
+        </p:nvSpPr>
+        <p:spPr>
+          <a:xfrm>
+            <a:off x="866249" y="899140"/>
+            <a:ext cx="10867490" cy="2368993"/>
+          </a:xfrm>
+        </p:spPr>
+        <p:txBody>
+          <a:bodyPr>
+            <a:normAutofit/>
+          </a:bodyPr>
+          <a:lstStyle/>
+          <a:p>
+            <a:r>
+              <a:rPr lang="en-US" b="1" dirty="0"/>
+              <a:t>Visuals:</a:t>
+            </a:r>
+            <a:r>
+              <a:rPr lang="en-US" dirty="0"/>
+              <a:t> Understanding data spread and outliers.</a:t>
+            </a:r>
+          </a:p>
+          <a:p>
+            <a:r>
+              <a:rPr lang="en-US" b="1" dirty="0" smtClean="0"/>
+              <a:t>Observation</a:t>
+            </a:r>
+            <a:r>
+              <a:rPr lang="en-US" b="1" dirty="0"/>
+              <a:t>:</a:t>
+            </a:r>
+            <a:r>
+              <a:rPr lang="en-US" dirty="0"/>
+              <a:t> The data is right-skewed; most customers buy infrequently, but a few "whales" buy very often.</a:t>
+            </a:r>
+          </a:p>
+          <a:p>
+            <a:endParaRPr lang="en-US" dirty="0" smtClean="0"/>
+          </a:p>
+        </p:txBody>
+      </p:sp>
+      <p:pic>
+        <p:nvPicPr>
+          <p:cNvPr id="4" name="Picture 3"/>
+          <p:cNvPicPr>
+            <a:picLocks noChangeAspect="1"/>
+          </p:cNvPicPr>
+          <p:nvPr/>
+        </p:nvPicPr>
+        <p:blipFill>
+          <a:blip r:embed="rId2"/>
+          <a:stretch>
+            <a:fillRect/>
+          </a:stretch>
+        </p:blipFill>
+        <p:spPr>
+          <a:xfrm>
+            <a:off x="637381" y="3522133"/>
+            <a:ext cx="11325225" cy="4667250"/>
+          </a:xfrm>
+          <a:prstGeom prst="rect">
+            <a:avLst/>
+          </a:prstGeom>
+        </p:spPr>
+      </p:pic>
+    </p:spTree>
+    <p:extLst>
+      <p:ext uri="{BB962C8B-B14F-4D97-AF65-F5344CB8AC3E}">
+        <p14:creationId xmlns:p14="http://schemas.microsoft.com/office/powerpoint/2010/main" val="3296901242"/>
+      </p:ext>
+    </p:extLst>
+  </p:cSld>
+  <p:clrMapOvr>
+    <a:masterClrMapping/>
+  </p:clrMapOvr>
+</p:sld>
+</file>
+
+<file path=ppt/slides/slide6.xml><?xml version="1.0" encoding="utf-8"?>
+<p:sld xmlns:a="http://schemas.openxmlformats.org/drawingml/2006/main" xmlns:r="http://schemas.openxmlformats.org/officeDocument/2006/relationships" xmlns:p="http://schemas.openxmlformats.org/presentationml/2006/main">
+  <p:cSld>
+    <p:spTree>
+      <p:nvGrpSpPr>
+        <p:cNvPr id="1" name=""/>
+        <p:cNvGrpSpPr/>
+        <p:nvPr/>
+      </p:nvGrpSpPr>
+      <p:grpSpPr>
+        <a:xfrm>
+          <a:off x="0" y="0"/>
+          <a:ext cx="0" cy="0"/>
+          <a:chOff x="0" y="0"/>
+          <a:chExt cx="0" cy="0"/>
+        </a:xfrm>
+      </p:grpSpPr>
+      <p:sp>
+        <p:nvSpPr>
+          <p:cNvPr id="2" name="Title 1"/>
+          <p:cNvSpPr>
+            <a:spLocks noGrp="1"/>
+          </p:cNvSpPr>
+          <p:nvPr>
+            <p:ph type="title"/>
+          </p:nvPr>
+        </p:nvSpPr>
+        <p:spPr>
+          <a:xfrm>
+            <a:off x="866249" y="479144"/>
+            <a:ext cx="10867490" cy="612237"/>
+          </a:xfrm>
+        </p:spPr>
+        <p:txBody>
+          <a:bodyPr>
+            <a:normAutofit fontScale="90000"/>
+          </a:bodyPr>
+          <a:lstStyle/>
+          <a:p>
+            <a:r>
+              <a:rPr lang="en-US" b="1" dirty="0"/>
+              <a:t>Part B - Correlation Analysis</a:t>
+            </a:r>
+            <a:br>
+              <a:rPr lang="en-US" b="1" dirty="0"/>
+            </a:br>
+            <a:endParaRPr lang="en-US" dirty="0"/>
+          </a:p>
+        </p:txBody>
+      </p:sp>
+      <p:sp>
+        <p:nvSpPr>
+          <p:cNvPr id="3" name="Content Placeholder 2"/>
+          <p:cNvSpPr>
+            <a:spLocks noGrp="1"/>
+          </p:cNvSpPr>
+          <p:nvPr>
+            <p:ph idx="1"/>
+          </p:nvPr>
+        </p:nvSpPr>
+        <p:spPr>
+          <a:xfrm>
+            <a:off x="674520" y="785264"/>
+            <a:ext cx="10867490" cy="1974870"/>
+          </a:xfrm>
+        </p:spPr>
+        <p:txBody>
+          <a:bodyPr>
+            <a:normAutofit fontScale="85000" lnSpcReduction="20000"/>
+          </a:bodyPr>
+          <a:lstStyle/>
+          <a:p>
+            <a:r>
+              <a:rPr lang="en-US" b="1" dirty="0"/>
+              <a:t>Goal:</a:t>
+            </a:r>
+            <a:r>
+              <a:rPr lang="en-US" dirty="0"/>
+              <a:t> Identify relationships between variables.</a:t>
+            </a:r>
+          </a:p>
+          <a:p>
+            <a:pPr marL="0" indent="0">
+              <a:buNone/>
             </a:pPr>
             <a:r>
-              <a:rPr lang="en-US" altLang="en-US" sz="1860" b="1" dirty="0" smtClean="0">
-                <a:latin typeface="Arial" panose="020B0604020202020204" pitchFamily="34" charset="0"/>
-              </a:rPr>
-              <a:t>New </a:t>
-            </a:r>
-            <a:r>
-              <a:rPr lang="en-US" altLang="en-US" sz="1860" b="1" dirty="0">
-                <a:latin typeface="Arial" panose="020B0604020202020204" pitchFamily="34" charset="0"/>
-              </a:rPr>
-              <a:t>Potential:</a:t>
-            </a:r>
-            <a:r>
-              <a:rPr lang="en-US" altLang="en-US" sz="1860" dirty="0">
-                <a:latin typeface="Arial" panose="020B0604020202020204" pitchFamily="34" charset="0"/>
-              </a:rPr>
-              <a:t> Low </a:t>
-            </a:r>
-            <a:r>
-              <a:rPr lang="en-US" altLang="en-US" sz="1860" dirty="0" err="1">
-                <a:latin typeface="Arial" panose="020B0604020202020204" pitchFamily="34" charset="0"/>
-              </a:rPr>
-              <a:t>Freq</a:t>
-            </a:r>
-            <a:r>
-              <a:rPr lang="en-US" altLang="en-US" sz="1860" dirty="0">
-                <a:latin typeface="Arial" panose="020B0604020202020204" pitchFamily="34" charset="0"/>
-              </a:rPr>
-              <a:t>/Recent </a:t>
-            </a:r>
-            <a:endParaRPr lang="en-US" altLang="en-US" sz="1860" dirty="0">
-              <a:latin typeface="Arial Unicode MS"/>
-            </a:endParaRPr>
-          </a:p>
-          <a:p>
-            <a:pPr marL="0" indent="0" eaLnBrk="0" fontAlgn="base" hangingPunct="0">
-              <a:lnSpc>
-                <a:spcPct val="100000"/>
-              </a:lnSpc>
-              <a:spcBef>
-                <a:spcPct val="0"/>
-              </a:spcBef>
-              <a:spcAft>
-                <a:spcPct val="0"/>
-              </a:spcAft>
-              <a:buNone/>
-            </a:pPr>
-            <a:r>
-              <a:rPr lang="en-US" altLang="en-US" sz="1860" i="1" dirty="0" smtClean="0"/>
-              <a:t>Action</a:t>
-            </a:r>
-            <a:r>
-              <a:rPr lang="en-US" altLang="en-US" sz="1860" i="1" dirty="0"/>
-              <a:t>: Free Shipping on next order.</a:t>
-            </a:r>
-            <a:endParaRPr lang="en-US" altLang="en-US" sz="1860" dirty="0">
-              <a:latin typeface="Arial" panose="020B0604020202020204" pitchFamily="34" charset="0"/>
-            </a:endParaRPr>
-          </a:p>
-          <a:p>
-            <a:pPr marL="472516" lvl="1" indent="0" eaLnBrk="0" fontAlgn="base" hangingPunct="0">
-              <a:lnSpc>
-                <a:spcPct val="100000"/>
-              </a:lnSpc>
-              <a:spcBef>
-                <a:spcPct val="0"/>
-              </a:spcBef>
-              <a:spcAft>
-                <a:spcPct val="0"/>
-              </a:spcAft>
-              <a:buFontTx/>
-              <a:buChar char="•"/>
-            </a:pPr>
-            <a:r>
-              <a:rPr lang="en-US" altLang="en-US" sz="1860" b="1" dirty="0">
-                <a:latin typeface="Arial" panose="020B0604020202020204" pitchFamily="34" charset="0"/>
-              </a:rPr>
-              <a:t>At Risk/Lost:</a:t>
-            </a:r>
-            <a:r>
-              <a:rPr lang="en-US" altLang="en-US" sz="1860" dirty="0">
-                <a:latin typeface="Arial" panose="020B0604020202020204" pitchFamily="34" charset="0"/>
-              </a:rPr>
-              <a:t> High </a:t>
-            </a:r>
-            <a:r>
-              <a:rPr lang="en-US" altLang="en-US" sz="1860" dirty="0" err="1">
-                <a:latin typeface="Arial" panose="020B0604020202020204" pitchFamily="34" charset="0"/>
-              </a:rPr>
-              <a:t>Recency</a:t>
-            </a:r>
-            <a:r>
-              <a:rPr lang="en-US" altLang="en-US" sz="1860" dirty="0">
-                <a:latin typeface="Arial" panose="020B0604020202020204" pitchFamily="34" charset="0"/>
-              </a:rPr>
-              <a:t> (Long time ago) </a:t>
-            </a:r>
-            <a:endParaRPr lang="en-US" altLang="en-US" sz="1860" dirty="0">
-              <a:latin typeface="Arial Unicode MS"/>
-            </a:endParaRPr>
-          </a:p>
-          <a:p>
-            <a:pPr marL="0" indent="0" eaLnBrk="0" fontAlgn="base" hangingPunct="0">
-              <a:lnSpc>
-                <a:spcPct val="100000"/>
-              </a:lnSpc>
-              <a:spcBef>
-                <a:spcPct val="0"/>
-              </a:spcBef>
-              <a:spcAft>
-                <a:spcPct val="0"/>
-              </a:spcAft>
-              <a:buNone/>
-            </a:pPr>
-            <a:r>
-              <a:rPr lang="en-US" altLang="en-US" sz="1860" i="1" dirty="0" smtClean="0"/>
-              <a:t>Action</a:t>
-            </a:r>
-            <a:r>
-              <a:rPr lang="en-US" altLang="en-US" sz="1860" i="1" dirty="0"/>
-              <a:t>: Win-back Coupons.</a:t>
-            </a:r>
-            <a:endParaRPr lang="en-US" altLang="en-US" sz="1860" dirty="0">
-              <a:latin typeface="Arial" panose="020B0604020202020204" pitchFamily="34" charset="0"/>
-            </a:endParaRPr>
-          </a:p>
-          <a:p>
-            <a:pPr marL="0" indent="0" eaLnBrk="0" fontAlgn="base" hangingPunct="0">
-              <a:lnSpc>
-                <a:spcPct val="100000"/>
-              </a:lnSpc>
-              <a:spcBef>
-                <a:spcPct val="0"/>
-              </a:spcBef>
-              <a:spcAft>
-                <a:spcPct val="0"/>
-              </a:spcAft>
-              <a:buNone/>
-            </a:pPr>
-            <a:endParaRPr lang="en-US" altLang="en-US" sz="1860" dirty="0">
-              <a:latin typeface="Arial" panose="020B0604020202020204" pitchFamily="34" charset="0"/>
-            </a:endParaRPr>
+              <a:rPr lang="en-US" b="1" dirty="0" smtClean="0"/>
+              <a:t>Interpretation</a:t>
+            </a:r>
+            <a:r>
+              <a:rPr lang="en-US" b="1" dirty="0"/>
+              <a:t>:</a:t>
+            </a:r>
+            <a:endParaRPr lang="en-US" dirty="0"/>
+          </a:p>
+          <a:p>
+            <a:pPr lvl="1"/>
+            <a:r>
+              <a:rPr lang="en-US" dirty="0"/>
+              <a:t>Strong positive correlation between Frequency and Total Spend.</a:t>
+            </a:r>
+          </a:p>
+          <a:p>
+            <a:pPr lvl="1"/>
+            <a:r>
+              <a:rPr lang="en-US" dirty="0"/>
+              <a:t>Negative correlation between Days Since Last Order and Spend (Churned customers spend less).</a:t>
+            </a:r>
+          </a:p>
+          <a:p>
+            <a:endParaRPr lang="en-US" dirty="0"/>
           </a:p>
         </p:txBody>
       </p:sp>
@@ -4786,8 +5202,531 @@
         </p:blipFill>
         <p:spPr>
           <a:xfrm>
-            <a:off x="1580853" y="4321278"/>
-            <a:ext cx="10152886" cy="4321277"/>
+            <a:off x="866249" y="2760135"/>
+            <a:ext cx="9717084" cy="5977466"/>
+          </a:xfrm>
+          <a:prstGeom prst="rect">
+            <a:avLst/>
+          </a:prstGeom>
+        </p:spPr>
+      </p:pic>
+    </p:spTree>
+    <p:extLst>
+      <p:ext uri="{BB962C8B-B14F-4D97-AF65-F5344CB8AC3E}">
+        <p14:creationId xmlns:p14="http://schemas.microsoft.com/office/powerpoint/2010/main" val="4199777942"/>
+      </p:ext>
+    </p:extLst>
+  </p:cSld>
+  <p:clrMapOvr>
+    <a:masterClrMapping/>
+  </p:clrMapOvr>
+</p:sld>
+</file>
+
+<file path=ppt/slides/slide7.xml><?xml version="1.0" encoding="utf-8"?>
+<p:sld xmlns:a="http://schemas.openxmlformats.org/drawingml/2006/main" xmlns:r="http://schemas.openxmlformats.org/officeDocument/2006/relationships" xmlns:p="http://schemas.openxmlformats.org/presentationml/2006/main">
+  <p:cSld>
+    <p:spTree>
+      <p:nvGrpSpPr>
+        <p:cNvPr id="1" name=""/>
+        <p:cNvGrpSpPr/>
+        <p:nvPr/>
+      </p:nvGrpSpPr>
+      <p:grpSpPr>
+        <a:xfrm>
+          <a:off x="0" y="0"/>
+          <a:ext cx="0" cy="0"/>
+          <a:chOff x="0" y="0"/>
+          <a:chExt cx="0" cy="0"/>
+        </a:xfrm>
+      </p:grpSpPr>
+      <p:sp>
+        <p:nvSpPr>
+          <p:cNvPr id="2" name="Title 1"/>
+          <p:cNvSpPr>
+            <a:spLocks noGrp="1"/>
+          </p:cNvSpPr>
+          <p:nvPr>
+            <p:ph type="title"/>
+          </p:nvPr>
+        </p:nvSpPr>
+        <p:spPr>
+          <a:xfrm>
+            <a:off x="866249" y="479145"/>
+            <a:ext cx="10867490" cy="966198"/>
+          </a:xfrm>
+        </p:spPr>
+        <p:txBody>
+          <a:bodyPr>
+            <a:normAutofit fontScale="90000"/>
+          </a:bodyPr>
+          <a:lstStyle/>
+          <a:p>
+            <a:r>
+              <a:rPr lang="en-US" b="1" dirty="0"/>
+              <a:t>Part C - Feature Engineering</a:t>
+            </a:r>
+            <a:br>
+              <a:rPr lang="en-US" b="1" dirty="0"/>
+            </a:br>
+            <a:endParaRPr lang="en-US" dirty="0"/>
+          </a:p>
+        </p:txBody>
+      </p:sp>
+      <p:sp>
+        <p:nvSpPr>
+          <p:cNvPr id="3" name="Content Placeholder 2"/>
+          <p:cNvSpPr>
+            <a:spLocks noGrp="1"/>
+          </p:cNvSpPr>
+          <p:nvPr>
+            <p:ph idx="1"/>
+          </p:nvPr>
+        </p:nvSpPr>
+        <p:spPr>
+          <a:xfrm>
+            <a:off x="866249" y="1171594"/>
+            <a:ext cx="10867490" cy="2299739"/>
+          </a:xfrm>
+        </p:spPr>
+        <p:txBody>
+          <a:bodyPr>
+            <a:normAutofit fontScale="92500" lnSpcReduction="10000"/>
+          </a:bodyPr>
+          <a:lstStyle/>
+          <a:p>
+            <a:r>
+              <a:rPr lang="en-US" b="1" dirty="0"/>
+              <a:t>Derived Features:</a:t>
+            </a:r>
+            <a:endParaRPr lang="en-US" dirty="0"/>
+          </a:p>
+          <a:p>
+            <a:pPr lvl="1"/>
+            <a:r>
+              <a:rPr lang="en-US" b="1" dirty="0"/>
+              <a:t>Loyalty Index:</a:t>
+            </a:r>
+            <a:r>
+              <a:rPr lang="en-US" dirty="0"/>
+              <a:t> Calculated as Frequency × </a:t>
+            </a:r>
+            <a:r>
+              <a:rPr lang="en-US" dirty="0" err="1"/>
+              <a:t>Avg_Purchase_Value</a:t>
+            </a:r>
+            <a:r>
+              <a:rPr lang="en-US" dirty="0"/>
+              <a:t>. This highlights high-volume, high-value clients.</a:t>
+            </a:r>
+          </a:p>
+          <a:p>
+            <a:pPr lvl="1"/>
+            <a:r>
+              <a:rPr lang="en-US" b="1" dirty="0" err="1"/>
+              <a:t>Recency</a:t>
+            </a:r>
+            <a:r>
+              <a:rPr lang="en-US" b="1" dirty="0"/>
+              <a:t> Score:</a:t>
+            </a:r>
+            <a:r>
+              <a:rPr lang="en-US" dirty="0"/>
+              <a:t> Categorical score (1–5) derived from 'Days Since Last Purchase'.</a:t>
+            </a:r>
+          </a:p>
+          <a:p>
+            <a:endParaRPr lang="en-US" dirty="0"/>
+          </a:p>
+        </p:txBody>
+      </p:sp>
+      <p:pic>
+        <p:nvPicPr>
+          <p:cNvPr id="6" name="Picture 5"/>
+          <p:cNvPicPr>
+            <a:picLocks noChangeAspect="1"/>
+          </p:cNvPicPr>
+          <p:nvPr/>
+        </p:nvPicPr>
+        <p:blipFill>
+          <a:blip r:embed="rId2"/>
+          <a:stretch>
+            <a:fillRect/>
+          </a:stretch>
+        </p:blipFill>
+        <p:spPr>
+          <a:xfrm>
+            <a:off x="1609365" y="5943600"/>
+            <a:ext cx="8802429" cy="2106286"/>
+          </a:xfrm>
+          <a:prstGeom prst="rect">
+            <a:avLst/>
+          </a:prstGeom>
+        </p:spPr>
+      </p:pic>
+      <p:pic>
+        <p:nvPicPr>
+          <p:cNvPr id="7" name="Picture 6"/>
+          <p:cNvPicPr>
+            <a:picLocks noChangeAspect="1"/>
+          </p:cNvPicPr>
+          <p:nvPr/>
+        </p:nvPicPr>
+        <p:blipFill>
+          <a:blip r:embed="rId3"/>
+          <a:stretch>
+            <a:fillRect/>
+          </a:stretch>
+        </p:blipFill>
+        <p:spPr>
+          <a:xfrm>
+            <a:off x="1609364" y="3708399"/>
+            <a:ext cx="8802429" cy="1744133"/>
+          </a:xfrm>
+          <a:prstGeom prst="rect">
+            <a:avLst/>
+          </a:prstGeom>
+        </p:spPr>
+      </p:pic>
+    </p:spTree>
+    <p:extLst>
+      <p:ext uri="{BB962C8B-B14F-4D97-AF65-F5344CB8AC3E}">
+        <p14:creationId xmlns:p14="http://schemas.microsoft.com/office/powerpoint/2010/main" val="575029852"/>
+      </p:ext>
+    </p:extLst>
+  </p:cSld>
+  <p:clrMapOvr>
+    <a:masterClrMapping/>
+  </p:clrMapOvr>
+</p:sld>
+</file>
+
+<file path=ppt/slides/slide8.xml><?xml version="1.0" encoding="utf-8"?>
+<p:sld xmlns:a="http://schemas.openxmlformats.org/drawingml/2006/main" xmlns:r="http://schemas.openxmlformats.org/officeDocument/2006/relationships" xmlns:p="http://schemas.openxmlformats.org/presentationml/2006/main">
+  <p:cSld>
+    <p:spTree>
+      <p:nvGrpSpPr>
+        <p:cNvPr id="1" name=""/>
+        <p:cNvGrpSpPr/>
+        <p:nvPr/>
+      </p:nvGrpSpPr>
+      <p:grpSpPr>
+        <a:xfrm>
+          <a:off x="0" y="0"/>
+          <a:ext cx="0" cy="0"/>
+          <a:chOff x="0" y="0"/>
+          <a:chExt cx="0" cy="0"/>
+        </a:xfrm>
+      </p:grpSpPr>
+      <p:sp>
+        <p:nvSpPr>
+          <p:cNvPr id="2" name="Title 1"/>
+          <p:cNvSpPr>
+            <a:spLocks noGrp="1"/>
+          </p:cNvSpPr>
+          <p:nvPr>
+            <p:ph type="title"/>
+          </p:nvPr>
+        </p:nvSpPr>
+        <p:spPr>
+          <a:xfrm>
+            <a:off x="866249" y="479145"/>
+            <a:ext cx="10867490" cy="597488"/>
+          </a:xfrm>
+        </p:spPr>
+        <p:txBody>
+          <a:bodyPr>
+            <a:normAutofit fontScale="90000"/>
+          </a:bodyPr>
+          <a:lstStyle/>
+          <a:p>
+            <a:r>
+              <a:rPr lang="en-US" b="1" dirty="0"/>
+              <a:t>Part D - Clustering (Elbow Method)</a:t>
+            </a:r>
+            <a:br>
+              <a:rPr lang="en-US" b="1" dirty="0"/>
+            </a:br>
+            <a:endParaRPr lang="en-US" b="1" dirty="0"/>
+          </a:p>
+        </p:txBody>
+      </p:sp>
+      <p:sp>
+        <p:nvSpPr>
+          <p:cNvPr id="3" name="Content Placeholder 2"/>
+          <p:cNvSpPr>
+            <a:spLocks noGrp="1"/>
+          </p:cNvSpPr>
+          <p:nvPr>
+            <p:ph idx="1"/>
+          </p:nvPr>
+        </p:nvSpPr>
+        <p:spPr>
+          <a:xfrm>
+            <a:off x="866249" y="1076633"/>
+            <a:ext cx="10867490" cy="2276167"/>
+          </a:xfrm>
+        </p:spPr>
+        <p:txBody>
+          <a:bodyPr>
+            <a:normAutofit fontScale="92500" lnSpcReduction="10000"/>
+          </a:bodyPr>
+          <a:lstStyle/>
+          <a:p>
+            <a:r>
+              <a:rPr lang="en-US" b="1" dirty="0"/>
+              <a:t>Algorithm:</a:t>
+            </a:r>
+            <a:r>
+              <a:rPr lang="en-US" dirty="0"/>
+              <a:t> K-Means Clustering.</a:t>
+            </a:r>
+          </a:p>
+          <a:p>
+            <a:r>
+              <a:rPr lang="en-US" b="1" dirty="0"/>
+              <a:t>Determining K:</a:t>
+            </a:r>
+            <a:r>
+              <a:rPr lang="en-US" dirty="0"/>
+              <a:t> Tested k=2 to k=10 using Inertia.</a:t>
+            </a:r>
+          </a:p>
+          <a:p>
+            <a:r>
+              <a:rPr lang="en-US" b="1" dirty="0" smtClean="0"/>
+              <a:t>Decision</a:t>
+            </a:r>
+            <a:r>
+              <a:rPr lang="en-US" b="1" dirty="0"/>
+              <a:t>:</a:t>
+            </a:r>
+            <a:r>
+              <a:rPr lang="en-US" dirty="0"/>
+              <a:t> Selected </a:t>
+            </a:r>
+            <a:r>
+              <a:rPr lang="en-US" b="1" dirty="0"/>
+              <a:t>k = 4</a:t>
+            </a:r>
+            <a:r>
+              <a:rPr lang="en-US" dirty="0"/>
+              <a:t> because the "elbow" (rate of change) diminishes significantly at this point.</a:t>
+            </a:r>
+          </a:p>
+          <a:p>
+            <a:endParaRPr lang="en-US" dirty="0"/>
+          </a:p>
+        </p:txBody>
+      </p:sp>
+      <p:pic>
+        <p:nvPicPr>
+          <p:cNvPr id="5" name="Picture 4"/>
+          <p:cNvPicPr>
+            <a:picLocks noChangeAspect="1"/>
+          </p:cNvPicPr>
+          <p:nvPr/>
+        </p:nvPicPr>
+        <p:blipFill>
+          <a:blip r:embed="rId2"/>
+          <a:stretch>
+            <a:fillRect/>
+          </a:stretch>
+        </p:blipFill>
+        <p:spPr>
+          <a:xfrm>
+            <a:off x="1032933" y="3081867"/>
+            <a:ext cx="9059333" cy="4779697"/>
+          </a:xfrm>
+          <a:prstGeom prst="rect">
+            <a:avLst/>
+          </a:prstGeom>
+        </p:spPr>
+      </p:pic>
+    </p:spTree>
+    <p:extLst>
+      <p:ext uri="{BB962C8B-B14F-4D97-AF65-F5344CB8AC3E}">
+        <p14:creationId xmlns:p14="http://schemas.microsoft.com/office/powerpoint/2010/main" val="3518296400"/>
+      </p:ext>
+    </p:extLst>
+  </p:cSld>
+  <p:clrMapOvr>
+    <a:masterClrMapping/>
+  </p:clrMapOvr>
+</p:sld>
+</file>
+
+<file path=ppt/slides/slide9.xml><?xml version="1.0" encoding="utf-8"?>
+<p:sld xmlns:a="http://schemas.openxmlformats.org/drawingml/2006/main" xmlns:r="http://schemas.openxmlformats.org/officeDocument/2006/relationships" xmlns:p="http://schemas.openxmlformats.org/presentationml/2006/main">
+  <p:cSld>
+    <p:spTree>
+      <p:nvGrpSpPr>
+        <p:cNvPr id="1" name=""/>
+        <p:cNvGrpSpPr/>
+        <p:nvPr/>
+      </p:nvGrpSpPr>
+      <p:grpSpPr>
+        <a:xfrm>
+          <a:off x="0" y="0"/>
+          <a:ext cx="0" cy="0"/>
+          <a:chOff x="0" y="0"/>
+          <a:chExt cx="0" cy="0"/>
+        </a:xfrm>
+      </p:grpSpPr>
+      <p:sp>
+        <p:nvSpPr>
+          <p:cNvPr id="2" name="Title 1"/>
+          <p:cNvSpPr>
+            <a:spLocks noGrp="1"/>
+          </p:cNvSpPr>
+          <p:nvPr>
+            <p:ph type="title"/>
+          </p:nvPr>
+        </p:nvSpPr>
+        <p:spPr>
+          <a:xfrm>
+            <a:off x="866249" y="479145"/>
+            <a:ext cx="10867490" cy="1054688"/>
+          </a:xfrm>
+        </p:spPr>
+        <p:txBody>
+          <a:bodyPr>
+            <a:normAutofit fontScale="90000"/>
+          </a:bodyPr>
+          <a:lstStyle/>
+          <a:p>
+            <a:r>
+              <a:rPr lang="en-US" b="1" dirty="0"/>
+              <a:t>Part D - PCA Visualization</a:t>
+            </a:r>
+            <a:br>
+              <a:rPr lang="en-US" b="1" dirty="0"/>
+            </a:br>
+            <a:endParaRPr lang="en-US" b="1" dirty="0"/>
+          </a:p>
+        </p:txBody>
+      </p:sp>
+      <p:sp>
+        <p:nvSpPr>
+          <p:cNvPr id="4" name="Rectangle 1"/>
+          <p:cNvSpPr>
+            <a:spLocks noGrp="1" noChangeArrowheads="1"/>
+          </p:cNvSpPr>
+          <p:nvPr>
+            <p:ph idx="1"/>
+          </p:nvPr>
+        </p:nvSpPr>
+        <p:spPr bwMode="auto">
+          <a:xfrm>
+            <a:off x="866249" y="1662623"/>
+            <a:ext cx="10673634" cy="1379364"/>
+          </a:xfrm>
+          <a:prstGeom prst="rect">
+            <a:avLst/>
+          </a:prstGeom>
+          <a:noFill/>
+          <a:ln>
+            <a:noFill/>
+          </a:ln>
+          <a:effectLst/>
+          <a:extLst>
+            <a:ext uri="{909E8E84-426E-40DD-AFC4-6F175D3DCCD1}">
+              <a14:hiddenFill xmlns:a14="http://schemas.microsoft.com/office/drawing/2010/main">
+                <a:solidFill>
+                  <a:schemeClr val="accent1"/>
+                </a:solidFill>
+              </a14:hiddenFill>
+            </a:ext>
+            <a:ext uri="{91240B29-F687-4F45-9708-019B960494DF}">
+              <a14:hiddenLine xmlns:a14="http://schemas.microsoft.com/office/drawing/2010/main" w="9525">
+                <a:solidFill>
+                  <a:schemeClr val="tx1"/>
+                </a:solidFill>
+                <a:miter lim="800000"/>
+                <a:headEnd/>
+                <a:tailEnd/>
+              </a14:hiddenLine>
+            </a:ext>
+            <a:ext uri="{AF507438-7753-43E0-B8FC-AC1667EBCBE1}">
+              <a14:hiddenEffects xmlns:a14="http://schemas.microsoft.com/office/drawing/2010/main">
+                <a:effectLst>
+                  <a:outerShdw dist="35921" dir="2700000" algn="ctr" rotWithShape="0">
+                    <a:schemeClr val="bg2"/>
+                  </a:outerShdw>
+                </a:effectLst>
+              </a14:hiddenEffects>
+            </a:ext>
+          </a:extLst>
+        </p:spPr>
+        <p:txBody>
+          <a:bodyPr vert="horz" wrap="square" lIns="94500" tIns="47250" rIns="94500" bIns="47250" numCol="1" rtlCol="0" anchor="ctr" anchorCtr="0" compatLnSpc="1">
+            <a:prstTxWarp prst="textNoShape">
+              <a:avLst/>
+            </a:prstTxWarp>
+            <a:spAutoFit/>
+          </a:bodyPr>
+          <a:lstStyle/>
+          <a:p>
+            <a:r>
+              <a:rPr lang="en-US" sz="2000" b="1" dirty="0"/>
+              <a:t>Technique:</a:t>
+            </a:r>
+            <a:r>
+              <a:rPr lang="en-US" sz="2000" dirty="0"/>
+              <a:t> Principal Component Analysis (PCA) reduced dimensions to 2D for visualization.</a:t>
+            </a:r>
+          </a:p>
+          <a:p>
+            <a:r>
+              <a:rPr lang="en-US" sz="2000" b="1" dirty="0" smtClean="0"/>
+              <a:t>Result</a:t>
+            </a:r>
+            <a:r>
+              <a:rPr lang="en-US" sz="2000" b="1" dirty="0"/>
+              <a:t>:</a:t>
+            </a:r>
+            <a:r>
+              <a:rPr lang="en-US" sz="2000" dirty="0"/>
+              <a:t> Distinct separation between groups confirms that K-Means successfully segmented the customers.</a:t>
+            </a:r>
+          </a:p>
+          <a:p>
+            <a:pPr marL="0" indent="0" eaLnBrk="0" fontAlgn="base" hangingPunct="0">
+              <a:lnSpc>
+                <a:spcPct val="100000"/>
+              </a:lnSpc>
+              <a:spcBef>
+                <a:spcPct val="0"/>
+              </a:spcBef>
+              <a:spcAft>
+                <a:spcPct val="0"/>
+              </a:spcAft>
+              <a:buNone/>
+            </a:pPr>
+            <a:endParaRPr lang="en-US" altLang="en-US" sz="1860" dirty="0">
+              <a:latin typeface="Arial" panose="020B0604020202020204" pitchFamily="34" charset="0"/>
+            </a:endParaRPr>
+          </a:p>
+        </p:txBody>
+      </p:sp>
+      <p:pic>
+        <p:nvPicPr>
+          <p:cNvPr id="3" name="Picture 2"/>
+          <p:cNvPicPr>
+            <a:picLocks noChangeAspect="1"/>
+          </p:cNvPicPr>
+          <p:nvPr/>
+        </p:nvPicPr>
+        <p:blipFill>
+          <a:blip r:embed="rId2"/>
+          <a:stretch>
+            <a:fillRect/>
+          </a:stretch>
+        </p:blipFill>
+        <p:spPr>
+          <a:xfrm>
+            <a:off x="1642798" y="3041987"/>
+            <a:ext cx="8162925" cy="5210175"/>
           </a:xfrm>
           <a:prstGeom prst="rect">
             <a:avLst/>

--- a/Aijuka Josbert.pptx
+++ b/Aijuka Josbert.pptx
@@ -4,6 +4,9 @@
   <p:sldMasterIdLst>
     <p:sldMasterId id="2147483660" r:id="rId1"/>
   </p:sldMasterIdLst>
+  <p:notesMasterIdLst>
+    <p:notesMasterId r:id="rId14"/>
+  </p:notesMasterIdLst>
   <p:sldIdLst>
     <p:sldId id="256" r:id="rId2"/>
     <p:sldId id="257" r:id="rId3"/>
@@ -123,6 +126,1284 @@
 </p:presentation>
 </file>
 
+<file path=ppt/notesMasters/notesMaster1.xml><?xml version="1.0" encoding="utf-8"?>
+<p:notesMaster xmlns:a="http://schemas.openxmlformats.org/drawingml/2006/main" xmlns:r="http://schemas.openxmlformats.org/officeDocument/2006/relationships" xmlns:p="http://schemas.openxmlformats.org/presentationml/2006/main">
+  <p:cSld>
+    <p:bg>
+      <p:bgRef idx="1001">
+        <a:schemeClr val="bg1"/>
+      </p:bgRef>
+    </p:bg>
+    <p:spTree>
+      <p:nvGrpSpPr>
+        <p:cNvPr id="1" name=""/>
+        <p:cNvGrpSpPr/>
+        <p:nvPr/>
+      </p:nvGrpSpPr>
+      <p:grpSpPr>
+        <a:xfrm>
+          <a:off x="0" y="0"/>
+          <a:ext cx="0" cy="0"/>
+          <a:chOff x="0" y="0"/>
+          <a:chExt cx="0" cy="0"/>
+        </a:xfrm>
+      </p:grpSpPr>
+      <p:sp>
+        <p:nvSpPr>
+          <p:cNvPr id="2" name="Header Placeholder 1"/>
+          <p:cNvSpPr>
+            <a:spLocks noGrp="1"/>
+          </p:cNvSpPr>
+          <p:nvPr>
+            <p:ph type="hdr" sz="quarter"/>
+          </p:nvPr>
+        </p:nvSpPr>
+        <p:spPr>
+          <a:xfrm>
+            <a:off x="0" y="0"/>
+            <a:ext cx="2971800" cy="458788"/>
+          </a:xfrm>
+          <a:prstGeom prst="rect">
+            <a:avLst/>
+          </a:prstGeom>
+        </p:spPr>
+        <p:txBody>
+          <a:bodyPr vert="horz" lIns="91440" tIns="45720" rIns="91440" bIns="45720" rtlCol="0"/>
+          <a:lstStyle>
+            <a:lvl1pPr algn="l">
+              <a:defRPr sz="1200"/>
+            </a:lvl1pPr>
+          </a:lstStyle>
+          <a:p>
+            <a:endParaRPr lang="en-US"/>
+          </a:p>
+        </p:txBody>
+      </p:sp>
+      <p:sp>
+        <p:nvSpPr>
+          <p:cNvPr id="3" name="Date Placeholder 2"/>
+          <p:cNvSpPr>
+            <a:spLocks noGrp="1"/>
+          </p:cNvSpPr>
+          <p:nvPr>
+            <p:ph type="dt" idx="1"/>
+          </p:nvPr>
+        </p:nvSpPr>
+        <p:spPr>
+          <a:xfrm>
+            <a:off x="3884613" y="0"/>
+            <a:ext cx="2971800" cy="458788"/>
+          </a:xfrm>
+          <a:prstGeom prst="rect">
+            <a:avLst/>
+          </a:prstGeom>
+        </p:spPr>
+        <p:txBody>
+          <a:bodyPr vert="horz" lIns="91440" tIns="45720" rIns="91440" bIns="45720" rtlCol="0"/>
+          <a:lstStyle>
+            <a:lvl1pPr algn="r">
+              <a:defRPr sz="1200"/>
+            </a:lvl1pPr>
+          </a:lstStyle>
+          <a:p>
+            <a:fld id="{3A33D2CC-E283-41C9-A51E-72D8BD3297D4}" type="datetimeFigureOut">
+              <a:rPr lang="en-US" smtClean="0"/>
+              <a:t>12/14/2025</a:t>
+            </a:fld>
+            <a:endParaRPr lang="en-US"/>
+          </a:p>
+        </p:txBody>
+      </p:sp>
+      <p:sp>
+        <p:nvSpPr>
+          <p:cNvPr id="4" name="Slide Image Placeholder 3"/>
+          <p:cNvSpPr>
+            <a:spLocks noGrp="1" noRot="1" noChangeAspect="1"/>
+          </p:cNvSpPr>
+          <p:nvPr>
+            <p:ph type="sldImg" idx="2"/>
+          </p:nvPr>
+        </p:nvSpPr>
+        <p:spPr>
+          <a:xfrm>
+            <a:off x="1268413" y="1143000"/>
+            <a:ext cx="4321175" cy="3086100"/>
+          </a:xfrm>
+          <a:prstGeom prst="rect">
+            <a:avLst/>
+          </a:prstGeom>
+          <a:noFill/>
+          <a:ln w="12700">
+            <a:solidFill>
+              <a:prstClr val="black"/>
+            </a:solidFill>
+          </a:ln>
+        </p:spPr>
+        <p:txBody>
+          <a:bodyPr vert="horz" lIns="91440" tIns="45720" rIns="91440" bIns="45720" rtlCol="0" anchor="ctr"/>
+          <a:lstStyle/>
+          <a:p>
+            <a:endParaRPr lang="en-US"/>
+          </a:p>
+        </p:txBody>
+      </p:sp>
+      <p:sp>
+        <p:nvSpPr>
+          <p:cNvPr id="5" name="Notes Placeholder 4"/>
+          <p:cNvSpPr>
+            <a:spLocks noGrp="1"/>
+          </p:cNvSpPr>
+          <p:nvPr>
+            <p:ph type="body" sz="quarter" idx="3"/>
+          </p:nvPr>
+        </p:nvSpPr>
+        <p:spPr>
+          <a:xfrm>
+            <a:off x="685800" y="4400550"/>
+            <a:ext cx="5486400" cy="3600450"/>
+          </a:xfrm>
+          <a:prstGeom prst="rect">
+            <a:avLst/>
+          </a:prstGeom>
+        </p:spPr>
+        <p:txBody>
+          <a:bodyPr vert="horz" lIns="91440" tIns="45720" rIns="91440" bIns="45720" rtlCol="0"/>
+          <a:lstStyle/>
+          <a:p>
+            <a:pPr lvl="0"/>
+            <a:r>
+              <a:rPr lang="en-US" smtClean="0"/>
+              <a:t>Edit Master text styles</a:t>
+            </a:r>
+          </a:p>
+          <a:p>
+            <a:pPr lvl="1"/>
+            <a:r>
+              <a:rPr lang="en-US" smtClean="0"/>
+              <a:t>Second level</a:t>
+            </a:r>
+          </a:p>
+          <a:p>
+            <a:pPr lvl="2"/>
+            <a:r>
+              <a:rPr lang="en-US" smtClean="0"/>
+              <a:t>Third level</a:t>
+            </a:r>
+          </a:p>
+          <a:p>
+            <a:pPr lvl="3"/>
+            <a:r>
+              <a:rPr lang="en-US" smtClean="0"/>
+              <a:t>Fourth level</a:t>
+            </a:r>
+          </a:p>
+          <a:p>
+            <a:pPr lvl="4"/>
+            <a:r>
+              <a:rPr lang="en-US" smtClean="0"/>
+              <a:t>Fifth level</a:t>
+            </a:r>
+            <a:endParaRPr lang="en-US"/>
+          </a:p>
+        </p:txBody>
+      </p:sp>
+      <p:sp>
+        <p:nvSpPr>
+          <p:cNvPr id="6" name="Footer Placeholder 5"/>
+          <p:cNvSpPr>
+            <a:spLocks noGrp="1"/>
+          </p:cNvSpPr>
+          <p:nvPr>
+            <p:ph type="ftr" sz="quarter" idx="4"/>
+          </p:nvPr>
+        </p:nvSpPr>
+        <p:spPr>
+          <a:xfrm>
+            <a:off x="0" y="8685213"/>
+            <a:ext cx="2971800" cy="458787"/>
+          </a:xfrm>
+          <a:prstGeom prst="rect">
+            <a:avLst/>
+          </a:prstGeom>
+        </p:spPr>
+        <p:txBody>
+          <a:bodyPr vert="horz" lIns="91440" tIns="45720" rIns="91440" bIns="45720" rtlCol="0" anchor="b"/>
+          <a:lstStyle>
+            <a:lvl1pPr algn="l">
+              <a:defRPr sz="1200"/>
+            </a:lvl1pPr>
+          </a:lstStyle>
+          <a:p>
+            <a:endParaRPr lang="en-US"/>
+          </a:p>
+        </p:txBody>
+      </p:sp>
+      <p:sp>
+        <p:nvSpPr>
+          <p:cNvPr id="7" name="Slide Number Placeholder 6"/>
+          <p:cNvSpPr>
+            <a:spLocks noGrp="1"/>
+          </p:cNvSpPr>
+          <p:nvPr>
+            <p:ph type="sldNum" sz="quarter" idx="5"/>
+          </p:nvPr>
+        </p:nvSpPr>
+        <p:spPr>
+          <a:xfrm>
+            <a:off x="3884613" y="8685213"/>
+            <a:ext cx="2971800" cy="458787"/>
+          </a:xfrm>
+          <a:prstGeom prst="rect">
+            <a:avLst/>
+          </a:prstGeom>
+        </p:spPr>
+        <p:txBody>
+          <a:bodyPr vert="horz" lIns="91440" tIns="45720" rIns="91440" bIns="45720" rtlCol="0" anchor="b"/>
+          <a:lstStyle>
+            <a:lvl1pPr algn="r">
+              <a:defRPr sz="1200"/>
+            </a:lvl1pPr>
+          </a:lstStyle>
+          <a:p>
+            <a:fld id="{E55598AC-2BCD-4BF1-A7C7-D38710F74151}" type="slidenum">
+              <a:rPr lang="en-US" smtClean="0"/>
+              <a:t>‹#›</a:t>
+            </a:fld>
+            <a:endParaRPr lang="en-US"/>
+          </a:p>
+        </p:txBody>
+      </p:sp>
+    </p:spTree>
+    <p:extLst>
+      <p:ext uri="{BB962C8B-B14F-4D97-AF65-F5344CB8AC3E}">
+        <p14:creationId xmlns:p14="http://schemas.microsoft.com/office/powerpoint/2010/main" val="3543316673"/>
+      </p:ext>
+    </p:extLst>
+  </p:cSld>
+  <p:clrMap bg1="lt1" tx1="dk1" bg2="lt2" tx2="dk2" accent1="accent1" accent2="accent2" accent3="accent3" accent4="accent4" accent5="accent5" accent6="accent6" hlink="hlink" folHlink="folHlink"/>
+  <p:notesStyle>
+    <a:lvl1pPr marL="0" algn="l" defTabSz="914400" rtl="0" eaLnBrk="1" latinLnBrk="0" hangingPunct="1">
+      <a:defRPr sz="1200" kern="1200">
+        <a:solidFill>
+          <a:schemeClr val="tx1"/>
+        </a:solidFill>
+        <a:latin typeface="+mn-lt"/>
+        <a:ea typeface="+mn-ea"/>
+        <a:cs typeface="+mn-cs"/>
+      </a:defRPr>
+    </a:lvl1pPr>
+    <a:lvl2pPr marL="457200" algn="l" defTabSz="914400" rtl="0" eaLnBrk="1" latinLnBrk="0" hangingPunct="1">
+      <a:defRPr sz="1200" kern="1200">
+        <a:solidFill>
+          <a:schemeClr val="tx1"/>
+        </a:solidFill>
+        <a:latin typeface="+mn-lt"/>
+        <a:ea typeface="+mn-ea"/>
+        <a:cs typeface="+mn-cs"/>
+      </a:defRPr>
+    </a:lvl2pPr>
+    <a:lvl3pPr marL="914400" algn="l" defTabSz="914400" rtl="0" eaLnBrk="1" latinLnBrk="0" hangingPunct="1">
+      <a:defRPr sz="1200" kern="1200">
+        <a:solidFill>
+          <a:schemeClr val="tx1"/>
+        </a:solidFill>
+        <a:latin typeface="+mn-lt"/>
+        <a:ea typeface="+mn-ea"/>
+        <a:cs typeface="+mn-cs"/>
+      </a:defRPr>
+    </a:lvl3pPr>
+    <a:lvl4pPr marL="1371600" algn="l" defTabSz="914400" rtl="0" eaLnBrk="1" latinLnBrk="0" hangingPunct="1">
+      <a:defRPr sz="1200" kern="1200">
+        <a:solidFill>
+          <a:schemeClr val="tx1"/>
+        </a:solidFill>
+        <a:latin typeface="+mn-lt"/>
+        <a:ea typeface="+mn-ea"/>
+        <a:cs typeface="+mn-cs"/>
+      </a:defRPr>
+    </a:lvl4pPr>
+    <a:lvl5pPr marL="1828800" algn="l" defTabSz="914400" rtl="0" eaLnBrk="1" latinLnBrk="0" hangingPunct="1">
+      <a:defRPr sz="1200" kern="1200">
+        <a:solidFill>
+          <a:schemeClr val="tx1"/>
+        </a:solidFill>
+        <a:latin typeface="+mn-lt"/>
+        <a:ea typeface="+mn-ea"/>
+        <a:cs typeface="+mn-cs"/>
+      </a:defRPr>
+    </a:lvl5pPr>
+    <a:lvl6pPr marL="2286000" algn="l" defTabSz="914400" rtl="0" eaLnBrk="1" latinLnBrk="0" hangingPunct="1">
+      <a:defRPr sz="1200" kern="1200">
+        <a:solidFill>
+          <a:schemeClr val="tx1"/>
+        </a:solidFill>
+        <a:latin typeface="+mn-lt"/>
+        <a:ea typeface="+mn-ea"/>
+        <a:cs typeface="+mn-cs"/>
+      </a:defRPr>
+    </a:lvl6pPr>
+    <a:lvl7pPr marL="2743200" algn="l" defTabSz="914400" rtl="0" eaLnBrk="1" latinLnBrk="0" hangingPunct="1">
+      <a:defRPr sz="1200" kern="1200">
+        <a:solidFill>
+          <a:schemeClr val="tx1"/>
+        </a:solidFill>
+        <a:latin typeface="+mn-lt"/>
+        <a:ea typeface="+mn-ea"/>
+        <a:cs typeface="+mn-cs"/>
+      </a:defRPr>
+    </a:lvl7pPr>
+    <a:lvl8pPr marL="3200400" algn="l" defTabSz="914400" rtl="0" eaLnBrk="1" latinLnBrk="0" hangingPunct="1">
+      <a:defRPr sz="1200" kern="1200">
+        <a:solidFill>
+          <a:schemeClr val="tx1"/>
+        </a:solidFill>
+        <a:latin typeface="+mn-lt"/>
+        <a:ea typeface="+mn-ea"/>
+        <a:cs typeface="+mn-cs"/>
+      </a:defRPr>
+    </a:lvl8pPr>
+    <a:lvl9pPr marL="3657600" algn="l" defTabSz="914400" rtl="0" eaLnBrk="1" latinLnBrk="0" hangingPunct="1">
+      <a:defRPr sz="1200" kern="1200">
+        <a:solidFill>
+          <a:schemeClr val="tx1"/>
+        </a:solidFill>
+        <a:latin typeface="+mn-lt"/>
+        <a:ea typeface="+mn-ea"/>
+        <a:cs typeface="+mn-cs"/>
+      </a:defRPr>
+    </a:lvl9pPr>
+  </p:notesStyle>
+</p:notesMaster>
+</file>
+
+<file path=ppt/notesSlides/notesSlide1.xml><?xml version="1.0" encoding="utf-8"?>
+<p:notes xmlns:a="http://schemas.openxmlformats.org/drawingml/2006/main" xmlns:r="http://schemas.openxmlformats.org/officeDocument/2006/relationships" xmlns:p="http://schemas.openxmlformats.org/presentationml/2006/main">
+  <p:cSld>
+    <p:spTree>
+      <p:nvGrpSpPr>
+        <p:cNvPr id="1" name=""/>
+        <p:cNvGrpSpPr/>
+        <p:nvPr/>
+      </p:nvGrpSpPr>
+      <p:grpSpPr>
+        <a:xfrm>
+          <a:off x="0" y="0"/>
+          <a:ext cx="0" cy="0"/>
+          <a:chOff x="0" y="0"/>
+          <a:chExt cx="0" cy="0"/>
+        </a:xfrm>
+      </p:grpSpPr>
+      <p:sp>
+        <p:nvSpPr>
+          <p:cNvPr id="2" name="Slide Image Placeholder 1"/>
+          <p:cNvSpPr>
+            <a:spLocks noGrp="1" noRot="1" noChangeAspect="1"/>
+          </p:cNvSpPr>
+          <p:nvPr>
+            <p:ph type="sldImg"/>
+          </p:nvPr>
+        </p:nvSpPr>
+        <p:spPr/>
+      </p:sp>
+      <p:sp>
+        <p:nvSpPr>
+          <p:cNvPr id="3" name="Notes Placeholder 2"/>
+          <p:cNvSpPr>
+            <a:spLocks noGrp="1"/>
+          </p:cNvSpPr>
+          <p:nvPr>
+            <p:ph type="body" idx="1"/>
+          </p:nvPr>
+        </p:nvSpPr>
+        <p:spPr/>
+        <p:txBody>
+          <a:bodyPr/>
+          <a:lstStyle/>
+          <a:p>
+            <a:r>
+              <a:rPr lang="en-US" dirty="0" smtClean="0"/>
+              <a:t>Histogram: Total Spend Distribution (Left Graph)This histogram displays how customer spending is distributed across your e-commerce </a:t>
+            </a:r>
+            <a:r>
+              <a:rPr lang="en-US" dirty="0" err="1" smtClean="0"/>
+              <a:t>platform:High</a:t>
+            </a:r>
+            <a:r>
+              <a:rPr lang="en-US" dirty="0" smtClean="0"/>
+              <a:t> concentration on the left: Most customers (around 14) spend very little (close to 0), indicating a large base of low-value </a:t>
+            </a:r>
+            <a:r>
+              <a:rPr lang="en-US" dirty="0" err="1" smtClean="0"/>
+              <a:t>customersLong</a:t>
+            </a:r>
+            <a:r>
+              <a:rPr lang="en-US" dirty="0" smtClean="0"/>
+              <a:t> right tail: A few customers spend significantly more (up to ~1e8, which is 100 million in your currency)KDE curve (purple line): Shows the probability density, confirming the right-skewed </a:t>
+            </a:r>
+            <a:r>
+              <a:rPr lang="en-US" dirty="0" err="1" smtClean="0"/>
+              <a:t>distributionInterpretation</a:t>
+            </a:r>
+            <a:r>
+              <a:rPr lang="en-US" dirty="0" smtClean="0"/>
+              <a:t>: This is typical for e-commerce - you have many small buyers and a few "whale" customers who contribute disproportionately to </a:t>
+            </a:r>
+            <a:r>
+              <a:rPr lang="en-US" dirty="0" err="1" smtClean="0"/>
+              <a:t>revenueBoxplot</a:t>
+            </a:r>
+            <a:r>
+              <a:rPr lang="en-US" dirty="0" smtClean="0"/>
+              <a:t>: Order Frequency (Right Graph)This boxplot shows the distribution of how often customers place </a:t>
+            </a:r>
+            <a:r>
+              <a:rPr lang="en-US" dirty="0" err="1" smtClean="0"/>
+              <a:t>orders:Box</a:t>
+            </a:r>
+            <a:r>
+              <a:rPr lang="en-US" dirty="0" smtClean="0"/>
+              <a:t> (orange): Represents the interquartile range (IQR) where 50% of customers </a:t>
+            </a:r>
+            <a:r>
+              <a:rPr lang="en-US" dirty="0" err="1" smtClean="0"/>
+              <a:t>fallMost</a:t>
+            </a:r>
+            <a:r>
+              <a:rPr lang="en-US" dirty="0" smtClean="0"/>
+              <a:t> customers order between ~100-800 </a:t>
+            </a:r>
+            <a:r>
+              <a:rPr lang="en-US" dirty="0" err="1" smtClean="0"/>
+              <a:t>timesMedian</a:t>
+            </a:r>
+            <a:r>
+              <a:rPr lang="en-US" dirty="0" smtClean="0"/>
+              <a:t> (line in box): Around 700 </a:t>
+            </a:r>
+            <a:r>
+              <a:rPr lang="en-US" dirty="0" err="1" smtClean="0"/>
+              <a:t>ordersWhiskers</a:t>
+            </a:r>
+            <a:r>
+              <a:rPr lang="en-US" dirty="0" smtClean="0"/>
+              <a:t>: Extend to show the typical range (up to ~1000 orders)Outliers (circles): Two customers at approximately 750 and 1250 orders who buy significantly more frequently than </a:t>
+            </a:r>
+            <a:r>
+              <a:rPr lang="en-US" dirty="0" err="1" smtClean="0"/>
+              <a:t>othersInterpretation</a:t>
+            </a:r>
+            <a:r>
+              <a:rPr lang="en-US" dirty="0" smtClean="0"/>
+              <a:t>: There's relatively consistent ordering behavior for most customers, with a couple of exceptionally active </a:t>
+            </a:r>
+            <a:r>
+              <a:rPr lang="en-US" dirty="0" err="1" smtClean="0"/>
+              <a:t>accountsKey</a:t>
+            </a:r>
+            <a:endParaRPr lang="en-US" dirty="0"/>
+          </a:p>
+        </p:txBody>
+      </p:sp>
+      <p:sp>
+        <p:nvSpPr>
+          <p:cNvPr id="4" name="Slide Number Placeholder 3"/>
+          <p:cNvSpPr>
+            <a:spLocks noGrp="1"/>
+          </p:cNvSpPr>
+          <p:nvPr>
+            <p:ph type="sldNum" sz="quarter" idx="10"/>
+          </p:nvPr>
+        </p:nvSpPr>
+        <p:spPr/>
+        <p:txBody>
+          <a:bodyPr/>
+          <a:lstStyle/>
+          <a:p>
+            <a:fld id="{E55598AC-2BCD-4BF1-A7C7-D38710F74151}" type="slidenum">
+              <a:rPr lang="en-US" smtClean="0"/>
+              <a:t>6</a:t>
+            </a:fld>
+            <a:endParaRPr lang="en-US"/>
+          </a:p>
+        </p:txBody>
+      </p:sp>
+    </p:spTree>
+    <p:extLst>
+      <p:ext uri="{BB962C8B-B14F-4D97-AF65-F5344CB8AC3E}">
+        <p14:creationId xmlns:p14="http://schemas.microsoft.com/office/powerpoint/2010/main" val="3135412439"/>
+      </p:ext>
+    </p:extLst>
+  </p:cSld>
+  <p:clrMapOvr>
+    <a:masterClrMapping/>
+  </p:clrMapOvr>
+</p:notes>
+</file>
+
+<file path=ppt/notesSlides/notesSlide2.xml><?xml version="1.0" encoding="utf-8"?>
+<p:notes xmlns:a="http://schemas.openxmlformats.org/drawingml/2006/main" xmlns:r="http://schemas.openxmlformats.org/officeDocument/2006/relationships" xmlns:p="http://schemas.openxmlformats.org/presentationml/2006/main">
+  <p:cSld>
+    <p:spTree>
+      <p:nvGrpSpPr>
+        <p:cNvPr id="1" name=""/>
+        <p:cNvGrpSpPr/>
+        <p:nvPr/>
+      </p:nvGrpSpPr>
+      <p:grpSpPr>
+        <a:xfrm>
+          <a:off x="0" y="0"/>
+          <a:ext cx="0" cy="0"/>
+          <a:chOff x="0" y="0"/>
+          <a:chExt cx="0" cy="0"/>
+        </a:xfrm>
+      </p:grpSpPr>
+      <p:sp>
+        <p:nvSpPr>
+          <p:cNvPr id="2" name="Slide Image Placeholder 1"/>
+          <p:cNvSpPr>
+            <a:spLocks noGrp="1" noRot="1" noChangeAspect="1"/>
+          </p:cNvSpPr>
+          <p:nvPr>
+            <p:ph type="sldImg"/>
+          </p:nvPr>
+        </p:nvSpPr>
+        <p:spPr/>
+      </p:sp>
+      <p:sp>
+        <p:nvSpPr>
+          <p:cNvPr id="3" name="Notes Placeholder 2"/>
+          <p:cNvSpPr>
+            <a:spLocks noGrp="1"/>
+          </p:cNvSpPr>
+          <p:nvPr>
+            <p:ph type="body" idx="1"/>
+          </p:nvPr>
+        </p:nvSpPr>
+        <p:spPr/>
+        <p:txBody>
+          <a:bodyPr/>
+          <a:lstStyle/>
+          <a:p>
+            <a:r>
+              <a:rPr lang="en-US" dirty="0" smtClean="0"/>
+              <a:t>Key Relationships1. Frequency ↔ </a:t>
+            </a:r>
+            <a:r>
+              <a:rPr lang="en-US" dirty="0" err="1" smtClean="0"/>
+              <a:t>Total_Spend</a:t>
+            </a:r>
+            <a:r>
+              <a:rPr lang="en-US" dirty="0" smtClean="0"/>
+              <a:t> (0.86) - Strong </a:t>
+            </a:r>
+            <a:r>
+              <a:rPr lang="en-US" dirty="0" err="1" smtClean="0"/>
+              <a:t>PositiveCustomers</a:t>
+            </a:r>
+            <a:r>
+              <a:rPr lang="en-US" dirty="0" smtClean="0"/>
+              <a:t> who order more frequently tend to spend more </a:t>
+            </a:r>
+            <a:r>
+              <a:rPr lang="en-US" dirty="0" err="1" smtClean="0"/>
+              <a:t>overallThis</a:t>
+            </a:r>
+            <a:r>
+              <a:rPr lang="en-US" dirty="0" smtClean="0"/>
+              <a:t> is the strongest relationship in your </a:t>
+            </a:r>
+            <a:r>
+              <a:rPr lang="en-US" dirty="0" err="1" smtClean="0"/>
+              <a:t>datasetMakes</a:t>
+            </a:r>
+            <a:r>
+              <a:rPr lang="en-US" dirty="0" smtClean="0"/>
+              <a:t> business sense: loyal, repeat customers = higher revenue2. Frequency ↔ </a:t>
+            </a:r>
+            <a:r>
+              <a:rPr lang="en-US" dirty="0" err="1" smtClean="0"/>
+              <a:t>Days_Since_Last</a:t>
+            </a:r>
+            <a:r>
+              <a:rPr lang="en-US" dirty="0" smtClean="0"/>
+              <a:t> (-0.39) - Moderate </a:t>
+            </a:r>
+            <a:r>
+              <a:rPr lang="en-US" dirty="0" err="1" smtClean="0"/>
+              <a:t>NegativeMore</a:t>
+            </a:r>
+            <a:r>
+              <a:rPr lang="en-US" dirty="0" smtClean="0"/>
+              <a:t> frequent buyers have purchased more </a:t>
+            </a:r>
+            <a:r>
+              <a:rPr lang="en-US" dirty="0" err="1" smtClean="0"/>
+              <a:t>recentlyNegative</a:t>
+            </a:r>
+            <a:r>
+              <a:rPr lang="en-US" dirty="0" smtClean="0"/>
+              <a:t> correlation means: as frequency increases, days since last order </a:t>
+            </a:r>
+            <a:r>
+              <a:rPr lang="en-US" dirty="0" err="1" smtClean="0"/>
+              <a:t>decreasesActive</a:t>
+            </a:r>
+            <a:r>
+              <a:rPr lang="en-US" dirty="0" smtClean="0"/>
+              <a:t> customers stay engaged3. </a:t>
+            </a:r>
+            <a:r>
+              <a:rPr lang="en-US" dirty="0" err="1" smtClean="0"/>
+              <a:t>Total_Spend</a:t>
+            </a:r>
+            <a:r>
+              <a:rPr lang="en-US" dirty="0" smtClean="0"/>
+              <a:t> ↔ </a:t>
+            </a:r>
+            <a:r>
+              <a:rPr lang="en-US" dirty="0" err="1" smtClean="0"/>
+              <a:t>Days_Since_Last</a:t>
+            </a:r>
+            <a:r>
+              <a:rPr lang="en-US" dirty="0" smtClean="0"/>
+              <a:t> (-0.33) - Moderate </a:t>
+            </a:r>
+            <a:r>
+              <a:rPr lang="en-US" dirty="0" err="1" smtClean="0"/>
+              <a:t>NegativeHigh</a:t>
+            </a:r>
+            <a:r>
+              <a:rPr lang="en-US" dirty="0" smtClean="0"/>
+              <a:t>-spending customers have purchased more </a:t>
+            </a:r>
+            <a:r>
+              <a:rPr lang="en-US" dirty="0" err="1" smtClean="0"/>
+              <a:t>recentlySimilar</a:t>
+            </a:r>
+            <a:r>
+              <a:rPr lang="en-US" dirty="0" smtClean="0"/>
+              <a:t> to above: valuable customers remain </a:t>
+            </a:r>
+            <a:r>
+              <a:rPr lang="en-US" dirty="0" err="1" smtClean="0"/>
+              <a:t>activeRisk</a:t>
+            </a:r>
+            <a:r>
+              <a:rPr lang="en-US" dirty="0" smtClean="0"/>
+              <a:t> indicator: customers with many days since last order are spending less4. </a:t>
+            </a:r>
+            <a:r>
+              <a:rPr lang="en-US" dirty="0" err="1" smtClean="0"/>
+              <a:t>Avg_Purchase_Value</a:t>
+            </a:r>
+            <a:r>
+              <a:rPr lang="en-US" dirty="0" smtClean="0"/>
+              <a:t> ↔ Other Metrics (Weak Correlations)vs Frequency (-0.17): Slight negative - frequent buyers may purchase smaller amounts per </a:t>
+            </a:r>
+            <a:r>
+              <a:rPr lang="en-US" dirty="0" err="1" smtClean="0"/>
+              <a:t>ordervs</a:t>
+            </a:r>
+            <a:r>
+              <a:rPr lang="en-US" dirty="0" smtClean="0"/>
+              <a:t> </a:t>
+            </a:r>
+            <a:r>
+              <a:rPr lang="en-US" dirty="0" err="1" smtClean="0"/>
+              <a:t>Total_Spend</a:t>
+            </a:r>
+            <a:r>
+              <a:rPr lang="en-US" dirty="0" smtClean="0"/>
+              <a:t> (0.04): Almost no correlation - surprising but indicates that total spend is driven by frequency, not order </a:t>
+            </a:r>
+            <a:r>
+              <a:rPr lang="en-US" dirty="0" err="1" smtClean="0"/>
+              <a:t>sizevs</a:t>
+            </a:r>
+            <a:r>
+              <a:rPr lang="en-US" dirty="0" smtClean="0"/>
+              <a:t> </a:t>
+            </a:r>
+            <a:r>
+              <a:rPr lang="en-US" dirty="0" err="1" smtClean="0"/>
+              <a:t>Days_Since_Last</a:t>
+            </a:r>
+            <a:r>
+              <a:rPr lang="en-US" dirty="0" smtClean="0"/>
+              <a:t> (-0.16): Weak negative - basket size doesn't strongly predict </a:t>
+            </a:r>
+            <a:r>
+              <a:rPr lang="en-US" dirty="0" err="1" smtClean="0"/>
+              <a:t>recency</a:t>
+            </a:r>
+            <a:endParaRPr lang="en-US" dirty="0"/>
+          </a:p>
+        </p:txBody>
+      </p:sp>
+      <p:sp>
+        <p:nvSpPr>
+          <p:cNvPr id="4" name="Slide Number Placeholder 3"/>
+          <p:cNvSpPr>
+            <a:spLocks noGrp="1"/>
+          </p:cNvSpPr>
+          <p:nvPr>
+            <p:ph type="sldNum" sz="quarter" idx="10"/>
+          </p:nvPr>
+        </p:nvSpPr>
+        <p:spPr/>
+        <p:txBody>
+          <a:bodyPr/>
+          <a:lstStyle/>
+          <a:p>
+            <a:fld id="{E55598AC-2BCD-4BF1-A7C7-D38710F74151}" type="slidenum">
+              <a:rPr lang="en-US" smtClean="0"/>
+              <a:t>7</a:t>
+            </a:fld>
+            <a:endParaRPr lang="en-US"/>
+          </a:p>
+        </p:txBody>
+      </p:sp>
+    </p:spTree>
+    <p:extLst>
+      <p:ext uri="{BB962C8B-B14F-4D97-AF65-F5344CB8AC3E}">
+        <p14:creationId xmlns:p14="http://schemas.microsoft.com/office/powerpoint/2010/main" val="2585258328"/>
+      </p:ext>
+    </p:extLst>
+  </p:cSld>
+  <p:clrMapOvr>
+    <a:masterClrMapping/>
+  </p:clrMapOvr>
+</p:notes>
+</file>
+
+<file path=ppt/notesSlides/notesSlide3.xml><?xml version="1.0" encoding="utf-8"?>
+<p:notes xmlns:a="http://schemas.openxmlformats.org/drawingml/2006/main" xmlns:r="http://schemas.openxmlformats.org/officeDocument/2006/relationships" xmlns:p="http://schemas.openxmlformats.org/presentationml/2006/main">
+  <p:cSld>
+    <p:spTree>
+      <p:nvGrpSpPr>
+        <p:cNvPr id="1" name=""/>
+        <p:cNvGrpSpPr/>
+        <p:nvPr/>
+      </p:nvGrpSpPr>
+      <p:grpSpPr>
+        <a:xfrm>
+          <a:off x="0" y="0"/>
+          <a:ext cx="0" cy="0"/>
+          <a:chOff x="0" y="0"/>
+          <a:chExt cx="0" cy="0"/>
+        </a:xfrm>
+      </p:grpSpPr>
+      <p:sp>
+        <p:nvSpPr>
+          <p:cNvPr id="2" name="Slide Image Placeholder 1"/>
+          <p:cNvSpPr>
+            <a:spLocks noGrp="1" noRot="1" noChangeAspect="1"/>
+          </p:cNvSpPr>
+          <p:nvPr>
+            <p:ph type="sldImg"/>
+          </p:nvPr>
+        </p:nvSpPr>
+        <p:spPr/>
+      </p:sp>
+      <p:sp>
+        <p:nvSpPr>
+          <p:cNvPr id="3" name="Notes Placeholder 2"/>
+          <p:cNvSpPr>
+            <a:spLocks noGrp="1"/>
+          </p:cNvSpPr>
+          <p:nvPr>
+            <p:ph type="body" idx="1"/>
+          </p:nvPr>
+        </p:nvSpPr>
+        <p:spPr/>
+        <p:txBody>
+          <a:bodyPr/>
+          <a:lstStyle/>
+          <a:p>
+            <a:r>
+              <a:rPr lang="en-US" dirty="0" smtClean="0"/>
+              <a:t>Elbow Plot </a:t>
+            </a:r>
+            <a:r>
+              <a:rPr lang="en-US" dirty="0" err="1" smtClean="0"/>
+              <a:t>AnalysisThis</a:t>
+            </a:r>
+            <a:r>
+              <a:rPr lang="en-US" dirty="0" smtClean="0"/>
+              <a:t> graph helps determine the optimal number of clusters (k) for K-Means clustering of your customer </a:t>
+            </a:r>
+            <a:r>
+              <a:rPr lang="en-US" dirty="0" err="1" smtClean="0"/>
+              <a:t>data.What</a:t>
+            </a:r>
+            <a:r>
+              <a:rPr lang="en-US" dirty="0" smtClean="0"/>
+              <a:t> is </a:t>
+            </a:r>
+            <a:r>
+              <a:rPr lang="en-US" dirty="0" err="1" smtClean="0"/>
+              <a:t>Inertia?Inertia</a:t>
+            </a:r>
+            <a:r>
+              <a:rPr lang="en-US" dirty="0" smtClean="0"/>
+              <a:t> (Y-axis) measures the sum of squared distances between each data point and its assigned cluster center. Lower inertia = tighter, more cohesive </a:t>
+            </a:r>
+            <a:r>
+              <a:rPr lang="en-US" dirty="0" err="1" smtClean="0"/>
+              <a:t>clusters.Reading</a:t>
+            </a:r>
+            <a:r>
+              <a:rPr lang="en-US" dirty="0" smtClean="0"/>
+              <a:t> the </a:t>
+            </a:r>
+            <a:r>
+              <a:rPr lang="en-US" dirty="0" err="1" smtClean="0"/>
+              <a:t>GraphSteep</a:t>
+            </a:r>
+            <a:r>
+              <a:rPr lang="en-US" dirty="0" smtClean="0"/>
+              <a:t> Decline (k=2 to k=4):k=2: Inertia ≈ 30 (very high - customers forced into just 2 groups)k=3: Inertia ≈ 11 (sharp drop - much better separation)k=4: Inertia ≈ 8 (continued improvement)The "Elbow" </a:t>
+            </a:r>
+            <a:r>
+              <a:rPr lang="en-US" dirty="0" err="1" smtClean="0"/>
+              <a:t>Point:Occurs</a:t>
+            </a:r>
+            <a:r>
+              <a:rPr lang="en-US" dirty="0" smtClean="0"/>
+              <a:t> around k=3 or k=4This is where the curve starts to flatten </a:t>
+            </a:r>
+            <a:r>
+              <a:rPr lang="en-US" dirty="0" err="1" smtClean="0"/>
+              <a:t>significantlyAdding</a:t>
+            </a:r>
+            <a:r>
+              <a:rPr lang="en-US" dirty="0" smtClean="0"/>
+              <a:t> more clusters beyond this point yields diminishing </a:t>
+            </a:r>
+            <a:r>
+              <a:rPr lang="en-US" dirty="0" err="1" smtClean="0"/>
+              <a:t>returnsPlateau</a:t>
+            </a:r>
+            <a:r>
+              <a:rPr lang="en-US" dirty="0" smtClean="0"/>
+              <a:t> Phase (k=5 to k=10):k=5: Inertia ≈ 5k=7: Inertia ≈ 3k=10: Inertia ≈ 1The curve becomes nearly flat - minimal improvement despite adding </a:t>
+            </a:r>
+            <a:r>
+              <a:rPr lang="en-US" dirty="0" err="1" smtClean="0"/>
+              <a:t>complexityWhy</a:t>
+            </a:r>
+            <a:r>
+              <a:rPr lang="en-US" dirty="0" smtClean="0"/>
+              <a:t> Your Code Selected k=4From the code at line 176 in Nigerian_ecommerce1.ipynb, </a:t>
+            </a:r>
+            <a:r>
+              <a:rPr lang="en-US" dirty="0" err="1" smtClean="0"/>
+              <a:t>optimal_k</a:t>
+            </a:r>
+            <a:r>
+              <a:rPr lang="en-US" dirty="0" smtClean="0"/>
+              <a:t> = 4 was chosen </a:t>
+            </a:r>
+            <a:r>
+              <a:rPr lang="en-US" dirty="0" err="1" smtClean="0"/>
+              <a:t>because:Balance</a:t>
+            </a:r>
+            <a:r>
+              <a:rPr lang="en-US" dirty="0" smtClean="0"/>
+              <a:t>: Good cluster separation without over-</a:t>
+            </a:r>
+            <a:r>
+              <a:rPr lang="en-US" dirty="0" err="1" smtClean="0"/>
+              <a:t>segmentationInterpretability</a:t>
+            </a:r>
+            <a:r>
+              <a:rPr lang="en-US" dirty="0" smtClean="0"/>
+              <a:t>: 4 customer segments are manageable for business </a:t>
+            </a:r>
+            <a:r>
+              <a:rPr lang="en-US" dirty="0" err="1" smtClean="0"/>
+              <a:t>strategyDiminishing</a:t>
+            </a:r>
+            <a:r>
+              <a:rPr lang="en-US" dirty="0" smtClean="0"/>
+              <a:t> Returns: Beyond k=4, each additional cluster adds minimal </a:t>
+            </a:r>
+            <a:r>
+              <a:rPr lang="en-US" dirty="0" err="1" smtClean="0"/>
+              <a:t>valueBusiness</a:t>
+            </a:r>
+            <a:r>
+              <a:rPr lang="en-US" dirty="0" smtClean="0"/>
+              <a:t> </a:t>
+            </a:r>
+            <a:r>
+              <a:rPr lang="en-US" dirty="0" err="1" smtClean="0"/>
+              <a:t>ImplicationsWith</a:t>
+            </a:r>
+            <a:r>
+              <a:rPr lang="en-US" dirty="0" smtClean="0"/>
+              <a:t> k=4, you likely have customer segments </a:t>
+            </a:r>
+            <a:r>
+              <a:rPr lang="en-US" dirty="0" err="1" smtClean="0"/>
+              <a:t>like:High-value</a:t>
+            </a:r>
+            <a:r>
+              <a:rPr lang="en-US" dirty="0" smtClean="0"/>
+              <a:t> loyalists (frequent, recent, high spend)Regular customers (moderate on all metrics)At-risk customers (infrequent, not recent)New/occasional buyers (low frequency, varied spend)</a:t>
+            </a:r>
+            <a:endParaRPr lang="en-US" dirty="0"/>
+          </a:p>
+        </p:txBody>
+      </p:sp>
+      <p:sp>
+        <p:nvSpPr>
+          <p:cNvPr id="4" name="Slide Number Placeholder 3"/>
+          <p:cNvSpPr>
+            <a:spLocks noGrp="1"/>
+          </p:cNvSpPr>
+          <p:nvPr>
+            <p:ph type="sldNum" sz="quarter" idx="10"/>
+          </p:nvPr>
+        </p:nvSpPr>
+        <p:spPr/>
+        <p:txBody>
+          <a:bodyPr/>
+          <a:lstStyle/>
+          <a:p>
+            <a:fld id="{E55598AC-2BCD-4BF1-A7C7-D38710F74151}" type="slidenum">
+              <a:rPr lang="en-US" smtClean="0"/>
+              <a:t>9</a:t>
+            </a:fld>
+            <a:endParaRPr lang="en-US"/>
+          </a:p>
+        </p:txBody>
+      </p:sp>
+    </p:spTree>
+    <p:extLst>
+      <p:ext uri="{BB962C8B-B14F-4D97-AF65-F5344CB8AC3E}">
+        <p14:creationId xmlns:p14="http://schemas.microsoft.com/office/powerpoint/2010/main" val="687993257"/>
+      </p:ext>
+    </p:extLst>
+  </p:cSld>
+  <p:clrMapOvr>
+    <a:masterClrMapping/>
+  </p:clrMapOvr>
+</p:notes>
+</file>
+
+<file path=ppt/notesSlides/notesSlide4.xml><?xml version="1.0" encoding="utf-8"?>
+<p:notes xmlns:a="http://schemas.openxmlformats.org/drawingml/2006/main" xmlns:r="http://schemas.openxmlformats.org/officeDocument/2006/relationships" xmlns:p="http://schemas.openxmlformats.org/presentationml/2006/main">
+  <p:cSld>
+    <p:spTree>
+      <p:nvGrpSpPr>
+        <p:cNvPr id="1" name=""/>
+        <p:cNvGrpSpPr/>
+        <p:nvPr/>
+      </p:nvGrpSpPr>
+      <p:grpSpPr>
+        <a:xfrm>
+          <a:off x="0" y="0"/>
+          <a:ext cx="0" cy="0"/>
+          <a:chOff x="0" y="0"/>
+          <a:chExt cx="0" cy="0"/>
+        </a:xfrm>
+      </p:grpSpPr>
+      <p:sp>
+        <p:nvSpPr>
+          <p:cNvPr id="2" name="Slide Image Placeholder 1"/>
+          <p:cNvSpPr>
+            <a:spLocks noGrp="1" noRot="1" noChangeAspect="1"/>
+          </p:cNvSpPr>
+          <p:nvPr>
+            <p:ph type="sldImg"/>
+          </p:nvPr>
+        </p:nvSpPr>
+        <p:spPr/>
+      </p:sp>
+      <p:sp>
+        <p:nvSpPr>
+          <p:cNvPr id="3" name="Notes Placeholder 2"/>
+          <p:cNvSpPr>
+            <a:spLocks noGrp="1"/>
+          </p:cNvSpPr>
+          <p:nvPr>
+            <p:ph type="body" idx="1"/>
+          </p:nvPr>
+        </p:nvSpPr>
+        <p:spPr/>
+        <p:txBody>
+          <a:bodyPr/>
+          <a:lstStyle/>
+          <a:p>
+            <a:r>
+              <a:rPr lang="en-US" dirty="0" smtClean="0"/>
+              <a:t>PCA 2D Visualization of </a:t>
+            </a:r>
+            <a:r>
+              <a:rPr lang="en-US" dirty="0" err="1" smtClean="0"/>
+              <a:t>ClustersThis</a:t>
+            </a:r>
+            <a:r>
+              <a:rPr lang="en-US" dirty="0" smtClean="0"/>
+              <a:t> scatter plot shows your customer segmentation after dimensionality reduction using Principal Component Analysis (PCA).What is PCA?PCA takes your 3 clustering features (</a:t>
+            </a:r>
+            <a:r>
+              <a:rPr lang="en-US" dirty="0" err="1" smtClean="0"/>
+              <a:t>Days_Since_Last</a:t>
+            </a:r>
+            <a:r>
+              <a:rPr lang="en-US" dirty="0" smtClean="0"/>
+              <a:t>, Frequency, </a:t>
+            </a:r>
+            <a:r>
+              <a:rPr lang="en-US" dirty="0" err="1" smtClean="0"/>
+              <a:t>Loyalty_Index</a:t>
+            </a:r>
+            <a:r>
+              <a:rPr lang="en-US" dirty="0" smtClean="0"/>
+              <a:t>) and compresses them into 2 dimensions (PCA1 and PCA2) while preserving as much variance as possible. This allows visualization of multi-dimensional clusters on a 2D </a:t>
+            </a:r>
+            <a:r>
+              <a:rPr lang="en-US" dirty="0" err="1" smtClean="0"/>
+              <a:t>plot.The</a:t>
+            </a:r>
+            <a:r>
+              <a:rPr lang="en-US" dirty="0" smtClean="0"/>
+              <a:t> Four </a:t>
+            </a:r>
+            <a:r>
+              <a:rPr lang="en-US" dirty="0" err="1" smtClean="0"/>
+              <a:t>ClustersCluster</a:t>
+            </a:r>
+            <a:r>
+              <a:rPr lang="en-US" dirty="0" smtClean="0"/>
+              <a:t> 0 (Purple) - Moderate/Average </a:t>
+            </a:r>
+            <a:r>
+              <a:rPr lang="en-US" dirty="0" err="1" smtClean="0"/>
+              <a:t>CustomersLocation</a:t>
+            </a:r>
+            <a:r>
+              <a:rPr lang="en-US" dirty="0" smtClean="0"/>
+              <a:t>: Center of the plot (PCA1: 0 to 1.5, PCA2: -0.5 to -0.2)Characteristics: Likely average across all </a:t>
+            </a:r>
+            <a:r>
+              <a:rPr lang="en-US" dirty="0" err="1" smtClean="0"/>
+              <a:t>metricsCount</a:t>
+            </a:r>
+            <a:r>
+              <a:rPr lang="en-US" dirty="0" smtClean="0"/>
+              <a:t>: ~5 </a:t>
+            </a:r>
+            <a:r>
+              <a:rPr lang="en-US" dirty="0" err="1" smtClean="0"/>
+              <a:t>customersBusiness</a:t>
+            </a:r>
+            <a:r>
+              <a:rPr lang="en-US" dirty="0" smtClean="0"/>
+              <a:t> value: Standard customers requiring routine </a:t>
+            </a:r>
+            <a:r>
+              <a:rPr lang="en-US" dirty="0" err="1" smtClean="0"/>
+              <a:t>engagementCluster</a:t>
+            </a:r>
+            <a:r>
+              <a:rPr lang="en-US" dirty="0" smtClean="0"/>
+              <a:t> 1 (Teal/Blue) - High-Value </a:t>
+            </a:r>
+            <a:r>
+              <a:rPr lang="en-US" dirty="0" err="1" smtClean="0"/>
+              <a:t>VIPsLocation</a:t>
+            </a:r>
+            <a:r>
+              <a:rPr lang="en-US" dirty="0" smtClean="0"/>
+              <a:t>: Top-right and right side (PCA1: 3.5 to 4.5, PCA2: 1.0 to 1.25)Characteristics: High frequency, high loyalty index, recent </a:t>
+            </a:r>
+            <a:r>
+              <a:rPr lang="en-US" dirty="0" err="1" smtClean="0"/>
+              <a:t>activityCount</a:t>
+            </a:r>
+            <a:r>
+              <a:rPr lang="en-US" dirty="0" smtClean="0"/>
+              <a:t>: ~2 </a:t>
+            </a:r>
+            <a:r>
+              <a:rPr lang="en-US" dirty="0" err="1" smtClean="0"/>
+              <a:t>customersBusiness</a:t>
+            </a:r>
+            <a:r>
+              <a:rPr lang="en-US" dirty="0" smtClean="0"/>
+              <a:t> value: Your most valuable customers - require VIP treatment and retention </a:t>
+            </a:r>
+            <a:r>
+              <a:rPr lang="en-US" dirty="0" err="1" smtClean="0"/>
+              <a:t>focusCluster</a:t>
+            </a:r>
+            <a:r>
+              <a:rPr lang="en-US" dirty="0" smtClean="0"/>
+              <a:t> 2 (Green) - Engaged Regular </a:t>
+            </a:r>
+            <a:r>
+              <a:rPr lang="en-US" dirty="0" err="1" smtClean="0"/>
+              <a:t>CustomersLocation</a:t>
+            </a:r>
+            <a:r>
+              <a:rPr lang="en-US" dirty="0" smtClean="0"/>
+              <a:t>: Top-left quadrant (PCA1: -1.5 to -0.5, PCA2: 0.3 to 2.2)Characteristics: Good engagement, moderate-to-good </a:t>
+            </a:r>
+            <a:r>
+              <a:rPr lang="en-US" dirty="0" err="1" smtClean="0"/>
+              <a:t>loyaltyCount</a:t>
+            </a:r>
+            <a:r>
+              <a:rPr lang="en-US" dirty="0" smtClean="0"/>
+              <a:t>: ~6 </a:t>
+            </a:r>
+            <a:r>
+              <a:rPr lang="en-US" dirty="0" err="1" smtClean="0"/>
+              <a:t>customersBusiness</a:t>
+            </a:r>
+            <a:r>
+              <a:rPr lang="en-US" dirty="0" smtClean="0"/>
+              <a:t> value: Growth potential - could be upgraded to VIP </a:t>
+            </a:r>
+            <a:r>
+              <a:rPr lang="en-US" dirty="0" err="1" smtClean="0"/>
+              <a:t>statusCluster</a:t>
+            </a:r>
+            <a:r>
+              <a:rPr lang="en-US" dirty="0" smtClean="0"/>
+              <a:t> 3 (Yellow) - At-Risk/Low </a:t>
+            </a:r>
+            <a:r>
+              <a:rPr lang="en-US" dirty="0" err="1" smtClean="0"/>
+              <a:t>EngagementLocation</a:t>
+            </a:r>
+            <a:r>
+              <a:rPr lang="en-US" dirty="0" smtClean="0"/>
+              <a:t>: Bottom-center (PCA1: -0.8 to 0.3, PCA2: -0.9 to 0)Characteristics: Likely low frequency, high days since last order, lower </a:t>
+            </a:r>
+            <a:r>
+              <a:rPr lang="en-US" dirty="0" err="1" smtClean="0"/>
+              <a:t>loyaltyCount</a:t>
+            </a:r>
+            <a:r>
+              <a:rPr lang="en-US" dirty="0" smtClean="0"/>
+              <a:t>: ~10 </a:t>
+            </a:r>
+            <a:r>
+              <a:rPr lang="en-US" dirty="0" err="1" smtClean="0"/>
+              <a:t>customersBusiness</a:t>
+            </a:r>
+            <a:r>
+              <a:rPr lang="en-US" dirty="0" smtClean="0"/>
+              <a:t> value: Churn risk - needs re-engagement </a:t>
+            </a:r>
+            <a:r>
+              <a:rPr lang="en-US" dirty="0" err="1" smtClean="0"/>
+              <a:t>campaignsKey</a:t>
+            </a:r>
+            <a:r>
+              <a:rPr lang="en-US" dirty="0" smtClean="0"/>
+              <a:t> </a:t>
+            </a:r>
+            <a:r>
+              <a:rPr lang="en-US" dirty="0" err="1" smtClean="0"/>
+              <a:t>ObservationsClear</a:t>
+            </a:r>
+            <a:r>
+              <a:rPr lang="en-US" dirty="0" smtClean="0"/>
+              <a:t> Separation: Clusters are well-separated, validating your k=4 choice from the elbow </a:t>
+            </a:r>
+            <a:r>
+              <a:rPr lang="en-US" dirty="0" err="1" smtClean="0"/>
+              <a:t>plotSize</a:t>
+            </a:r>
+            <a:r>
+              <a:rPr lang="en-US" dirty="0" smtClean="0"/>
+              <a:t> Distribution: Cluster 3 (at-risk) is largest, suggesting many customers need </a:t>
+            </a:r>
+            <a:r>
+              <a:rPr lang="en-US" dirty="0" err="1" smtClean="0"/>
+              <a:t>attentionOutliers</a:t>
+            </a:r>
+            <a:r>
+              <a:rPr lang="en-US" dirty="0" smtClean="0"/>
+              <a:t>: Cluster 1 customers are far from others, confirming they're exceptional "whale" </a:t>
+            </a:r>
+            <a:r>
+              <a:rPr lang="en-US" dirty="0" err="1" smtClean="0"/>
+              <a:t>customersNatural</a:t>
+            </a:r>
+            <a:r>
+              <a:rPr lang="en-US" dirty="0" smtClean="0"/>
+              <a:t> Grouping: The spatial distribution shows natural customer segments rather than forced </a:t>
+            </a:r>
+            <a:r>
+              <a:rPr lang="en-US" dirty="0" err="1" smtClean="0"/>
+              <a:t>divisionsBusiness</a:t>
+            </a:r>
+            <a:r>
+              <a:rPr lang="en-US" dirty="0" smtClean="0"/>
+              <a:t> </a:t>
+            </a:r>
+            <a:r>
+              <a:rPr lang="en-US" dirty="0" err="1" smtClean="0"/>
+              <a:t>StrategyBased</a:t>
+            </a:r>
+            <a:r>
+              <a:rPr lang="en-US" dirty="0" smtClean="0"/>
+              <a:t> on this visualization from </a:t>
+            </a:r>
+            <a:r>
+              <a:rPr lang="en-US" dirty="0" err="1" smtClean="0"/>
+              <a:t>customer_df:Cluster</a:t>
+            </a:r>
+            <a:r>
+              <a:rPr lang="en-US" dirty="0" smtClean="0"/>
+              <a:t> 1: Retain at all costs (personalized service, exclusive offers)Cluster 2: Upsell opportunities (loyalty programs, volume incentives)Cluster 3: Win-back campaigns (discounts, re-engagement emails)Cluster 0: Standard marketing mix</a:t>
+            </a:r>
+            <a:endParaRPr lang="en-US" dirty="0"/>
+          </a:p>
+        </p:txBody>
+      </p:sp>
+      <p:sp>
+        <p:nvSpPr>
+          <p:cNvPr id="4" name="Slide Number Placeholder 3"/>
+          <p:cNvSpPr>
+            <a:spLocks noGrp="1"/>
+          </p:cNvSpPr>
+          <p:nvPr>
+            <p:ph type="sldNum" sz="quarter" idx="10"/>
+          </p:nvPr>
+        </p:nvSpPr>
+        <p:spPr/>
+        <p:txBody>
+          <a:bodyPr/>
+          <a:lstStyle/>
+          <a:p>
+            <a:fld id="{E55598AC-2BCD-4BF1-A7C7-D38710F74151}" type="slidenum">
+              <a:rPr lang="en-US" smtClean="0"/>
+              <a:t>10</a:t>
+            </a:fld>
+            <a:endParaRPr lang="en-US"/>
+          </a:p>
+        </p:txBody>
+      </p:sp>
+    </p:spTree>
+    <p:extLst>
+      <p:ext uri="{BB962C8B-B14F-4D97-AF65-F5344CB8AC3E}">
+        <p14:creationId xmlns:p14="http://schemas.microsoft.com/office/powerpoint/2010/main" val="592676053"/>
+      </p:ext>
+    </p:extLst>
+  </p:cSld>
+  <p:clrMapOvr>
+    <a:masterClrMapping/>
+  </p:clrMapOvr>
+</p:notes>
+</file>
+
 <file path=ppt/slideLayouts/slideLayout1.xml><?xml version="1.0" encoding="utf-8"?>
 <p:sldLayout xmlns:a="http://schemas.openxmlformats.org/drawingml/2006/main" xmlns:r="http://schemas.openxmlformats.org/officeDocument/2006/relationships" xmlns:p="http://schemas.openxmlformats.org/presentationml/2006/main" type="title" preserve="1">
   <p:cSld name="Title Slide">
@@ -254,7 +1535,7 @@
           <a:p>
             <a:fld id="{7521BED8-B4F5-48AF-8FB9-C7A2AB26CA8F}" type="datetimeFigureOut">
               <a:rPr lang="en-US" smtClean="0"/>
-              <a:t>11/26/2025</a:t>
+              <a:t>12/14/2025</a:t>
             </a:fld>
             <a:endParaRPr lang="en-US"/>
           </a:p>
@@ -424,7 +1705,7 @@
           <a:p>
             <a:fld id="{7521BED8-B4F5-48AF-8FB9-C7A2AB26CA8F}" type="datetimeFigureOut">
               <a:rPr lang="en-US" smtClean="0"/>
-              <a:t>11/26/2025</a:t>
+              <a:t>12/14/2025</a:t>
             </a:fld>
             <a:endParaRPr lang="en-US"/>
           </a:p>
@@ -604,7 +1885,7 @@
           <a:p>
             <a:fld id="{7521BED8-B4F5-48AF-8FB9-C7A2AB26CA8F}" type="datetimeFigureOut">
               <a:rPr lang="en-US" smtClean="0"/>
-              <a:t>11/26/2025</a:t>
+              <a:t>12/14/2025</a:t>
             </a:fld>
             <a:endParaRPr lang="en-US"/>
           </a:p>
@@ -774,7 +2055,7 @@
           <a:p>
             <a:fld id="{7521BED8-B4F5-48AF-8FB9-C7A2AB26CA8F}" type="datetimeFigureOut">
               <a:rPr lang="en-US" smtClean="0"/>
-              <a:t>11/26/2025</a:t>
+              <a:t>12/14/2025</a:t>
             </a:fld>
             <a:endParaRPr lang="en-US"/>
           </a:p>
@@ -1018,7 +2299,7 @@
           <a:p>
             <a:fld id="{7521BED8-B4F5-48AF-8FB9-C7A2AB26CA8F}" type="datetimeFigureOut">
               <a:rPr lang="en-US" smtClean="0"/>
-              <a:t>11/26/2025</a:t>
+              <a:t>12/14/2025</a:t>
             </a:fld>
             <a:endParaRPr lang="en-US"/>
           </a:p>
@@ -1250,7 +2531,7 @@
           <a:p>
             <a:fld id="{7521BED8-B4F5-48AF-8FB9-C7A2AB26CA8F}" type="datetimeFigureOut">
               <a:rPr lang="en-US" smtClean="0"/>
-              <a:t>11/26/2025</a:t>
+              <a:t>12/14/2025</a:t>
             </a:fld>
             <a:endParaRPr lang="en-US"/>
           </a:p>
@@ -1617,7 +2898,7 @@
           <a:p>
             <a:fld id="{7521BED8-B4F5-48AF-8FB9-C7A2AB26CA8F}" type="datetimeFigureOut">
               <a:rPr lang="en-US" smtClean="0"/>
-              <a:t>11/26/2025</a:t>
+              <a:t>12/14/2025</a:t>
             </a:fld>
             <a:endParaRPr lang="en-US"/>
           </a:p>
@@ -1735,7 +3016,7 @@
           <a:p>
             <a:fld id="{7521BED8-B4F5-48AF-8FB9-C7A2AB26CA8F}" type="datetimeFigureOut">
               <a:rPr lang="en-US" smtClean="0"/>
-              <a:t>11/26/2025</a:t>
+              <a:t>12/14/2025</a:t>
             </a:fld>
             <a:endParaRPr lang="en-US"/>
           </a:p>
@@ -1830,7 +3111,7 @@
           <a:p>
             <a:fld id="{7521BED8-B4F5-48AF-8FB9-C7A2AB26CA8F}" type="datetimeFigureOut">
               <a:rPr lang="en-US" smtClean="0"/>
-              <a:t>11/26/2025</a:t>
+              <a:t>12/14/2025</a:t>
             </a:fld>
             <a:endParaRPr lang="en-US"/>
           </a:p>
@@ -2107,7 +3388,7 @@
           <a:p>
             <a:fld id="{7521BED8-B4F5-48AF-8FB9-C7A2AB26CA8F}" type="datetimeFigureOut">
               <a:rPr lang="en-US" smtClean="0"/>
-              <a:t>11/26/2025</a:t>
+              <a:t>12/14/2025</a:t>
             </a:fld>
             <a:endParaRPr lang="en-US"/>
           </a:p>
@@ -2364,7 +3645,7 @@
           <a:p>
             <a:fld id="{7521BED8-B4F5-48AF-8FB9-C7A2AB26CA8F}" type="datetimeFigureOut">
               <a:rPr lang="en-US" smtClean="0"/>
-              <a:t>11/26/2025</a:t>
+              <a:t>12/14/2025</a:t>
             </a:fld>
             <a:endParaRPr lang="en-US"/>
           </a:p>
@@ -2577,7 +3858,7 @@
           <a:p>
             <a:fld id="{7521BED8-B4F5-48AF-8FB9-C7A2AB26CA8F}" type="datetimeFigureOut">
               <a:rPr lang="en-US" smtClean="0"/>
-              <a:t>11/26/2025</a:t>
+              <a:t>12/14/2025</a:t>
             </a:fld>
             <a:endParaRPr lang="en-US"/>
           </a:p>
@@ -3127,6 +4408,13 @@
   <p:clrMapOvr>
     <a:masterClrMapping/>
   </p:clrMapOvr>
+  <p:timing>
+    <p:tnLst>
+      <p:par>
+        <p:cTn id="1" dur="indefinite" restart="never" nodeType="tmRoot"/>
+      </p:par>
+    </p:tnLst>
+  </p:timing>
 </p:sld>
 </file>
 
@@ -3159,13 +4447,13 @@
         </p:nvSpPr>
         <p:spPr>
           <a:xfrm>
-            <a:off x="866249" y="479144"/>
-            <a:ext cx="10867490" cy="807789"/>
+            <a:off x="2310370" y="638069"/>
+            <a:ext cx="7399810" cy="2099892"/>
           </a:xfrm>
         </p:spPr>
         <p:txBody>
           <a:bodyPr>
-            <a:normAutofit fontScale="90000"/>
+            <a:normAutofit/>
           </a:bodyPr>
           <a:lstStyle/>
           <a:p>
@@ -3181,360 +4469,15 @@
           </a:p>
         </p:txBody>
       </p:sp>
-      <p:sp>
-        <p:nvSpPr>
-          <p:cNvPr id="4" name="Rectangle 1"/>
-          <p:cNvSpPr>
-            <a:spLocks noGrp="1" noChangeArrowheads="1"/>
-          </p:cNvSpPr>
-          <p:nvPr>
-            <p:ph idx="1"/>
-          </p:nvPr>
-        </p:nvSpPr>
-        <p:spPr bwMode="auto">
-          <a:xfrm>
-            <a:off x="866249" y="1534598"/>
-            <a:ext cx="9090551" cy="2031325"/>
-          </a:xfrm>
-          <a:prstGeom prst="rect">
-            <a:avLst/>
-          </a:prstGeom>
-          <a:noFill/>
-          <a:ln>
-            <a:noFill/>
-          </a:ln>
-          <a:effectLst/>
-          <a:extLst>
-            <a:ext uri="{909E8E84-426E-40DD-AFC4-6F175D3DCCD1}">
-              <a14:hiddenFill xmlns:a14="http://schemas.microsoft.com/office/drawing/2010/main">
-                <a:solidFill>
-                  <a:schemeClr val="accent1"/>
-                </a:solidFill>
-              </a14:hiddenFill>
-            </a:ext>
-            <a:ext uri="{91240B29-F687-4F45-9708-019B960494DF}">
-              <a14:hiddenLine xmlns:a14="http://schemas.microsoft.com/office/drawing/2010/main" w="9525">
-                <a:solidFill>
-                  <a:schemeClr val="tx1"/>
-                </a:solidFill>
-                <a:miter lim="800000"/>
-                <a:headEnd/>
-                <a:tailEnd/>
-              </a14:hiddenLine>
-            </a:ext>
-            <a:ext uri="{AF507438-7753-43E0-B8FC-AC1667EBCBE1}">
-              <a14:hiddenEffects xmlns:a14="http://schemas.microsoft.com/office/drawing/2010/main">
-                <a:effectLst>
-                  <a:outerShdw dist="35921" dir="2700000" algn="ctr" rotWithShape="0">
-                    <a:schemeClr val="bg2"/>
-                  </a:outerShdw>
-                </a:effectLst>
-              </a14:hiddenEffects>
-            </a:ext>
-          </a:extLst>
-        </p:spPr>
-        <p:txBody>
-          <a:bodyPr vert="horz" wrap="square" lIns="91440" tIns="45720" rIns="91440" bIns="45720" numCol="1" anchor="ctr" anchorCtr="0" compatLnSpc="1">
-            <a:prstTxWarp prst="textNoShape">
-              <a:avLst/>
-            </a:prstTxWarp>
-            <a:spAutoFit/>
-          </a:bodyPr>
-          <a:lstStyle/>
-          <a:p>
-            <a:pPr marL="0" marR="0" lvl="0" indent="0" algn="l" defTabSz="914400" rtl="0" eaLnBrk="0" fontAlgn="base" latinLnBrk="0" hangingPunct="0">
-              <a:lnSpc>
-                <a:spcPct val="100000"/>
-              </a:lnSpc>
-              <a:spcBef>
-                <a:spcPct val="0"/>
-              </a:spcBef>
-              <a:spcAft>
-                <a:spcPct val="0"/>
-              </a:spcAft>
-              <a:buClrTx/>
-              <a:buSzTx/>
-              <a:buFontTx/>
-              <a:buChar char="•"/>
-              <a:tabLst/>
-            </a:pPr>
-            <a:r>
-              <a:rPr kumimoji="0" lang="en-US" altLang="en-US" sz="1800" b="1" i="0" u="none" strike="noStrike" cap="none" normalizeH="0" baseline="0" dirty="0" smtClean="0">
-                <a:ln>
-                  <a:noFill/>
-                </a:ln>
-                <a:solidFill>
-                  <a:schemeClr val="tx1"/>
-                </a:solidFill>
-                <a:effectLst/>
-                <a:latin typeface="Arial" panose="020B0604020202020204" pitchFamily="34" charset="0"/>
-              </a:rPr>
-              <a:t>Profile Summary:</a:t>
-            </a:r>
-            <a:endParaRPr kumimoji="0" lang="en-US" altLang="en-US" sz="1800" b="0" i="0" u="none" strike="noStrike" cap="none" normalizeH="0" baseline="0" dirty="0" smtClean="0">
-              <a:ln>
-                <a:noFill/>
-              </a:ln>
-              <a:solidFill>
-                <a:schemeClr val="tx1"/>
-              </a:solidFill>
-              <a:effectLst/>
-              <a:latin typeface="Arial" panose="020B0604020202020204" pitchFamily="34" charset="0"/>
-            </a:endParaRPr>
-          </a:p>
-          <a:p>
-            <a:pPr marL="0" marR="0" lvl="0" indent="0" algn="l" defTabSz="914400" rtl="0" eaLnBrk="0" fontAlgn="base" latinLnBrk="0" hangingPunct="0">
-              <a:lnSpc>
-                <a:spcPct val="100000"/>
-              </a:lnSpc>
-              <a:spcBef>
-                <a:spcPct val="0"/>
-              </a:spcBef>
-              <a:spcAft>
-                <a:spcPct val="0"/>
-              </a:spcAft>
-              <a:buClrTx/>
-              <a:buSzTx/>
-              <a:buNone/>
-              <a:tabLst/>
-            </a:pPr>
-            <a:r>
-              <a:rPr kumimoji="0" lang="en-US" altLang="en-US" sz="1800" b="1" i="0" u="none" strike="noStrike" cap="none" normalizeH="0" baseline="0" dirty="0" smtClean="0">
-                <a:ln>
-                  <a:noFill/>
-                </a:ln>
-                <a:solidFill>
-                  <a:schemeClr val="tx1"/>
-                </a:solidFill>
-                <a:effectLst/>
-                <a:latin typeface="Arial" panose="020B0604020202020204" pitchFamily="34" charset="0"/>
-              </a:rPr>
-              <a:t>	Interpretation (Update based on your numbers):</a:t>
-            </a:r>
-            <a:endParaRPr kumimoji="0" lang="en-US" altLang="en-US" sz="1800" b="0" i="0" u="none" strike="noStrike" cap="none" normalizeH="0" baseline="0" dirty="0" smtClean="0">
-              <a:ln>
-                <a:noFill/>
-              </a:ln>
-              <a:solidFill>
-                <a:schemeClr val="tx1"/>
-              </a:solidFill>
-              <a:effectLst/>
-              <a:latin typeface="Arial" panose="020B0604020202020204" pitchFamily="34" charset="0"/>
-            </a:endParaRPr>
-          </a:p>
-          <a:p>
-            <a:pPr marL="0" marR="0" lvl="0" indent="0" algn="l" defTabSz="914400" rtl="0" eaLnBrk="0" fontAlgn="base" latinLnBrk="0" hangingPunct="0">
-              <a:lnSpc>
-                <a:spcPct val="100000"/>
-              </a:lnSpc>
-              <a:spcBef>
-                <a:spcPct val="0"/>
-              </a:spcBef>
-              <a:spcAft>
-                <a:spcPct val="0"/>
-              </a:spcAft>
-              <a:buClrTx/>
-              <a:buSzTx/>
-              <a:buFontTx/>
-              <a:buChar char="•"/>
-              <a:tabLst/>
-            </a:pPr>
-            <a:r>
-              <a:rPr kumimoji="0" lang="en-US" altLang="en-US" sz="1800" b="1" i="0" u="none" strike="noStrike" cap="none" normalizeH="0" baseline="0" dirty="0" smtClean="0">
-                <a:ln>
-                  <a:noFill/>
-                </a:ln>
-                <a:solidFill>
-                  <a:schemeClr val="tx1"/>
-                </a:solidFill>
-                <a:effectLst/>
-                <a:latin typeface="Arial" panose="020B0604020202020204" pitchFamily="34" charset="0"/>
-              </a:rPr>
-              <a:t>Cluster 0:</a:t>
-            </a:r>
-            <a:r>
-              <a:rPr kumimoji="0" lang="en-US" altLang="en-US" sz="1800" b="0" i="0" u="none" strike="noStrike" cap="none" normalizeH="0" baseline="0" dirty="0" smtClean="0">
-                <a:ln>
-                  <a:noFill/>
-                </a:ln>
-                <a:solidFill>
-                  <a:schemeClr val="tx1"/>
-                </a:solidFill>
-                <a:effectLst/>
-                <a:latin typeface="Arial" panose="020B0604020202020204" pitchFamily="34" charset="0"/>
-              </a:rPr>
-              <a:t> High Value / Recent (VIPs).</a:t>
-            </a:r>
-          </a:p>
-          <a:p>
-            <a:pPr marL="0" marR="0" lvl="0" indent="0" algn="l" defTabSz="914400" rtl="0" eaLnBrk="0" fontAlgn="base" latinLnBrk="0" hangingPunct="0">
-              <a:lnSpc>
-                <a:spcPct val="100000"/>
-              </a:lnSpc>
-              <a:spcBef>
-                <a:spcPct val="0"/>
-              </a:spcBef>
-              <a:spcAft>
-                <a:spcPct val="0"/>
-              </a:spcAft>
-              <a:buClrTx/>
-              <a:buSzTx/>
-              <a:buFontTx/>
-              <a:buChar char="•"/>
-              <a:tabLst/>
-            </a:pPr>
-            <a:r>
-              <a:rPr kumimoji="0" lang="en-US" altLang="en-US" sz="1800" b="1" i="0" u="none" strike="noStrike" cap="none" normalizeH="0" baseline="0" dirty="0" smtClean="0">
-                <a:ln>
-                  <a:noFill/>
-                </a:ln>
-                <a:solidFill>
-                  <a:schemeClr val="tx1"/>
-                </a:solidFill>
-                <a:effectLst/>
-                <a:latin typeface="Arial" panose="020B0604020202020204" pitchFamily="34" charset="0"/>
-              </a:rPr>
-              <a:t>Cluster 1:</a:t>
-            </a:r>
-            <a:r>
-              <a:rPr kumimoji="0" lang="en-US" altLang="en-US" sz="1800" b="0" i="0" u="none" strike="noStrike" cap="none" normalizeH="0" baseline="0" dirty="0" smtClean="0">
-                <a:ln>
-                  <a:noFill/>
-                </a:ln>
-                <a:solidFill>
-                  <a:schemeClr val="tx1"/>
-                </a:solidFill>
-                <a:effectLst/>
-                <a:latin typeface="Arial" panose="020B0604020202020204" pitchFamily="34" charset="0"/>
-              </a:rPr>
-              <a:t> Low Value / Old (Churned).</a:t>
-            </a:r>
-          </a:p>
-          <a:p>
-            <a:pPr marL="0" marR="0" lvl="0" indent="0" algn="l" defTabSz="914400" rtl="0" eaLnBrk="0" fontAlgn="base" latinLnBrk="0" hangingPunct="0">
-              <a:lnSpc>
-                <a:spcPct val="100000"/>
-              </a:lnSpc>
-              <a:spcBef>
-                <a:spcPct val="0"/>
-              </a:spcBef>
-              <a:spcAft>
-                <a:spcPct val="0"/>
-              </a:spcAft>
-              <a:buClrTx/>
-              <a:buSzTx/>
-              <a:buFontTx/>
-              <a:buChar char="•"/>
-              <a:tabLst/>
-            </a:pPr>
-            <a:r>
-              <a:rPr kumimoji="0" lang="en-US" altLang="en-US" sz="1800" b="1" i="0" u="none" strike="noStrike" cap="none" normalizeH="0" baseline="0" dirty="0" smtClean="0">
-                <a:ln>
-                  <a:noFill/>
-                </a:ln>
-                <a:solidFill>
-                  <a:schemeClr val="tx1"/>
-                </a:solidFill>
-                <a:effectLst/>
-                <a:latin typeface="Arial" panose="020B0604020202020204" pitchFamily="34" charset="0"/>
-              </a:rPr>
-              <a:t>Cluster 2:</a:t>
-            </a:r>
-            <a:r>
-              <a:rPr kumimoji="0" lang="en-US" altLang="en-US" sz="1800" b="0" i="0" u="none" strike="noStrike" cap="none" normalizeH="0" baseline="0" dirty="0" smtClean="0">
-                <a:ln>
-                  <a:noFill/>
-                </a:ln>
-                <a:solidFill>
-                  <a:schemeClr val="tx1"/>
-                </a:solidFill>
-                <a:effectLst/>
-                <a:latin typeface="Arial" panose="020B0604020202020204" pitchFamily="34" charset="0"/>
-              </a:rPr>
-              <a:t> Mid Value / Recent (Regulars).</a:t>
-            </a:r>
-          </a:p>
-          <a:p>
-            <a:pPr marL="0" marR="0" lvl="0" indent="0" algn="l" defTabSz="914400" rtl="0" eaLnBrk="0" fontAlgn="base" latinLnBrk="0" hangingPunct="0">
-              <a:lnSpc>
-                <a:spcPct val="100000"/>
-              </a:lnSpc>
-              <a:spcBef>
-                <a:spcPct val="0"/>
-              </a:spcBef>
-              <a:spcAft>
-                <a:spcPct val="0"/>
-              </a:spcAft>
-              <a:buClrTx/>
-              <a:buSzTx/>
-              <a:buFontTx/>
-              <a:buChar char="•"/>
-              <a:tabLst/>
-            </a:pPr>
-            <a:r>
-              <a:rPr kumimoji="0" lang="en-US" altLang="en-US" sz="1800" b="1" i="0" u="none" strike="noStrike" cap="none" normalizeH="0" baseline="0" dirty="0" smtClean="0">
-                <a:ln>
-                  <a:noFill/>
-                </a:ln>
-                <a:solidFill>
-                  <a:schemeClr val="tx1"/>
-                </a:solidFill>
-                <a:effectLst/>
-                <a:latin typeface="Arial" panose="020B0604020202020204" pitchFamily="34" charset="0"/>
-              </a:rPr>
-              <a:t>Cluster 3:</a:t>
-            </a:r>
-            <a:r>
-              <a:rPr kumimoji="0" lang="en-US" altLang="en-US" sz="1800" b="0" i="0" u="none" strike="noStrike" cap="none" normalizeH="0" baseline="0" dirty="0" smtClean="0">
-                <a:ln>
-                  <a:noFill/>
-                </a:ln>
-                <a:solidFill>
-                  <a:schemeClr val="tx1"/>
-                </a:solidFill>
-                <a:effectLst/>
-                <a:latin typeface="Arial" panose="020B0604020202020204" pitchFamily="34" charset="0"/>
-              </a:rPr>
-              <a:t> Low Frequency (New Customers</a:t>
-            </a:r>
-          </a:p>
-          <a:p>
-            <a:pPr marL="0" marR="0" lvl="0" indent="0" algn="l" defTabSz="914400" rtl="0" eaLnBrk="0" fontAlgn="base" latinLnBrk="0" hangingPunct="0">
-              <a:lnSpc>
-                <a:spcPct val="100000"/>
-              </a:lnSpc>
-              <a:spcBef>
-                <a:spcPct val="0"/>
-              </a:spcBef>
-              <a:spcAft>
-                <a:spcPct val="0"/>
-              </a:spcAft>
-              <a:buClrTx/>
-              <a:buSzTx/>
-              <a:buFontTx/>
-              <a:buNone/>
-              <a:tabLst/>
-            </a:pPr>
-            <a:endParaRPr kumimoji="0" lang="en-US" altLang="en-US" sz="1800" b="0" i="0" u="none" strike="noStrike" cap="none" normalizeH="0" baseline="0" dirty="0" smtClean="0">
-              <a:ln>
-                <a:noFill/>
-              </a:ln>
-              <a:solidFill>
-                <a:schemeClr val="tx1"/>
-              </a:solidFill>
-              <a:effectLst/>
-              <a:latin typeface="Arial" panose="020B0604020202020204" pitchFamily="34" charset="0"/>
-            </a:endParaRPr>
-          </a:p>
-        </p:txBody>
-      </p:sp>
       <p:pic>
         <p:nvPicPr>
-          <p:cNvPr id="5" name="Picture 4"/>
+          <p:cNvPr id="6" name="Content Placeholder 5"/>
           <p:cNvPicPr>
-            <a:picLocks noChangeAspect="1"/>
+            <a:picLocks noGrp="1" noChangeAspect="1"/>
           </p:cNvPicPr>
-          <p:nvPr/>
+          <p:nvPr>
+            <p:ph idx="1"/>
+          </p:nvPr>
         </p:nvPicPr>
         <p:blipFill>
           <a:blip r:embed="rId2"/>
@@ -3544,8 +4487,8 @@
         </p:blipFill>
         <p:spPr>
           <a:xfrm>
-            <a:off x="1337733" y="3813588"/>
-            <a:ext cx="8771467" cy="3403600"/>
+            <a:off x="1504950" y="3099911"/>
+            <a:ext cx="9010650" cy="5048249"/>
           </a:xfrm>
           <a:prstGeom prst="rect">
             <a:avLst/>
@@ -3562,6 +4505,13 @@
   <p:clrMapOvr>
     <a:masterClrMapping/>
   </p:clrMapOvr>
+  <p:timing>
+    <p:tnLst>
+      <p:par>
+        <p:cTn id="1" dur="indefinite" restart="never" nodeType="tmRoot"/>
+      </p:par>
+    </p:tnLst>
+  </p:timing>
 </p:sld>
 </file>
 
@@ -3737,8 +4687,8 @@
         </p:blipFill>
         <p:spPr>
           <a:xfrm>
-            <a:off x="1405467" y="2464610"/>
-            <a:ext cx="9084907" cy="5286699"/>
+            <a:off x="433124" y="1828271"/>
+            <a:ext cx="11873176" cy="7171267"/>
           </a:xfrm>
           <a:prstGeom prst="rect">
             <a:avLst/>
@@ -3755,6 +4705,13 @@
   <p:clrMapOvr>
     <a:masterClrMapping/>
   </p:clrMapOvr>
+  <p:timing>
+    <p:tnLst>
+      <p:par>
+        <p:cTn id="1" dur="indefinite" restart="never" nodeType="tmRoot"/>
+      </p:par>
+    </p:tnLst>
+  </p:timing>
 </p:sld>
 </file>
 
@@ -3913,6 +4870,13 @@
   <p:clrMapOvr>
     <a:masterClrMapping/>
   </p:clrMapOvr>
+  <p:timing>
+    <p:tnLst>
+      <p:par>
+        <p:cTn id="1" dur="indefinite" restart="never" nodeType="tmRoot"/>
+      </p:par>
+    </p:tnLst>
+  </p:timing>
 </p:sld>
 </file>
 
@@ -4367,6 +5331,13 @@
   <p:clrMapOvr>
     <a:masterClrMapping/>
   </p:clrMapOvr>
+  <p:timing>
+    <p:tnLst>
+      <p:par>
+        <p:cTn id="1" dur="indefinite" restart="never" nodeType="tmRoot"/>
+      </p:par>
+    </p:tnLst>
+  </p:timing>
 </p:sld>
 </file>
 
@@ -4432,8 +5403,8 @@
         </p:nvSpPr>
         <p:spPr bwMode="auto">
           <a:xfrm>
-            <a:off x="1428455" y="1150699"/>
-            <a:ext cx="8613012" cy="1970295"/>
+            <a:off x="1428455" y="1023741"/>
+            <a:ext cx="8613012" cy="2224211"/>
           </a:xfrm>
           <a:prstGeom prst="rect">
             <a:avLst/>
@@ -4482,43 +5453,43 @@
           <a:lstStyle/>
           <a:p>
             <a:r>
-              <a:rPr lang="en-US" sz="1700" b="1" dirty="0"/>
+              <a:rPr lang="en-US" sz="2000" b="1" dirty="0"/>
               <a:t>Data Preprocessing</a:t>
             </a:r>
           </a:p>
           <a:p>
             <a:r>
-              <a:rPr lang="en-US" sz="1700" b="1" dirty="0"/>
+              <a:rPr lang="en-US" sz="2000" b="1" dirty="0"/>
               <a:t>Steps Taken:</a:t>
             </a:r>
-            <a:endParaRPr lang="en-US" sz="1700" dirty="0"/>
+            <a:endParaRPr lang="en-US" sz="2000" dirty="0"/>
           </a:p>
           <a:p>
             <a:pPr lvl="1"/>
             <a:r>
-              <a:rPr lang="en-US" sz="1700" dirty="0"/>
+              <a:rPr lang="en-US" sz="2000" dirty="0"/>
               <a:t>Loaded dataset and converted Dates.</a:t>
             </a:r>
           </a:p>
           <a:p>
             <a:pPr lvl="1"/>
             <a:r>
-              <a:rPr lang="en-US" sz="1700" dirty="0"/>
+              <a:rPr lang="en-US" sz="2000" dirty="0"/>
               <a:t>Removed duplicates and missing values.</a:t>
             </a:r>
           </a:p>
           <a:p>
             <a:pPr lvl="1"/>
             <a:r>
-              <a:rPr lang="en-US" sz="1700" dirty="0"/>
+              <a:rPr lang="en-US" sz="2000" dirty="0"/>
               <a:t>Aggregated data to </a:t>
             </a:r>
             <a:r>
-              <a:rPr lang="en-US" sz="1700" b="1" dirty="0"/>
+              <a:rPr lang="en-US" sz="2000" b="1" dirty="0"/>
               <a:t>Customer Level</a:t>
             </a:r>
             <a:r>
-              <a:rPr lang="en-US" sz="1700" dirty="0"/>
+              <a:rPr lang="en-US" sz="2000" dirty="0"/>
               <a:t> (grouped by Business Name).</a:t>
             </a:r>
           </a:p>
@@ -4535,7 +5506,7 @@
               </a:spcAft>
               <a:buNone/>
             </a:pPr>
-            <a:endParaRPr lang="en-US" altLang="en-US" sz="1700" dirty="0">
+            <a:endParaRPr lang="en-US" altLang="en-US" sz="2000" dirty="0">
               <a:latin typeface="Arial" panose="020B0604020202020204" pitchFamily="34" charset="0"/>
             </a:endParaRPr>
           </a:p>
@@ -4557,7 +5528,7 @@
         </p:blipFill>
         <p:spPr>
           <a:xfrm>
-            <a:off x="809544" y="3354704"/>
+            <a:off x="809544" y="3120994"/>
             <a:ext cx="8744126" cy="5474503"/>
           </a:xfrm>
           <a:prstGeom prst="rect">
@@ -4575,6 +5546,13 @@
   <p:clrMapOvr>
     <a:masterClrMapping/>
   </p:clrMapOvr>
+  <p:timing>
+    <p:tnLst>
+      <p:par>
+        <p:cTn id="1" dur="indefinite" restart="never" nodeType="tmRoot"/>
+      </p:par>
+    </p:tnLst>
+  </p:timing>
 </p:sld>
 </file>
 
@@ -4932,6 +5910,13 @@
   <p:clrMapOvr>
     <a:masterClrMapping/>
   </p:clrMapOvr>
+  <p:timing>
+    <p:tnLst>
+      <p:par>
+        <p:cTn id="1" dur="indefinite" restart="never" nodeType="tmRoot"/>
+      </p:par>
+    </p:tnLst>
+  </p:timing>
 </p:sld>
 </file>
 
@@ -5044,7 +6029,7 @@
           <p:nvPr/>
         </p:nvPicPr>
         <p:blipFill>
-          <a:blip r:embed="rId2"/>
+          <a:blip r:embed="rId3"/>
           <a:stretch>
             <a:fillRect/>
           </a:stretch>
@@ -5069,6 +6054,13 @@
   <p:clrMapOvr>
     <a:masterClrMapping/>
   </p:clrMapOvr>
+  <p:timing>
+    <p:tnLst>
+      <p:par>
+        <p:cTn id="1" dur="indefinite" restart="never" nodeType="tmRoot"/>
+      </p:par>
+    </p:tnLst>
+  </p:timing>
 </p:sld>
 </file>
 
@@ -5195,7 +6187,7 @@
           <p:nvPr/>
         </p:nvPicPr>
         <p:blipFill>
-          <a:blip r:embed="rId2"/>
+          <a:blip r:embed="rId3"/>
           <a:stretch>
             <a:fillRect/>
           </a:stretch>
@@ -5220,6 +6212,13 @@
   <p:clrMapOvr>
     <a:masterClrMapping/>
   </p:clrMapOvr>
+  <p:timing>
+    <p:tnLst>
+      <p:par>
+        <p:cTn id="1" dur="indefinite" restart="never" nodeType="tmRoot"/>
+      </p:par>
+    </p:tnLst>
+  </p:timing>
 </p:sld>
 </file>
 
@@ -5356,7 +6355,7 @@
         </p:blipFill>
         <p:spPr>
           <a:xfrm>
-            <a:off x="1609365" y="5943600"/>
+            <a:off x="1609365" y="6781800"/>
             <a:ext cx="8802429" cy="2106286"/>
           </a:xfrm>
           <a:prstGeom prst="rect">
@@ -5380,8 +6379,8 @@
         </p:blipFill>
         <p:spPr>
           <a:xfrm>
-            <a:off x="1609364" y="3708399"/>
-            <a:ext cx="8802429" cy="1744133"/>
+            <a:off x="1609364" y="3727449"/>
+            <a:ext cx="8802429" cy="2501901"/>
           </a:xfrm>
           <a:prstGeom prst="rect">
             <a:avLst/>
@@ -5398,6 +6397,13 @@
   <p:clrMapOvr>
     <a:masterClrMapping/>
   </p:clrMapOvr>
+  <p:timing>
+    <p:tnLst>
+      <p:par>
+        <p:cTn id="1" dur="indefinite" restart="never" nodeType="tmRoot"/>
+      </p:par>
+    </p:tnLst>
+  </p:timing>
 </p:sld>
 </file>
 
@@ -5528,7 +6534,7 @@
           <p:nvPr/>
         </p:nvPicPr>
         <p:blipFill>
-          <a:blip r:embed="rId2"/>
+          <a:blip r:embed="rId3"/>
           <a:stretch>
             <a:fillRect/>
           </a:stretch>
@@ -5553,6 +6559,13 @@
   <p:clrMapOvr>
     <a:masterClrMapping/>
   </p:clrMapOvr>
+  <p:timing>
+    <p:tnLst>
+      <p:par>
+        <p:cTn id="1" dur="indefinite" restart="never" nodeType="tmRoot"/>
+      </p:par>
+    </p:tnLst>
+  </p:timing>
 </p:sld>
 </file>
 
@@ -5718,7 +6731,7 @@
           <p:nvPr/>
         </p:nvPicPr>
         <p:blipFill>
-          <a:blip r:embed="rId2"/>
+          <a:blip r:embed="rId3"/>
           <a:stretch>
             <a:fillRect/>
           </a:stretch>
@@ -5743,6 +6756,13 @@
   <p:clrMapOvr>
     <a:masterClrMapping/>
   </p:clrMapOvr>
+  <p:timing>
+    <p:tnLst>
+      <p:par>
+        <p:cTn id="1" dur="indefinite" restart="never" nodeType="tmRoot"/>
+      </p:par>
+    </p:tnLst>
+  </p:timing>
 </p:sld>
 </file>
 
@@ -6005,4 +7025,265 @@
     </a:ext>
   </a:extLst>
 </a:theme>
+</file>
+
+<file path=ppt/theme/theme2.xml><?xml version="1.0" encoding="utf-8"?>
+<a:theme xmlns:a="http://schemas.openxmlformats.org/drawingml/2006/main" name="Office Theme">
+  <a:themeElements>
+    <a:clrScheme name="Office">
+      <a:dk1>
+        <a:sysClr val="windowText" lastClr="000000"/>
+      </a:dk1>
+      <a:lt1>
+        <a:sysClr val="window" lastClr="FFFFFF"/>
+      </a:lt1>
+      <a:dk2>
+        <a:srgbClr val="44546A"/>
+      </a:dk2>
+      <a:lt2>
+        <a:srgbClr val="E7E6E6"/>
+      </a:lt2>
+      <a:accent1>
+        <a:srgbClr val="5B9BD5"/>
+      </a:accent1>
+      <a:accent2>
+        <a:srgbClr val="ED7D31"/>
+      </a:accent2>
+      <a:accent3>
+        <a:srgbClr val="A5A5A5"/>
+      </a:accent3>
+      <a:accent4>
+        <a:srgbClr val="FFC000"/>
+      </a:accent4>
+      <a:accent5>
+        <a:srgbClr val="4472C4"/>
+      </a:accent5>
+      <a:accent6>
+        <a:srgbClr val="70AD47"/>
+      </a:accent6>
+      <a:hlink>
+        <a:srgbClr val="0563C1"/>
+      </a:hlink>
+      <a:folHlink>
+        <a:srgbClr val="954F72"/>
+      </a:folHlink>
+    </a:clrScheme>
+    <a:fontScheme name="Office">
+      <a:majorFont>
+        <a:latin typeface="Calibri Light" panose="020F0302020204030204"/>
+        <a:ea typeface=""/>
+        <a:cs typeface=""/>
+        <a:font script="Jpan" typeface="游ゴシック Light"/>
+        <a:font script="Hang" typeface="맑은 고딕"/>
+        <a:font script="Hans" typeface="等线 Light"/>
+        <a:font script="Hant" typeface="新細明體"/>
+        <a:font script="Arab" typeface="Times New Roman"/>
+        <a:font script="Hebr" typeface="Times New Roman"/>
+        <a:font script="Thai" typeface="Angsana New"/>
+        <a:font script="Ethi" typeface="Nyala"/>
+        <a:font script="Beng" typeface="Vrinda"/>
+        <a:font script="Gujr" typeface="Shruti"/>
+        <a:font script="Khmr" typeface="MoolBoran"/>
+        <a:font script="Knda" typeface="Tunga"/>
+        <a:font script="Guru" typeface="Raavi"/>
+        <a:font script="Cans" typeface="Euphemia"/>
+        <a:font script="Cher" typeface="Plantagenet Cherokee"/>
+        <a:font script="Yiii" typeface="Microsoft Yi Baiti"/>
+        <a:font script="Tibt" typeface="Microsoft Himalaya"/>
+        <a:font script="Thaa" typeface="MV Boli"/>
+        <a:font script="Deva" typeface="Mangal"/>
+        <a:font script="Telu" typeface="Gautami"/>
+        <a:font script="Taml" typeface="Latha"/>
+        <a:font script="Syrc" typeface="Estrangelo Edessa"/>
+        <a:font script="Orya" typeface="Kalinga"/>
+        <a:font script="Mlym" typeface="Kartika"/>
+        <a:font script="Laoo" typeface="DokChampa"/>
+        <a:font script="Sinh" typeface="Iskoola Pota"/>
+        <a:font script="Mong" typeface="Mongolian Baiti"/>
+        <a:font script="Viet" typeface="Times New Roman"/>
+        <a:font script="Uigh" typeface="Microsoft Uighur"/>
+        <a:font script="Geor" typeface="Sylfaen"/>
+      </a:majorFont>
+      <a:minorFont>
+        <a:latin typeface="Calibri" panose="020F0502020204030204"/>
+        <a:ea typeface=""/>
+        <a:cs typeface=""/>
+        <a:font script="Jpan" typeface="游ゴシック"/>
+        <a:font script="Hang" typeface="맑은 고딕"/>
+        <a:font script="Hans" typeface="等线"/>
+        <a:font script="Hant" typeface="新細明體"/>
+        <a:font script="Arab" typeface="Arial"/>
+        <a:font script="Hebr" typeface="Arial"/>
+        <a:font script="Thai" typeface="Cordia New"/>
+        <a:font script="Ethi" typeface="Nyala"/>
+        <a:font script="Beng" typeface="Vrinda"/>
+        <a:font script="Gujr" typeface="Shruti"/>
+        <a:font script="Khmr" typeface="DaunPenh"/>
+        <a:font script="Knda" typeface="Tunga"/>
+        <a:font script="Guru" typeface="Raavi"/>
+        <a:font script="Cans" typeface="Euphemia"/>
+        <a:font script="Cher" typeface="Plantagenet Cherokee"/>
+        <a:font script="Yiii" typeface="Microsoft Yi Baiti"/>
+        <a:font script="Tibt" typeface="Microsoft Himalaya"/>
+        <a:font script="Thaa" typeface="MV Boli"/>
+        <a:font script="Deva" typeface="Mangal"/>
+        <a:font script="Telu" typeface="Gautami"/>
+        <a:font script="Taml" typeface="Latha"/>
+        <a:font script="Syrc" typeface="Estrangelo Edessa"/>
+        <a:font script="Orya" typeface="Kalinga"/>
+        <a:font script="Mlym" typeface="Kartika"/>
+        <a:font script="Laoo" typeface="DokChampa"/>
+        <a:font script="Sinh" typeface="Iskoola Pota"/>
+        <a:font script="Mong" typeface="Mongolian Baiti"/>
+        <a:font script="Viet" typeface="Arial"/>
+        <a:font script="Uigh" typeface="Microsoft Uighur"/>
+        <a:font script="Geor" typeface="Sylfaen"/>
+      </a:minorFont>
+    </a:fontScheme>
+    <a:fmtScheme name="Office">
+      <a:fillStyleLst>
+        <a:solidFill>
+          <a:schemeClr val="phClr"/>
+        </a:solidFill>
+        <a:gradFill rotWithShape="1">
+          <a:gsLst>
+            <a:gs pos="0">
+              <a:schemeClr val="phClr">
+                <a:lumMod val="110000"/>
+                <a:satMod val="105000"/>
+                <a:tint val="67000"/>
+              </a:schemeClr>
+            </a:gs>
+            <a:gs pos="50000">
+              <a:schemeClr val="phClr">
+                <a:lumMod val="105000"/>
+                <a:satMod val="103000"/>
+                <a:tint val="73000"/>
+              </a:schemeClr>
+            </a:gs>
+            <a:gs pos="100000">
+              <a:schemeClr val="phClr">
+                <a:lumMod val="105000"/>
+                <a:satMod val="109000"/>
+                <a:tint val="81000"/>
+              </a:schemeClr>
+            </a:gs>
+          </a:gsLst>
+          <a:lin ang="5400000" scaled="0"/>
+        </a:gradFill>
+        <a:gradFill rotWithShape="1">
+          <a:gsLst>
+            <a:gs pos="0">
+              <a:schemeClr val="phClr">
+                <a:satMod val="103000"/>
+                <a:lumMod val="102000"/>
+                <a:tint val="94000"/>
+              </a:schemeClr>
+            </a:gs>
+            <a:gs pos="50000">
+              <a:schemeClr val="phClr">
+                <a:satMod val="110000"/>
+                <a:lumMod val="100000"/>
+                <a:shade val="100000"/>
+              </a:schemeClr>
+            </a:gs>
+            <a:gs pos="100000">
+              <a:schemeClr val="phClr">
+                <a:lumMod val="99000"/>
+                <a:satMod val="120000"/>
+                <a:shade val="78000"/>
+              </a:schemeClr>
+            </a:gs>
+          </a:gsLst>
+          <a:lin ang="5400000" scaled="0"/>
+        </a:gradFill>
+      </a:fillStyleLst>
+      <a:lnStyleLst>
+        <a:ln w="6350" cap="flat" cmpd="sng" algn="ctr">
+          <a:solidFill>
+            <a:schemeClr val="phClr"/>
+          </a:solidFill>
+          <a:prstDash val="solid"/>
+          <a:miter lim="800000"/>
+        </a:ln>
+        <a:ln w="12700" cap="flat" cmpd="sng" algn="ctr">
+          <a:solidFill>
+            <a:schemeClr val="phClr"/>
+          </a:solidFill>
+          <a:prstDash val="solid"/>
+          <a:miter lim="800000"/>
+        </a:ln>
+        <a:ln w="19050" cap="flat" cmpd="sng" algn="ctr">
+          <a:solidFill>
+            <a:schemeClr val="phClr"/>
+          </a:solidFill>
+          <a:prstDash val="solid"/>
+          <a:miter lim="800000"/>
+        </a:ln>
+      </a:lnStyleLst>
+      <a:effectStyleLst>
+        <a:effectStyle>
+          <a:effectLst/>
+        </a:effectStyle>
+        <a:effectStyle>
+          <a:effectLst/>
+        </a:effectStyle>
+        <a:effectStyle>
+          <a:effectLst>
+            <a:outerShdw blurRad="57150" dist="19050" dir="5400000" algn="ctr" rotWithShape="0">
+              <a:srgbClr val="000000">
+                <a:alpha val="63000"/>
+              </a:srgbClr>
+            </a:outerShdw>
+          </a:effectLst>
+        </a:effectStyle>
+      </a:effectStyleLst>
+      <a:bgFillStyleLst>
+        <a:solidFill>
+          <a:schemeClr val="phClr"/>
+        </a:solidFill>
+        <a:solidFill>
+          <a:schemeClr val="phClr">
+            <a:tint val="95000"/>
+            <a:satMod val="170000"/>
+          </a:schemeClr>
+        </a:solidFill>
+        <a:gradFill rotWithShape="1">
+          <a:gsLst>
+            <a:gs pos="0">
+              <a:schemeClr val="phClr">
+                <a:tint val="93000"/>
+                <a:satMod val="150000"/>
+                <a:shade val="98000"/>
+                <a:lumMod val="102000"/>
+              </a:schemeClr>
+            </a:gs>
+            <a:gs pos="50000">
+              <a:schemeClr val="phClr">
+                <a:tint val="98000"/>
+                <a:satMod val="130000"/>
+                <a:shade val="90000"/>
+                <a:lumMod val="103000"/>
+              </a:schemeClr>
+            </a:gs>
+            <a:gs pos="100000">
+              <a:schemeClr val="phClr">
+                <a:shade val="63000"/>
+                <a:satMod val="120000"/>
+              </a:schemeClr>
+            </a:gs>
+          </a:gsLst>
+          <a:lin ang="5400000" scaled="0"/>
+        </a:gradFill>
+      </a:bgFillStyleLst>
+    </a:fmtScheme>
+  </a:themeElements>
+  <a:objectDefaults/>
+  <a:extraClrSchemeLst/>
+  <a:extLst>
+    <a:ext uri="{05A4C25C-085E-4340-85A3-A5531E510DB2}">
+      <thm15:themeFamily xmlns:thm15="http://schemas.microsoft.com/office/thememl/2012/main" name="Office Theme" id="{62F939B6-93AF-4DB8-9C6B-D6C7DFDC589F}" vid="{4A3C46E8-61CC-4603-A589-7422A47A8E4A}"/>
+    </a:ext>
+  </a:extLst>
+</a:theme>
 </file>